--- a/ReciPro/doc/bethe.pptx
+++ b/ReciPro/doc/bethe.pptx
@@ -155,7 +155,7 @@
           </a:lstStyle>
           <a:p>
             <a:r>
-              <a:rPr lang="ja-JP" altLang="en-US" smtClean="0"/>
+              <a:rPr lang="ja-JP" altLang="en-US"/>
               <a:t>マスター タイトルの書式設定</a:t>
             </a:r>
             <a:endParaRPr lang="en-US" dirty="0"/>
@@ -220,7 +220,7 @@
           </a:lstStyle>
           <a:p>
             <a:r>
-              <a:rPr lang="ja-JP" altLang="en-US" smtClean="0"/>
+              <a:rPr lang="ja-JP" altLang="en-US"/>
               <a:t>マスター サブタイトルの書式設定</a:t>
             </a:r>
             <a:endParaRPr lang="en-US" dirty="0"/>
@@ -244,7 +244,7 @@
           <a:p>
             <a:fld id="{A5EC26D8-D98F-4A91-AFE7-5EF4FA3FDDA5}" type="datetimeFigureOut">
               <a:rPr kumimoji="1" lang="ja-JP" altLang="en-US" smtClean="0"/>
-              <a:t>2020/2/13</a:t>
+              <a:t>2021/1/2</a:t>
             </a:fld>
             <a:endParaRPr kumimoji="1" lang="ja-JP" altLang="en-US"/>
           </a:p>
@@ -338,7 +338,7 @@
           <a:lstStyle/>
           <a:p>
             <a:r>
-              <a:rPr lang="ja-JP" altLang="en-US" smtClean="0"/>
+              <a:rPr lang="ja-JP" altLang="en-US"/>
               <a:t>マスター タイトルの書式設定</a:t>
             </a:r>
             <a:endParaRPr lang="en-US" dirty="0"/>
@@ -362,67 +362,67 @@
           <a:p>
             <a:pPr lvl="0"/>
             <a:r>
-              <a:rPr lang="ja-JP" altLang="en-US" smtClean="0"/>
+              <a:rPr lang="ja-JP" altLang="en-US"/>
               <a:t>マスター テキストの書式設定</a:t>
             </a:r>
           </a:p>
           <a:p>
             <a:pPr lvl="1"/>
             <a:r>
-              <a:rPr lang="ja-JP" altLang="en-US" smtClean="0"/>
+              <a:rPr lang="ja-JP" altLang="en-US"/>
               <a:t>第 </a:t>
             </a:r>
             <a:r>
-              <a:rPr lang="en-US" altLang="ja-JP" smtClean="0"/>
+              <a:rPr lang="en-US" altLang="ja-JP"/>
               <a:t>2 </a:t>
             </a:r>
             <a:r>
-              <a:rPr lang="ja-JP" altLang="en-US" smtClean="0"/>
+              <a:rPr lang="ja-JP" altLang="en-US"/>
               <a:t>レベル</a:t>
             </a:r>
           </a:p>
           <a:p>
             <a:pPr lvl="2"/>
             <a:r>
-              <a:rPr lang="ja-JP" altLang="en-US" smtClean="0"/>
+              <a:rPr lang="ja-JP" altLang="en-US"/>
               <a:t>第 </a:t>
             </a:r>
             <a:r>
-              <a:rPr lang="en-US" altLang="ja-JP" smtClean="0"/>
+              <a:rPr lang="en-US" altLang="ja-JP"/>
               <a:t>3 </a:t>
             </a:r>
             <a:r>
-              <a:rPr lang="ja-JP" altLang="en-US" smtClean="0"/>
+              <a:rPr lang="ja-JP" altLang="en-US"/>
               <a:t>レベル</a:t>
             </a:r>
           </a:p>
           <a:p>
             <a:pPr lvl="3"/>
             <a:r>
-              <a:rPr lang="ja-JP" altLang="en-US" smtClean="0"/>
+              <a:rPr lang="ja-JP" altLang="en-US"/>
               <a:t>第 </a:t>
             </a:r>
             <a:r>
-              <a:rPr lang="en-US" altLang="ja-JP" smtClean="0"/>
+              <a:rPr lang="en-US" altLang="ja-JP"/>
               <a:t>4 </a:t>
             </a:r>
             <a:r>
-              <a:rPr lang="ja-JP" altLang="en-US" smtClean="0"/>
+              <a:rPr lang="ja-JP" altLang="en-US"/>
               <a:t>レベル</a:t>
             </a:r>
           </a:p>
           <a:p>
             <a:pPr lvl="4"/>
             <a:r>
-              <a:rPr lang="ja-JP" altLang="en-US" smtClean="0"/>
+              <a:rPr lang="ja-JP" altLang="en-US"/>
               <a:t>第 </a:t>
             </a:r>
             <a:r>
-              <a:rPr lang="en-US" altLang="ja-JP" smtClean="0"/>
+              <a:rPr lang="en-US" altLang="ja-JP"/>
               <a:t>5 </a:t>
             </a:r>
             <a:r>
-              <a:rPr lang="ja-JP" altLang="en-US" smtClean="0"/>
+              <a:rPr lang="ja-JP" altLang="en-US"/>
               <a:t>レベル</a:t>
             </a:r>
             <a:endParaRPr lang="en-US" dirty="0"/>
@@ -446,7 +446,7 @@
           <a:p>
             <a:fld id="{A5EC26D8-D98F-4A91-AFE7-5EF4FA3FDDA5}" type="datetimeFigureOut">
               <a:rPr kumimoji="1" lang="ja-JP" altLang="en-US" smtClean="0"/>
-              <a:t>2020/2/13</a:t>
+              <a:t>2021/1/2</a:t>
             </a:fld>
             <a:endParaRPr kumimoji="1" lang="ja-JP" altLang="en-US"/>
           </a:p>
@@ -545,7 +545,7 @@
           <a:lstStyle/>
           <a:p>
             <a:r>
-              <a:rPr lang="ja-JP" altLang="en-US" smtClean="0"/>
+              <a:rPr lang="ja-JP" altLang="en-US"/>
               <a:t>マスター タイトルの書式設定</a:t>
             </a:r>
             <a:endParaRPr lang="en-US" dirty="0"/>
@@ -574,67 +574,67 @@
           <a:p>
             <a:pPr lvl="0"/>
             <a:r>
-              <a:rPr lang="ja-JP" altLang="en-US" smtClean="0"/>
+              <a:rPr lang="ja-JP" altLang="en-US"/>
               <a:t>マスター テキストの書式設定</a:t>
             </a:r>
           </a:p>
           <a:p>
             <a:pPr lvl="1"/>
             <a:r>
-              <a:rPr lang="ja-JP" altLang="en-US" smtClean="0"/>
+              <a:rPr lang="ja-JP" altLang="en-US"/>
               <a:t>第 </a:t>
             </a:r>
             <a:r>
-              <a:rPr lang="en-US" altLang="ja-JP" smtClean="0"/>
+              <a:rPr lang="en-US" altLang="ja-JP"/>
               <a:t>2 </a:t>
             </a:r>
             <a:r>
-              <a:rPr lang="ja-JP" altLang="en-US" smtClean="0"/>
+              <a:rPr lang="ja-JP" altLang="en-US"/>
               <a:t>レベル</a:t>
             </a:r>
           </a:p>
           <a:p>
             <a:pPr lvl="2"/>
             <a:r>
-              <a:rPr lang="ja-JP" altLang="en-US" smtClean="0"/>
+              <a:rPr lang="ja-JP" altLang="en-US"/>
               <a:t>第 </a:t>
             </a:r>
             <a:r>
-              <a:rPr lang="en-US" altLang="ja-JP" smtClean="0"/>
+              <a:rPr lang="en-US" altLang="ja-JP"/>
               <a:t>3 </a:t>
             </a:r>
             <a:r>
-              <a:rPr lang="ja-JP" altLang="en-US" smtClean="0"/>
+              <a:rPr lang="ja-JP" altLang="en-US"/>
               <a:t>レベル</a:t>
             </a:r>
           </a:p>
           <a:p>
             <a:pPr lvl="3"/>
             <a:r>
-              <a:rPr lang="ja-JP" altLang="en-US" smtClean="0"/>
+              <a:rPr lang="ja-JP" altLang="en-US"/>
               <a:t>第 </a:t>
             </a:r>
             <a:r>
-              <a:rPr lang="en-US" altLang="ja-JP" smtClean="0"/>
+              <a:rPr lang="en-US" altLang="ja-JP"/>
               <a:t>4 </a:t>
             </a:r>
             <a:r>
-              <a:rPr lang="ja-JP" altLang="en-US" smtClean="0"/>
+              <a:rPr lang="ja-JP" altLang="en-US"/>
               <a:t>レベル</a:t>
             </a:r>
           </a:p>
           <a:p>
             <a:pPr lvl="4"/>
             <a:r>
-              <a:rPr lang="ja-JP" altLang="en-US" smtClean="0"/>
+              <a:rPr lang="ja-JP" altLang="en-US"/>
               <a:t>第 </a:t>
             </a:r>
             <a:r>
-              <a:rPr lang="en-US" altLang="ja-JP" smtClean="0"/>
+              <a:rPr lang="en-US" altLang="ja-JP"/>
               <a:t>5 </a:t>
             </a:r>
             <a:r>
-              <a:rPr lang="ja-JP" altLang="en-US" smtClean="0"/>
+              <a:rPr lang="ja-JP" altLang="en-US"/>
               <a:t>レベル</a:t>
             </a:r>
             <a:endParaRPr lang="en-US" dirty="0"/>
@@ -658,7 +658,7 @@
           <a:p>
             <a:fld id="{A5EC26D8-D98F-4A91-AFE7-5EF4FA3FDDA5}" type="datetimeFigureOut">
               <a:rPr kumimoji="1" lang="ja-JP" altLang="en-US" smtClean="0"/>
-              <a:t>2020/2/13</a:t>
+              <a:t>2021/1/2</a:t>
             </a:fld>
             <a:endParaRPr kumimoji="1" lang="ja-JP" altLang="en-US"/>
           </a:p>
@@ -752,7 +752,7 @@
           <a:lstStyle/>
           <a:p>
             <a:r>
-              <a:rPr lang="ja-JP" altLang="en-US" smtClean="0"/>
+              <a:rPr lang="ja-JP" altLang="en-US"/>
               <a:t>マスター タイトルの書式設定</a:t>
             </a:r>
             <a:endParaRPr lang="en-US" dirty="0"/>
@@ -776,67 +776,67 @@
           <a:p>
             <a:pPr lvl="0"/>
             <a:r>
-              <a:rPr lang="ja-JP" altLang="en-US" smtClean="0"/>
+              <a:rPr lang="ja-JP" altLang="en-US"/>
               <a:t>マスター テキストの書式設定</a:t>
             </a:r>
           </a:p>
           <a:p>
             <a:pPr lvl="1"/>
             <a:r>
-              <a:rPr lang="ja-JP" altLang="en-US" smtClean="0"/>
+              <a:rPr lang="ja-JP" altLang="en-US"/>
               <a:t>第 </a:t>
             </a:r>
             <a:r>
-              <a:rPr lang="en-US" altLang="ja-JP" smtClean="0"/>
+              <a:rPr lang="en-US" altLang="ja-JP"/>
               <a:t>2 </a:t>
             </a:r>
             <a:r>
-              <a:rPr lang="ja-JP" altLang="en-US" smtClean="0"/>
+              <a:rPr lang="ja-JP" altLang="en-US"/>
               <a:t>レベル</a:t>
             </a:r>
           </a:p>
           <a:p>
             <a:pPr lvl="2"/>
             <a:r>
-              <a:rPr lang="ja-JP" altLang="en-US" smtClean="0"/>
+              <a:rPr lang="ja-JP" altLang="en-US"/>
               <a:t>第 </a:t>
             </a:r>
             <a:r>
-              <a:rPr lang="en-US" altLang="ja-JP" smtClean="0"/>
+              <a:rPr lang="en-US" altLang="ja-JP"/>
               <a:t>3 </a:t>
             </a:r>
             <a:r>
-              <a:rPr lang="ja-JP" altLang="en-US" smtClean="0"/>
+              <a:rPr lang="ja-JP" altLang="en-US"/>
               <a:t>レベル</a:t>
             </a:r>
           </a:p>
           <a:p>
             <a:pPr lvl="3"/>
             <a:r>
-              <a:rPr lang="ja-JP" altLang="en-US" smtClean="0"/>
+              <a:rPr lang="ja-JP" altLang="en-US"/>
               <a:t>第 </a:t>
             </a:r>
             <a:r>
-              <a:rPr lang="en-US" altLang="ja-JP" smtClean="0"/>
+              <a:rPr lang="en-US" altLang="ja-JP"/>
               <a:t>4 </a:t>
             </a:r>
             <a:r>
-              <a:rPr lang="ja-JP" altLang="en-US" smtClean="0"/>
+              <a:rPr lang="ja-JP" altLang="en-US"/>
               <a:t>レベル</a:t>
             </a:r>
           </a:p>
           <a:p>
             <a:pPr lvl="4"/>
             <a:r>
-              <a:rPr lang="ja-JP" altLang="en-US" smtClean="0"/>
+              <a:rPr lang="ja-JP" altLang="en-US"/>
               <a:t>第 </a:t>
             </a:r>
             <a:r>
-              <a:rPr lang="en-US" altLang="ja-JP" smtClean="0"/>
+              <a:rPr lang="en-US" altLang="ja-JP"/>
               <a:t>5 </a:t>
             </a:r>
             <a:r>
-              <a:rPr lang="ja-JP" altLang="en-US" smtClean="0"/>
+              <a:rPr lang="ja-JP" altLang="en-US"/>
               <a:t>レベル</a:t>
             </a:r>
             <a:endParaRPr lang="en-US" dirty="0"/>
@@ -860,7 +860,7 @@
           <a:p>
             <a:fld id="{A5EC26D8-D98F-4A91-AFE7-5EF4FA3FDDA5}" type="datetimeFigureOut">
               <a:rPr kumimoji="1" lang="ja-JP" altLang="en-US" smtClean="0"/>
-              <a:t>2020/2/13</a:t>
+              <a:t>2021/1/2</a:t>
             </a:fld>
             <a:endParaRPr kumimoji="1" lang="ja-JP" altLang="en-US"/>
           </a:p>
@@ -963,7 +963,7 @@
           </a:lstStyle>
           <a:p>
             <a:r>
-              <a:rPr lang="ja-JP" altLang="en-US" smtClean="0"/>
+              <a:rPr lang="ja-JP" altLang="en-US"/>
               <a:t>マスター タイトルの書式設定</a:t>
             </a:r>
             <a:endParaRPr lang="en-US" dirty="0"/>
@@ -1081,7 +1081,7 @@
           <a:p>
             <a:pPr lvl="0"/>
             <a:r>
-              <a:rPr lang="ja-JP" altLang="en-US" smtClean="0"/>
+              <a:rPr lang="ja-JP" altLang="en-US"/>
               <a:t>マスター テキストの書式設定</a:t>
             </a:r>
           </a:p>
@@ -1104,7 +1104,7 @@
           <a:p>
             <a:fld id="{A5EC26D8-D98F-4A91-AFE7-5EF4FA3FDDA5}" type="datetimeFigureOut">
               <a:rPr kumimoji="1" lang="ja-JP" altLang="en-US" smtClean="0"/>
-              <a:t>2020/2/13</a:t>
+              <a:t>2021/1/2</a:t>
             </a:fld>
             <a:endParaRPr kumimoji="1" lang="ja-JP" altLang="en-US"/>
           </a:p>
@@ -1198,7 +1198,7 @@
           <a:lstStyle/>
           <a:p>
             <a:r>
-              <a:rPr lang="ja-JP" altLang="en-US" smtClean="0"/>
+              <a:rPr lang="ja-JP" altLang="en-US"/>
               <a:t>マスター タイトルの書式設定</a:t>
             </a:r>
             <a:endParaRPr lang="en-US" dirty="0"/>
@@ -1227,67 +1227,67 @@
           <a:p>
             <a:pPr lvl="0"/>
             <a:r>
-              <a:rPr lang="ja-JP" altLang="en-US" smtClean="0"/>
+              <a:rPr lang="ja-JP" altLang="en-US"/>
               <a:t>マスター テキストの書式設定</a:t>
             </a:r>
           </a:p>
           <a:p>
             <a:pPr lvl="1"/>
             <a:r>
-              <a:rPr lang="ja-JP" altLang="en-US" smtClean="0"/>
+              <a:rPr lang="ja-JP" altLang="en-US"/>
               <a:t>第 </a:t>
             </a:r>
             <a:r>
-              <a:rPr lang="en-US" altLang="ja-JP" smtClean="0"/>
+              <a:rPr lang="en-US" altLang="ja-JP"/>
               <a:t>2 </a:t>
             </a:r>
             <a:r>
-              <a:rPr lang="ja-JP" altLang="en-US" smtClean="0"/>
+              <a:rPr lang="ja-JP" altLang="en-US"/>
               <a:t>レベル</a:t>
             </a:r>
           </a:p>
           <a:p>
             <a:pPr lvl="2"/>
             <a:r>
-              <a:rPr lang="ja-JP" altLang="en-US" smtClean="0"/>
+              <a:rPr lang="ja-JP" altLang="en-US"/>
               <a:t>第 </a:t>
             </a:r>
             <a:r>
-              <a:rPr lang="en-US" altLang="ja-JP" smtClean="0"/>
+              <a:rPr lang="en-US" altLang="ja-JP"/>
               <a:t>3 </a:t>
             </a:r>
             <a:r>
-              <a:rPr lang="ja-JP" altLang="en-US" smtClean="0"/>
+              <a:rPr lang="ja-JP" altLang="en-US"/>
               <a:t>レベル</a:t>
             </a:r>
           </a:p>
           <a:p>
             <a:pPr lvl="3"/>
             <a:r>
-              <a:rPr lang="ja-JP" altLang="en-US" smtClean="0"/>
+              <a:rPr lang="ja-JP" altLang="en-US"/>
               <a:t>第 </a:t>
             </a:r>
             <a:r>
-              <a:rPr lang="en-US" altLang="ja-JP" smtClean="0"/>
+              <a:rPr lang="en-US" altLang="ja-JP"/>
               <a:t>4 </a:t>
             </a:r>
             <a:r>
-              <a:rPr lang="ja-JP" altLang="en-US" smtClean="0"/>
+              <a:rPr lang="ja-JP" altLang="en-US"/>
               <a:t>レベル</a:t>
             </a:r>
           </a:p>
           <a:p>
             <a:pPr lvl="4"/>
             <a:r>
-              <a:rPr lang="ja-JP" altLang="en-US" smtClean="0"/>
+              <a:rPr lang="ja-JP" altLang="en-US"/>
               <a:t>第 </a:t>
             </a:r>
             <a:r>
-              <a:rPr lang="en-US" altLang="ja-JP" smtClean="0"/>
+              <a:rPr lang="en-US" altLang="ja-JP"/>
               <a:t>5 </a:t>
             </a:r>
             <a:r>
-              <a:rPr lang="ja-JP" altLang="en-US" smtClean="0"/>
+              <a:rPr lang="ja-JP" altLang="en-US"/>
               <a:t>レベル</a:t>
             </a:r>
             <a:endParaRPr lang="en-US" dirty="0"/>
@@ -1316,67 +1316,67 @@
           <a:p>
             <a:pPr lvl="0"/>
             <a:r>
-              <a:rPr lang="ja-JP" altLang="en-US" smtClean="0"/>
+              <a:rPr lang="ja-JP" altLang="en-US"/>
               <a:t>マスター テキストの書式設定</a:t>
             </a:r>
           </a:p>
           <a:p>
             <a:pPr lvl="1"/>
             <a:r>
-              <a:rPr lang="ja-JP" altLang="en-US" smtClean="0"/>
+              <a:rPr lang="ja-JP" altLang="en-US"/>
               <a:t>第 </a:t>
             </a:r>
             <a:r>
-              <a:rPr lang="en-US" altLang="ja-JP" smtClean="0"/>
+              <a:rPr lang="en-US" altLang="ja-JP"/>
               <a:t>2 </a:t>
             </a:r>
             <a:r>
-              <a:rPr lang="ja-JP" altLang="en-US" smtClean="0"/>
+              <a:rPr lang="ja-JP" altLang="en-US"/>
               <a:t>レベル</a:t>
             </a:r>
           </a:p>
           <a:p>
             <a:pPr lvl="2"/>
             <a:r>
-              <a:rPr lang="ja-JP" altLang="en-US" smtClean="0"/>
+              <a:rPr lang="ja-JP" altLang="en-US"/>
               <a:t>第 </a:t>
             </a:r>
             <a:r>
-              <a:rPr lang="en-US" altLang="ja-JP" smtClean="0"/>
+              <a:rPr lang="en-US" altLang="ja-JP"/>
               <a:t>3 </a:t>
             </a:r>
             <a:r>
-              <a:rPr lang="ja-JP" altLang="en-US" smtClean="0"/>
+              <a:rPr lang="ja-JP" altLang="en-US"/>
               <a:t>レベル</a:t>
             </a:r>
           </a:p>
           <a:p>
             <a:pPr lvl="3"/>
             <a:r>
-              <a:rPr lang="ja-JP" altLang="en-US" smtClean="0"/>
+              <a:rPr lang="ja-JP" altLang="en-US"/>
               <a:t>第 </a:t>
             </a:r>
             <a:r>
-              <a:rPr lang="en-US" altLang="ja-JP" smtClean="0"/>
+              <a:rPr lang="en-US" altLang="ja-JP"/>
               <a:t>4 </a:t>
             </a:r>
             <a:r>
-              <a:rPr lang="ja-JP" altLang="en-US" smtClean="0"/>
+              <a:rPr lang="ja-JP" altLang="en-US"/>
               <a:t>レベル</a:t>
             </a:r>
           </a:p>
           <a:p>
             <a:pPr lvl="4"/>
             <a:r>
-              <a:rPr lang="ja-JP" altLang="en-US" smtClean="0"/>
+              <a:rPr lang="ja-JP" altLang="en-US"/>
               <a:t>第 </a:t>
             </a:r>
             <a:r>
-              <a:rPr lang="en-US" altLang="ja-JP" smtClean="0"/>
+              <a:rPr lang="en-US" altLang="ja-JP"/>
               <a:t>5 </a:t>
             </a:r>
             <a:r>
-              <a:rPr lang="ja-JP" altLang="en-US" smtClean="0"/>
+              <a:rPr lang="ja-JP" altLang="en-US"/>
               <a:t>レベル</a:t>
             </a:r>
             <a:endParaRPr lang="en-US" dirty="0"/>
@@ -1400,7 +1400,7 @@
           <a:p>
             <a:fld id="{A5EC26D8-D98F-4A91-AFE7-5EF4FA3FDDA5}" type="datetimeFigureOut">
               <a:rPr kumimoji="1" lang="ja-JP" altLang="en-US" smtClean="0"/>
-              <a:t>2020/2/13</a:t>
+              <a:t>2021/1/2</a:t>
             </a:fld>
             <a:endParaRPr kumimoji="1" lang="ja-JP" altLang="en-US"/>
           </a:p>
@@ -1499,7 +1499,7 @@
           <a:lstStyle/>
           <a:p>
             <a:r>
-              <a:rPr lang="ja-JP" altLang="en-US" smtClean="0"/>
+              <a:rPr lang="ja-JP" altLang="en-US"/>
               <a:t>マスター タイトルの書式設定</a:t>
             </a:r>
             <a:endParaRPr lang="en-US" dirty="0"/>
@@ -1565,7 +1565,7 @@
           <a:p>
             <a:pPr lvl="0"/>
             <a:r>
-              <a:rPr lang="ja-JP" altLang="en-US" smtClean="0"/>
+              <a:rPr lang="ja-JP" altLang="en-US"/>
               <a:t>マスター テキストの書式設定</a:t>
             </a:r>
           </a:p>
@@ -1593,67 +1593,67 @@
           <a:p>
             <a:pPr lvl="0"/>
             <a:r>
-              <a:rPr lang="ja-JP" altLang="en-US" smtClean="0"/>
+              <a:rPr lang="ja-JP" altLang="en-US"/>
               <a:t>マスター テキストの書式設定</a:t>
             </a:r>
           </a:p>
           <a:p>
             <a:pPr lvl="1"/>
             <a:r>
-              <a:rPr lang="ja-JP" altLang="en-US" smtClean="0"/>
+              <a:rPr lang="ja-JP" altLang="en-US"/>
               <a:t>第 </a:t>
             </a:r>
             <a:r>
-              <a:rPr lang="en-US" altLang="ja-JP" smtClean="0"/>
+              <a:rPr lang="en-US" altLang="ja-JP"/>
               <a:t>2 </a:t>
             </a:r>
             <a:r>
-              <a:rPr lang="ja-JP" altLang="en-US" smtClean="0"/>
+              <a:rPr lang="ja-JP" altLang="en-US"/>
               <a:t>レベル</a:t>
             </a:r>
           </a:p>
           <a:p>
             <a:pPr lvl="2"/>
             <a:r>
-              <a:rPr lang="ja-JP" altLang="en-US" smtClean="0"/>
+              <a:rPr lang="ja-JP" altLang="en-US"/>
               <a:t>第 </a:t>
             </a:r>
             <a:r>
-              <a:rPr lang="en-US" altLang="ja-JP" smtClean="0"/>
+              <a:rPr lang="en-US" altLang="ja-JP"/>
               <a:t>3 </a:t>
             </a:r>
             <a:r>
-              <a:rPr lang="ja-JP" altLang="en-US" smtClean="0"/>
+              <a:rPr lang="ja-JP" altLang="en-US"/>
               <a:t>レベル</a:t>
             </a:r>
           </a:p>
           <a:p>
             <a:pPr lvl="3"/>
             <a:r>
-              <a:rPr lang="ja-JP" altLang="en-US" smtClean="0"/>
+              <a:rPr lang="ja-JP" altLang="en-US"/>
               <a:t>第 </a:t>
             </a:r>
             <a:r>
-              <a:rPr lang="en-US" altLang="ja-JP" smtClean="0"/>
+              <a:rPr lang="en-US" altLang="ja-JP"/>
               <a:t>4 </a:t>
             </a:r>
             <a:r>
-              <a:rPr lang="ja-JP" altLang="en-US" smtClean="0"/>
+              <a:rPr lang="ja-JP" altLang="en-US"/>
               <a:t>レベル</a:t>
             </a:r>
           </a:p>
           <a:p>
             <a:pPr lvl="4"/>
             <a:r>
-              <a:rPr lang="ja-JP" altLang="en-US" smtClean="0"/>
+              <a:rPr lang="ja-JP" altLang="en-US"/>
               <a:t>第 </a:t>
             </a:r>
             <a:r>
-              <a:rPr lang="en-US" altLang="ja-JP" smtClean="0"/>
+              <a:rPr lang="en-US" altLang="ja-JP"/>
               <a:t>5 </a:t>
             </a:r>
             <a:r>
-              <a:rPr lang="ja-JP" altLang="en-US" smtClean="0"/>
+              <a:rPr lang="ja-JP" altLang="en-US"/>
               <a:t>レベル</a:t>
             </a:r>
             <a:endParaRPr lang="en-US" dirty="0"/>
@@ -1719,7 +1719,7 @@
           <a:p>
             <a:pPr lvl="0"/>
             <a:r>
-              <a:rPr lang="ja-JP" altLang="en-US" smtClean="0"/>
+              <a:rPr lang="ja-JP" altLang="en-US"/>
               <a:t>マスター テキストの書式設定</a:t>
             </a:r>
           </a:p>
@@ -1747,67 +1747,67 @@
           <a:p>
             <a:pPr lvl="0"/>
             <a:r>
-              <a:rPr lang="ja-JP" altLang="en-US" smtClean="0"/>
+              <a:rPr lang="ja-JP" altLang="en-US"/>
               <a:t>マスター テキストの書式設定</a:t>
             </a:r>
           </a:p>
           <a:p>
             <a:pPr lvl="1"/>
             <a:r>
-              <a:rPr lang="ja-JP" altLang="en-US" smtClean="0"/>
+              <a:rPr lang="ja-JP" altLang="en-US"/>
               <a:t>第 </a:t>
             </a:r>
             <a:r>
-              <a:rPr lang="en-US" altLang="ja-JP" smtClean="0"/>
+              <a:rPr lang="en-US" altLang="ja-JP"/>
               <a:t>2 </a:t>
             </a:r>
             <a:r>
-              <a:rPr lang="ja-JP" altLang="en-US" smtClean="0"/>
+              <a:rPr lang="ja-JP" altLang="en-US"/>
               <a:t>レベル</a:t>
             </a:r>
           </a:p>
           <a:p>
             <a:pPr lvl="2"/>
             <a:r>
-              <a:rPr lang="ja-JP" altLang="en-US" smtClean="0"/>
+              <a:rPr lang="ja-JP" altLang="en-US"/>
               <a:t>第 </a:t>
             </a:r>
             <a:r>
-              <a:rPr lang="en-US" altLang="ja-JP" smtClean="0"/>
+              <a:rPr lang="en-US" altLang="ja-JP"/>
               <a:t>3 </a:t>
             </a:r>
             <a:r>
-              <a:rPr lang="ja-JP" altLang="en-US" smtClean="0"/>
+              <a:rPr lang="ja-JP" altLang="en-US"/>
               <a:t>レベル</a:t>
             </a:r>
           </a:p>
           <a:p>
             <a:pPr lvl="3"/>
             <a:r>
-              <a:rPr lang="ja-JP" altLang="en-US" smtClean="0"/>
+              <a:rPr lang="ja-JP" altLang="en-US"/>
               <a:t>第 </a:t>
             </a:r>
             <a:r>
-              <a:rPr lang="en-US" altLang="ja-JP" smtClean="0"/>
+              <a:rPr lang="en-US" altLang="ja-JP"/>
               <a:t>4 </a:t>
             </a:r>
             <a:r>
-              <a:rPr lang="ja-JP" altLang="en-US" smtClean="0"/>
+              <a:rPr lang="ja-JP" altLang="en-US"/>
               <a:t>レベル</a:t>
             </a:r>
           </a:p>
           <a:p>
             <a:pPr lvl="4"/>
             <a:r>
-              <a:rPr lang="ja-JP" altLang="en-US" smtClean="0"/>
+              <a:rPr lang="ja-JP" altLang="en-US"/>
               <a:t>第 </a:t>
             </a:r>
             <a:r>
-              <a:rPr lang="en-US" altLang="ja-JP" smtClean="0"/>
+              <a:rPr lang="en-US" altLang="ja-JP"/>
               <a:t>5 </a:t>
             </a:r>
             <a:r>
-              <a:rPr lang="ja-JP" altLang="en-US" smtClean="0"/>
+              <a:rPr lang="ja-JP" altLang="en-US"/>
               <a:t>レベル</a:t>
             </a:r>
             <a:endParaRPr lang="en-US" dirty="0"/>
@@ -1831,7 +1831,7 @@
           <a:p>
             <a:fld id="{A5EC26D8-D98F-4A91-AFE7-5EF4FA3FDDA5}" type="datetimeFigureOut">
               <a:rPr kumimoji="1" lang="ja-JP" altLang="en-US" smtClean="0"/>
-              <a:t>2020/2/13</a:t>
+              <a:t>2021/1/2</a:t>
             </a:fld>
             <a:endParaRPr kumimoji="1" lang="ja-JP" altLang="en-US"/>
           </a:p>
@@ -1925,7 +1925,7 @@
           <a:lstStyle/>
           <a:p>
             <a:r>
-              <a:rPr lang="ja-JP" altLang="en-US" smtClean="0"/>
+              <a:rPr lang="ja-JP" altLang="en-US"/>
               <a:t>マスター タイトルの書式設定</a:t>
             </a:r>
             <a:endParaRPr lang="en-US" dirty="0"/>
@@ -1949,7 +1949,7 @@
           <a:p>
             <a:fld id="{A5EC26D8-D98F-4A91-AFE7-5EF4FA3FDDA5}" type="datetimeFigureOut">
               <a:rPr kumimoji="1" lang="ja-JP" altLang="en-US" smtClean="0"/>
-              <a:t>2020/2/13</a:t>
+              <a:t>2021/1/2</a:t>
             </a:fld>
             <a:endParaRPr kumimoji="1" lang="ja-JP" altLang="en-US"/>
           </a:p>
@@ -2044,7 +2044,7 @@
           <a:p>
             <a:fld id="{A5EC26D8-D98F-4A91-AFE7-5EF4FA3FDDA5}" type="datetimeFigureOut">
               <a:rPr kumimoji="1" lang="ja-JP" altLang="en-US" smtClean="0"/>
-              <a:t>2020/2/13</a:t>
+              <a:t>2021/1/2</a:t>
             </a:fld>
             <a:endParaRPr kumimoji="1" lang="ja-JP" altLang="en-US"/>
           </a:p>
@@ -2147,7 +2147,7 @@
           </a:lstStyle>
           <a:p>
             <a:r>
-              <a:rPr lang="ja-JP" altLang="en-US" smtClean="0"/>
+              <a:rPr lang="ja-JP" altLang="en-US"/>
               <a:t>マスター タイトルの書式設定</a:t>
             </a:r>
             <a:endParaRPr lang="en-US" dirty="0"/>
@@ -2204,67 +2204,67 @@
           <a:p>
             <a:pPr lvl="0"/>
             <a:r>
-              <a:rPr lang="ja-JP" altLang="en-US" smtClean="0"/>
+              <a:rPr lang="ja-JP" altLang="en-US"/>
               <a:t>マスター テキストの書式設定</a:t>
             </a:r>
           </a:p>
           <a:p>
             <a:pPr lvl="1"/>
             <a:r>
-              <a:rPr lang="ja-JP" altLang="en-US" smtClean="0"/>
+              <a:rPr lang="ja-JP" altLang="en-US"/>
               <a:t>第 </a:t>
             </a:r>
             <a:r>
-              <a:rPr lang="en-US" altLang="ja-JP" smtClean="0"/>
+              <a:rPr lang="en-US" altLang="ja-JP"/>
               <a:t>2 </a:t>
             </a:r>
             <a:r>
-              <a:rPr lang="ja-JP" altLang="en-US" smtClean="0"/>
+              <a:rPr lang="ja-JP" altLang="en-US"/>
               <a:t>レベル</a:t>
             </a:r>
           </a:p>
           <a:p>
             <a:pPr lvl="2"/>
             <a:r>
-              <a:rPr lang="ja-JP" altLang="en-US" smtClean="0"/>
+              <a:rPr lang="ja-JP" altLang="en-US"/>
               <a:t>第 </a:t>
             </a:r>
             <a:r>
-              <a:rPr lang="en-US" altLang="ja-JP" smtClean="0"/>
+              <a:rPr lang="en-US" altLang="ja-JP"/>
               <a:t>3 </a:t>
             </a:r>
             <a:r>
-              <a:rPr lang="ja-JP" altLang="en-US" smtClean="0"/>
+              <a:rPr lang="ja-JP" altLang="en-US"/>
               <a:t>レベル</a:t>
             </a:r>
           </a:p>
           <a:p>
             <a:pPr lvl="3"/>
             <a:r>
-              <a:rPr lang="ja-JP" altLang="en-US" smtClean="0"/>
+              <a:rPr lang="ja-JP" altLang="en-US"/>
               <a:t>第 </a:t>
             </a:r>
             <a:r>
-              <a:rPr lang="en-US" altLang="ja-JP" smtClean="0"/>
+              <a:rPr lang="en-US" altLang="ja-JP"/>
               <a:t>4 </a:t>
             </a:r>
             <a:r>
-              <a:rPr lang="ja-JP" altLang="en-US" smtClean="0"/>
+              <a:rPr lang="ja-JP" altLang="en-US"/>
               <a:t>レベル</a:t>
             </a:r>
           </a:p>
           <a:p>
             <a:pPr lvl="4"/>
             <a:r>
-              <a:rPr lang="ja-JP" altLang="en-US" smtClean="0"/>
+              <a:rPr lang="ja-JP" altLang="en-US"/>
               <a:t>第 </a:t>
             </a:r>
             <a:r>
-              <a:rPr lang="en-US" altLang="ja-JP" smtClean="0"/>
+              <a:rPr lang="en-US" altLang="ja-JP"/>
               <a:t>5 </a:t>
             </a:r>
             <a:r>
-              <a:rPr lang="ja-JP" altLang="en-US" smtClean="0"/>
+              <a:rPr lang="ja-JP" altLang="en-US"/>
               <a:t>レベル</a:t>
             </a:r>
             <a:endParaRPr lang="en-US" dirty="0"/>
@@ -2330,7 +2330,7 @@
           <a:p>
             <a:pPr lvl="0"/>
             <a:r>
-              <a:rPr lang="ja-JP" altLang="en-US" smtClean="0"/>
+              <a:rPr lang="ja-JP" altLang="en-US"/>
               <a:t>マスター テキストの書式設定</a:t>
             </a:r>
           </a:p>
@@ -2353,7 +2353,7 @@
           <a:p>
             <a:fld id="{A5EC26D8-D98F-4A91-AFE7-5EF4FA3FDDA5}" type="datetimeFigureOut">
               <a:rPr kumimoji="1" lang="ja-JP" altLang="en-US" smtClean="0"/>
-              <a:t>2020/2/13</a:t>
+              <a:t>2021/1/2</a:t>
             </a:fld>
             <a:endParaRPr kumimoji="1" lang="ja-JP" altLang="en-US"/>
           </a:p>
@@ -2456,7 +2456,7 @@
           </a:lstStyle>
           <a:p>
             <a:r>
-              <a:rPr lang="ja-JP" altLang="en-US" smtClean="0"/>
+              <a:rPr lang="ja-JP" altLang="en-US"/>
               <a:t>マスター タイトルの書式設定</a:t>
             </a:r>
             <a:endParaRPr lang="en-US" dirty="0"/>
@@ -2521,7 +2521,7 @@
           </a:lstStyle>
           <a:p>
             <a:r>
-              <a:rPr lang="ja-JP" altLang="en-US" smtClean="0"/>
+              <a:rPr lang="ja-JP" altLang="en-US"/>
               <a:t>図を追加</a:t>
             </a:r>
             <a:endParaRPr lang="en-US" dirty="0"/>
@@ -2587,7 +2587,7 @@
           <a:p>
             <a:pPr lvl="0"/>
             <a:r>
-              <a:rPr lang="ja-JP" altLang="en-US" smtClean="0"/>
+              <a:rPr lang="ja-JP" altLang="en-US"/>
               <a:t>マスター テキストの書式設定</a:t>
             </a:r>
           </a:p>
@@ -2610,7 +2610,7 @@
           <a:p>
             <a:fld id="{A5EC26D8-D98F-4A91-AFE7-5EF4FA3FDDA5}" type="datetimeFigureOut">
               <a:rPr kumimoji="1" lang="ja-JP" altLang="en-US" smtClean="0"/>
-              <a:t>2020/2/13</a:t>
+              <a:t>2021/1/2</a:t>
             </a:fld>
             <a:endParaRPr kumimoji="1" lang="ja-JP" altLang="en-US"/>
           </a:p>
@@ -2719,7 +2719,7 @@
           <a:lstStyle/>
           <a:p>
             <a:r>
-              <a:rPr lang="ja-JP" altLang="en-US" smtClean="0"/>
+              <a:rPr lang="ja-JP" altLang="en-US"/>
               <a:t>マスター タイトルの書式設定</a:t>
             </a:r>
             <a:endParaRPr lang="en-US" dirty="0"/>
@@ -2753,67 +2753,67 @@
           <a:p>
             <a:pPr lvl="0"/>
             <a:r>
-              <a:rPr lang="ja-JP" altLang="en-US" smtClean="0"/>
+              <a:rPr lang="ja-JP" altLang="en-US"/>
               <a:t>マスター テキストの書式設定</a:t>
             </a:r>
           </a:p>
           <a:p>
             <a:pPr lvl="1"/>
             <a:r>
-              <a:rPr lang="ja-JP" altLang="en-US" smtClean="0"/>
+              <a:rPr lang="ja-JP" altLang="en-US"/>
               <a:t>第 </a:t>
             </a:r>
             <a:r>
-              <a:rPr lang="en-US" altLang="ja-JP" smtClean="0"/>
+              <a:rPr lang="en-US" altLang="ja-JP"/>
               <a:t>2 </a:t>
             </a:r>
             <a:r>
-              <a:rPr lang="ja-JP" altLang="en-US" smtClean="0"/>
+              <a:rPr lang="ja-JP" altLang="en-US"/>
               <a:t>レベル</a:t>
             </a:r>
           </a:p>
           <a:p>
             <a:pPr lvl="2"/>
             <a:r>
-              <a:rPr lang="ja-JP" altLang="en-US" smtClean="0"/>
+              <a:rPr lang="ja-JP" altLang="en-US"/>
               <a:t>第 </a:t>
             </a:r>
             <a:r>
-              <a:rPr lang="en-US" altLang="ja-JP" smtClean="0"/>
+              <a:rPr lang="en-US" altLang="ja-JP"/>
               <a:t>3 </a:t>
             </a:r>
             <a:r>
-              <a:rPr lang="ja-JP" altLang="en-US" smtClean="0"/>
+              <a:rPr lang="ja-JP" altLang="en-US"/>
               <a:t>レベル</a:t>
             </a:r>
           </a:p>
           <a:p>
             <a:pPr lvl="3"/>
             <a:r>
-              <a:rPr lang="ja-JP" altLang="en-US" smtClean="0"/>
+              <a:rPr lang="ja-JP" altLang="en-US"/>
               <a:t>第 </a:t>
             </a:r>
             <a:r>
-              <a:rPr lang="en-US" altLang="ja-JP" smtClean="0"/>
+              <a:rPr lang="en-US" altLang="ja-JP"/>
               <a:t>4 </a:t>
             </a:r>
             <a:r>
-              <a:rPr lang="ja-JP" altLang="en-US" smtClean="0"/>
+              <a:rPr lang="ja-JP" altLang="en-US"/>
               <a:t>レベル</a:t>
             </a:r>
           </a:p>
           <a:p>
             <a:pPr lvl="4"/>
             <a:r>
-              <a:rPr lang="ja-JP" altLang="en-US" smtClean="0"/>
+              <a:rPr lang="ja-JP" altLang="en-US"/>
               <a:t>第 </a:t>
             </a:r>
             <a:r>
-              <a:rPr lang="en-US" altLang="ja-JP" smtClean="0"/>
+              <a:rPr lang="en-US" altLang="ja-JP"/>
               <a:t>5 </a:t>
             </a:r>
             <a:r>
-              <a:rPr lang="ja-JP" altLang="en-US" smtClean="0"/>
+              <a:rPr lang="ja-JP" altLang="en-US"/>
               <a:t>レベル</a:t>
             </a:r>
             <a:endParaRPr lang="en-US" dirty="0"/>
@@ -2855,7 +2855,7 @@
           <a:p>
             <a:fld id="{A5EC26D8-D98F-4A91-AFE7-5EF4FA3FDDA5}" type="datetimeFigureOut">
               <a:rPr kumimoji="1" lang="ja-JP" altLang="en-US" smtClean="0"/>
-              <a:t>2020/2/13</a:t>
+              <a:t>2021/1/2</a:t>
             </a:fld>
             <a:endParaRPr kumimoji="1" lang="ja-JP" altLang="en-US"/>
           </a:p>
@@ -3260,8 +3260,8 @@
           <a:chExt cx="0" cy="0"/>
         </a:xfrm>
       </p:grpSpPr>
-      <mc:AlternateContent xmlns:mc="http://schemas.openxmlformats.org/markup-compatibility/2006" xmlns:a14="http://schemas.microsoft.com/office/drawing/2010/main">
-        <mc:Choice Requires="a14">
+      <mc:AlternateContent xmlns:mc="http://schemas.openxmlformats.org/markup-compatibility/2006">
+        <mc:Choice xmlns:a14="http://schemas.microsoft.com/office/drawing/2010/main" Requires="a14">
           <p:sp>
             <p:nvSpPr>
               <p:cNvPr id="12" name="テキスト ボックス 11"/>
@@ -3294,7 +3294,7 @@
                       <m:d>
                         <m:dPr>
                           <m:ctrlPr>
-                            <a:rPr lang="en-US" altLang="ja-JP" sz="1200" i="1">
+                            <a:rPr lang="en-US" altLang="ja-JP" sz="1200" i="1" smtClean="0">
                               <a:latin typeface="Cambria Math" panose="02040503050406030204" pitchFamily="18" charset="0"/>
                               <a:ea typeface="Cambria Math" panose="02040503050406030204" pitchFamily="18" charset="0"/>
                             </a:rPr>
@@ -3505,15 +3505,15 @@
                                         </m:ctrlPr>
                                       </m:dPr>
                                       <m:e>
-                                        <m:sSub>
-                                          <m:sSubPr>
+                                        <m:sSubSup>
+                                          <m:sSubSupPr>
                                             <m:ctrlPr>
-                                              <a:rPr lang="en-US" altLang="ja-JP" sz="1200" i="1">
+                                              <a:rPr lang="en-US" altLang="ja-JP" sz="1200" b="0" i="1" smtClean="0">
                                                 <a:latin typeface="Cambria Math" panose="02040503050406030204" pitchFamily="18" charset="0"/>
                                                 <a:ea typeface="Cambria Math" panose="02040503050406030204" pitchFamily="18" charset="0"/>
                                               </a:rPr>
                                             </m:ctrlPr>
-                                          </m:sSubPr>
+                                          </m:sSubSupPr>
                                           <m:e>
                                             <m:r>
                                               <m:rPr>
@@ -3545,7 +3545,19 @@
                                               <m:t>𝑔</m:t>
                                             </m:r>
                                           </m:sub>
-                                        </m:sSub>
+                                          <m:sup>
+                                            <m:r>
+                                              <m:rPr>
+                                                <m:brk m:alnAt="7"/>
+                                              </m:rPr>
+                                              <a:rPr lang="en-US" altLang="ja-JP" sz="1200" b="0" i="1" smtClean="0">
+                                                <a:latin typeface="Cambria Math" panose="02040503050406030204" pitchFamily="18" charset="0"/>
+                                                <a:ea typeface="Cambria Math" panose="02040503050406030204" pitchFamily="18" charset="0"/>
+                                              </a:rPr>
+                                              <m:t>𝐶</m:t>
+                                            </m:r>
+                                          </m:sup>
+                                        </m:sSubSup>
                                         <m:r>
                                           <m:rPr>
                                             <m:brk m:alnAt="7"/>
@@ -3683,15 +3695,15 @@
                                         </m:ctrlPr>
                                       </m:dPr>
                                       <m:e>
-                                        <m:sSub>
-                                          <m:sSubPr>
+                                        <m:sSubSup>
+                                          <m:sSubSupPr>
                                             <m:ctrlPr>
-                                              <a:rPr lang="en-US" altLang="ja-JP" sz="1200" i="1">
+                                              <a:rPr lang="en-US" altLang="ja-JP" sz="1200" b="0" i="1" smtClean="0">
                                                 <a:latin typeface="Cambria Math" panose="02040503050406030204" pitchFamily="18" charset="0"/>
                                                 <a:ea typeface="Cambria Math" panose="02040503050406030204" pitchFamily="18" charset="0"/>
                                               </a:rPr>
                                             </m:ctrlPr>
-                                          </m:sSubPr>
+                                          </m:sSubSupPr>
                                           <m:e>
                                             <m:r>
                                               <m:rPr>
@@ -3720,7 +3732,19 @@
                                               <m:t>h</m:t>
                                             </m:r>
                                           </m:sub>
-                                        </m:sSub>
+                                          <m:sup>
+                                            <m:r>
+                                              <m:rPr>
+                                                <m:brk m:alnAt="7"/>
+                                              </m:rPr>
+                                              <a:rPr lang="en-US" altLang="ja-JP" sz="1200" b="0" i="1" smtClean="0">
+                                                <a:latin typeface="Cambria Math" panose="02040503050406030204" pitchFamily="18" charset="0"/>
+                                                <a:ea typeface="Cambria Math" panose="02040503050406030204" pitchFamily="18" charset="0"/>
+                                              </a:rPr>
+                                              <m:t>𝐶</m:t>
+                                            </m:r>
+                                          </m:sup>
+                                        </m:sSubSup>
                                         <m:r>
                                           <m:rPr>
                                             <m:brk m:alnAt="7"/>
@@ -3869,15 +3893,15 @@
                                         </m:ctrlPr>
                                       </m:dPr>
                                       <m:e>
-                                        <m:sSub>
-                                          <m:sSubPr>
+                                        <m:sSubSup>
+                                          <m:sSubSupPr>
                                             <m:ctrlPr>
-                                              <a:rPr lang="en-US" altLang="ja-JP" sz="1200" i="1">
+                                              <a:rPr lang="en-US" altLang="ja-JP" sz="1200" b="0" i="1" smtClean="0">
                                                 <a:latin typeface="Cambria Math" panose="02040503050406030204" pitchFamily="18" charset="0"/>
                                                 <a:ea typeface="Cambria Math" panose="02040503050406030204" pitchFamily="18" charset="0"/>
                                               </a:rPr>
                                             </m:ctrlPr>
-                                          </m:sSubPr>
+                                          </m:sSubSupPr>
                                           <m:e>
                                             <m:r>
                                               <m:rPr>
@@ -3902,7 +3926,19 @@
                                               <m:t>𝑔</m:t>
                                             </m:r>
                                           </m:sub>
-                                        </m:sSub>
+                                          <m:sup>
+                                            <m:r>
+                                              <m:rPr>
+                                                <m:brk m:alnAt="7"/>
+                                              </m:rPr>
+                                              <a:rPr lang="en-US" altLang="ja-JP" sz="1200" b="0" i="1" smtClean="0">
+                                                <a:latin typeface="Cambria Math" panose="02040503050406030204" pitchFamily="18" charset="0"/>
+                                                <a:ea typeface="Cambria Math" panose="02040503050406030204" pitchFamily="18" charset="0"/>
+                                              </a:rPr>
+                                              <m:t>𝐶</m:t>
+                                            </m:r>
+                                          </m:sup>
+                                        </m:sSubSup>
                                         <m:r>
                                           <m:rPr>
                                             <m:brk m:alnAt="7"/>
@@ -4189,15 +4225,15 @@
                                         </m:ctrlPr>
                                       </m:dPr>
                                       <m:e>
-                                        <m:sSub>
-                                          <m:sSubPr>
+                                        <m:sSubSup>
+                                          <m:sSubSupPr>
                                             <m:ctrlPr>
-                                              <a:rPr lang="en-US" altLang="ja-JP" sz="1200" i="1">
+                                              <a:rPr lang="en-US" altLang="ja-JP" sz="1200" b="0" i="1" smtClean="0">
                                                 <a:latin typeface="Cambria Math" panose="02040503050406030204" pitchFamily="18" charset="0"/>
                                                 <a:ea typeface="Cambria Math" panose="02040503050406030204" pitchFamily="18" charset="0"/>
                                               </a:rPr>
                                             </m:ctrlPr>
-                                          </m:sSubPr>
+                                          </m:sSubSupPr>
                                           <m:e>
                                             <m:r>
                                               <m:rPr>
@@ -4236,7 +4272,19 @@
                                               <m:t>h</m:t>
                                             </m:r>
                                           </m:sub>
-                                        </m:sSub>
+                                          <m:sup>
+                                            <m:r>
+                                              <m:rPr>
+                                                <m:brk m:alnAt="7"/>
+                                              </m:rPr>
+                                              <a:rPr lang="en-US" altLang="ja-JP" sz="1200" b="0" i="1" smtClean="0">
+                                                <a:latin typeface="Cambria Math" panose="02040503050406030204" pitchFamily="18" charset="0"/>
+                                                <a:ea typeface="Cambria Math" panose="02040503050406030204" pitchFamily="18" charset="0"/>
+                                              </a:rPr>
+                                              <m:t>𝐶</m:t>
+                                            </m:r>
+                                          </m:sup>
+                                        </m:sSubSup>
                                         <m:r>
                                           <m:rPr>
                                             <m:brk m:alnAt="7"/>
@@ -4379,15 +4427,15 @@
                                         </m:ctrlPr>
                                       </m:dPr>
                                       <m:e>
-                                        <m:sSub>
-                                          <m:sSubPr>
+                                        <m:sSubSup>
+                                          <m:sSubSupPr>
                                             <m:ctrlPr>
-                                              <a:rPr lang="en-US" altLang="ja-JP" sz="1200" i="1">
+                                              <a:rPr lang="en-US" altLang="ja-JP" sz="1200" b="0" i="1" smtClean="0">
                                                 <a:latin typeface="Cambria Math" panose="02040503050406030204" pitchFamily="18" charset="0"/>
                                                 <a:ea typeface="Cambria Math" panose="02040503050406030204" pitchFamily="18" charset="0"/>
                                               </a:rPr>
                                             </m:ctrlPr>
-                                          </m:sSubPr>
+                                          </m:sSubSupPr>
                                           <m:e>
                                             <m:r>
                                               <m:rPr>
@@ -4409,7 +4457,19 @@
                                               <m:t>h</m:t>
                                             </m:r>
                                           </m:sub>
-                                        </m:sSub>
+                                          <m:sup>
+                                            <m:r>
+                                              <m:rPr>
+                                                <m:brk m:alnAt="7"/>
+                                              </m:rPr>
+                                              <a:rPr lang="en-US" altLang="ja-JP" sz="1200" b="0" i="1" smtClean="0">
+                                                <a:latin typeface="Cambria Math" panose="02040503050406030204" pitchFamily="18" charset="0"/>
+                                                <a:ea typeface="Cambria Math" panose="02040503050406030204" pitchFamily="18" charset="0"/>
+                                              </a:rPr>
+                                              <m:t>𝐶</m:t>
+                                            </m:r>
+                                          </m:sup>
+                                        </m:sSubSup>
                                         <m:r>
                                           <m:rPr>
                                             <m:brk m:alnAt="7"/>
@@ -4534,15 +4594,15 @@
                                         </m:ctrlPr>
                                       </m:dPr>
                                       <m:e>
-                                        <m:sSub>
-                                          <m:sSubPr>
+                                        <m:sSubSup>
+                                          <m:sSubSupPr>
                                             <m:ctrlPr>
-                                              <a:rPr lang="en-US" altLang="ja-JP" sz="1200" i="1">
+                                              <a:rPr lang="en-US" altLang="ja-JP" sz="1200" b="0" i="1" smtClean="0">
                                                 <a:latin typeface="Cambria Math" panose="02040503050406030204" pitchFamily="18" charset="0"/>
                                                 <a:ea typeface="Cambria Math" panose="02040503050406030204" pitchFamily="18" charset="0"/>
                                               </a:rPr>
                                             </m:ctrlPr>
-                                          </m:sSubPr>
+                                          </m:sSubSupPr>
                                           <m:e>
                                             <m:r>
                                               <m:rPr>
@@ -4578,7 +4638,19 @@
                                               <m:t>𝑔</m:t>
                                             </m:r>
                                           </m:sub>
-                                        </m:sSub>
+                                          <m:sup>
+                                            <m:r>
+                                              <m:rPr>
+                                                <m:brk m:alnAt="7"/>
+                                              </m:rPr>
+                                              <a:rPr lang="en-US" altLang="ja-JP" sz="1200" b="0" i="1" smtClean="0">
+                                                <a:latin typeface="Cambria Math" panose="02040503050406030204" pitchFamily="18" charset="0"/>
+                                                <a:ea typeface="Cambria Math" panose="02040503050406030204" pitchFamily="18" charset="0"/>
+                                              </a:rPr>
+                                              <m:t>𝐶</m:t>
+                                            </m:r>
+                                          </m:sup>
+                                        </m:sSubSup>
                                         <m:r>
                                           <m:rPr>
                                             <m:brk m:alnAt="7"/>
@@ -6425,7 +6497,7 @@
             </p:txBody>
           </p:sp>
         </mc:Choice>
-        <mc:Fallback xmlns="">
+        <mc:Fallback>
           <p:sp>
             <p:nvSpPr>
               <p:cNvPr id="12" name="テキスト ボックス 11"/>
@@ -6493,7 +6565,7 @@
           <a:lstStyle/>
           <a:p>
             <a:r>
-              <a:rPr kumimoji="1" lang="en-US" altLang="ja-JP" sz="1400" b="1" dirty="0" smtClean="0">
+              <a:rPr kumimoji="1" lang="en-US" altLang="ja-JP" sz="1400" b="1" dirty="0">
                 <a:latin typeface="Cambria Math" panose="02040503050406030204" pitchFamily="18" charset="0"/>
                 <a:ea typeface="Cambria Math" panose="02040503050406030204" pitchFamily="18" charset="0"/>
                 <a:cs typeface="Times New Roman" panose="02020603050405020304" pitchFamily="18" charset="0"/>
@@ -6536,7 +6608,7 @@
           <a:lstStyle/>
           <a:p>
             <a:r>
-              <a:rPr kumimoji="1" lang="en-US" altLang="ja-JP" sz="1400" b="1" dirty="0" smtClean="0">
+              <a:rPr kumimoji="1" lang="en-US" altLang="ja-JP" sz="1400" b="1" dirty="0">
                 <a:latin typeface="Cambria Math" panose="02040503050406030204" pitchFamily="18" charset="0"/>
                 <a:ea typeface="Cambria Math" panose="02040503050406030204" pitchFamily="18" charset="0"/>
                 <a:cs typeface="Times New Roman" panose="02020603050405020304" pitchFamily="18" charset="0"/>
@@ -6550,8 +6622,8 @@
           </a:p>
         </p:txBody>
       </p:sp>
-      <mc:AlternateContent xmlns:mc="http://schemas.openxmlformats.org/markup-compatibility/2006" xmlns:a14="http://schemas.microsoft.com/office/drawing/2010/main">
-        <mc:Choice Requires="a14">
+      <mc:AlternateContent xmlns:mc="http://schemas.openxmlformats.org/markup-compatibility/2006">
+        <mc:Choice xmlns:a14="http://schemas.microsoft.com/office/drawing/2010/main" Requires="a14">
           <p:sp>
             <p:nvSpPr>
               <p:cNvPr id="15" name="正方形/長方形 14"/>
@@ -6580,15 +6652,15 @@
                 </a:pPr>
                 <a14:m>
                   <m:oMath xmlns:m="http://schemas.openxmlformats.org/officeDocument/2006/math">
-                    <m:sSub>
-                      <m:sSubPr>
+                    <m:sSubSup>
+                      <m:sSubSupPr>
                         <m:ctrlPr>
-                          <a:rPr lang="en-US" altLang="ja-JP" sz="1100" i="1" smtClean="0">
+                          <a:rPr lang="en-US" altLang="ja-JP" sz="1100" b="0" i="1" smtClean="0">
                             <a:latin typeface="Cambria Math" panose="02040503050406030204" pitchFamily="18" charset="0"/>
                             <a:ea typeface="Cambria Math" panose="02040503050406030204" pitchFamily="18" charset="0"/>
                           </a:rPr>
                         </m:ctrlPr>
-                      </m:sSubPr>
+                      </m:sSubSupPr>
                       <m:e>
                         <m:r>
                           <a:rPr lang="en-US" altLang="ja-JP" sz="1100" i="1">
@@ -6607,22 +6679,24 @@
                           <m:t>𝑔</m:t>
                         </m:r>
                       </m:sub>
-                    </m:sSub>
+                      <m:sup>
+                        <m:r>
+                          <a:rPr lang="en-US" altLang="ja-JP" sz="1100" b="0" i="1" smtClean="0">
+                            <a:latin typeface="Cambria Math" panose="02040503050406030204" pitchFamily="18" charset="0"/>
+                            <a:ea typeface="Cambria Math" panose="02040503050406030204" pitchFamily="18" charset="0"/>
+                          </a:rPr>
+                          <m:t>𝐶</m:t>
+                        </m:r>
+                      </m:sup>
+                    </m:sSubSup>
                   </m:oMath>
                 </a14:m>
-                <a:r>
-                  <a:rPr kumimoji="1" lang="en-US" altLang="ja-JP" sz="1100" dirty="0" smtClean="0">
-                    <a:latin typeface="Cambria Math" panose="02040503050406030204" pitchFamily="18" charset="0"/>
-                    <a:ea typeface="Cambria Math" panose="02040503050406030204" pitchFamily="18" charset="0"/>
-                  </a:rPr>
-                  <a:t>:	</a:t>
-                </a:r>
                 <a:r>
                   <a:rPr kumimoji="1" lang="en-US" altLang="ja-JP" sz="1100" dirty="0">
                     <a:latin typeface="Cambria Math" panose="02040503050406030204" pitchFamily="18" charset="0"/>
                     <a:ea typeface="Cambria Math" panose="02040503050406030204" pitchFamily="18" charset="0"/>
                   </a:rPr>
-                  <a:t>Crystal potential for elastic scattering</a:t>
+                  <a:t>:	Crystal potential for elastic scattering</a:t>
                 </a:r>
               </a:p>
               <a:p>
@@ -6671,30 +6745,12 @@
                   </m:oMath>
                 </a14:m>
                 <a:r>
-                  <a:rPr kumimoji="1" lang="en-US" altLang="ja-JP" sz="1100" dirty="0" smtClean="0">
-                    <a:latin typeface="Cambria Math" panose="02040503050406030204" pitchFamily="18" charset="0"/>
-                    <a:ea typeface="Cambria Math" panose="02040503050406030204" pitchFamily="18" charset="0"/>
-                  </a:rPr>
-                  <a:t>:</a:t>
-                </a:r>
-                <a:r>
                   <a:rPr kumimoji="1" lang="en-US" altLang="ja-JP" sz="1100" dirty="0">
                     <a:latin typeface="Cambria Math" panose="02040503050406030204" pitchFamily="18" charset="0"/>
                     <a:ea typeface="Cambria Math" panose="02040503050406030204" pitchFamily="18" charset="0"/>
                   </a:rPr>
-                  <a:t>	Imaginary (absorption) potential for thermal </a:t>
+                  <a:t>:	Imaginary (absorption) potential for thermal diffuse scattering</a:t>
                 </a:r>
-                <a:r>
-                  <a:rPr kumimoji="1" lang="en-US" altLang="ja-JP" sz="1100" dirty="0" smtClean="0">
-                    <a:latin typeface="Cambria Math" panose="02040503050406030204" pitchFamily="18" charset="0"/>
-                    <a:ea typeface="Cambria Math" panose="02040503050406030204" pitchFamily="18" charset="0"/>
-                  </a:rPr>
-                  <a:t>diffuse scattering</a:t>
-                </a:r>
-                <a:endParaRPr kumimoji="1" lang="en-US" altLang="ja-JP" sz="1100" dirty="0">
-                  <a:latin typeface="Cambria Math" panose="02040503050406030204" pitchFamily="18" charset="0"/>
-                  <a:ea typeface="Cambria Math" panose="02040503050406030204" pitchFamily="18" charset="0"/>
-                </a:endParaRPr>
               </a:p>
               <a:p>
                 <a:pPr marL="447675" indent="-447675">
@@ -6728,7 +6784,7 @@
                   </m:oMath>
                 </a14:m>
                 <a:r>
-                  <a:rPr kumimoji="1" lang="en-US" altLang="ja-JP" sz="1100" dirty="0" smtClean="0">
+                  <a:rPr kumimoji="1" lang="en-US" altLang="ja-JP" sz="1100" dirty="0">
                     <a:latin typeface="Cambria Math" panose="02040503050406030204" pitchFamily="18" charset="0"/>
                     <a:ea typeface="Cambria Math" panose="02040503050406030204" pitchFamily="18" charset="0"/>
                   </a:rPr>
@@ -6786,42 +6842,42 @@
                   </m:oMath>
                 </a14:m>
                 <a:r>
-                  <a:rPr kumimoji="1" lang="en-US" altLang="ja-JP" sz="1100" dirty="0" smtClean="0">
+                  <a:rPr kumimoji="1" lang="en-US" altLang="ja-JP" sz="1100" dirty="0">
                     <a:latin typeface="Cambria Math" panose="02040503050406030204" pitchFamily="18" charset="0"/>
                     <a:ea typeface="Cambria Math" panose="02040503050406030204" pitchFamily="18" charset="0"/>
                   </a:rPr>
                   <a:t>:	</a:t>
                 </a:r>
                 <a:r>
-                  <a:rPr kumimoji="1" lang="en-US" altLang="ja-JP" sz="1100" i="1" dirty="0" smtClean="0">
+                  <a:rPr kumimoji="1" lang="en-US" altLang="ja-JP" sz="1100" i="1" dirty="0">
                     <a:latin typeface="Cambria Math" panose="02040503050406030204" pitchFamily="18" charset="0"/>
                     <a:ea typeface="Cambria Math" panose="02040503050406030204" pitchFamily="18" charset="0"/>
                   </a:rPr>
                   <a:t>j </a:t>
                 </a:r>
                 <a:r>
-                  <a:rPr kumimoji="1" lang="en-US" altLang="ja-JP" sz="1100" baseline="30000" dirty="0" err="1" smtClean="0">
+                  <a:rPr kumimoji="1" lang="en-US" altLang="ja-JP" sz="1100" baseline="30000" dirty="0" err="1">
                     <a:latin typeface="Cambria Math" panose="02040503050406030204" pitchFamily="18" charset="0"/>
                     <a:ea typeface="Cambria Math" panose="02040503050406030204" pitchFamily="18" charset="0"/>
                   </a:rPr>
                   <a:t>th</a:t>
                 </a:r>
                 <a:r>
-                  <a:rPr kumimoji="1" lang="en-US" altLang="ja-JP" sz="1100" dirty="0" smtClean="0">
+                  <a:rPr kumimoji="1" lang="en-US" altLang="ja-JP" sz="1100" dirty="0">
                     <a:latin typeface="Cambria Math" panose="02040503050406030204" pitchFamily="18" charset="0"/>
                     <a:ea typeface="Cambria Math" panose="02040503050406030204" pitchFamily="18" charset="0"/>
                   </a:rPr>
                   <a:t> </a:t>
                 </a:r>
                 <a:r>
-                  <a:rPr kumimoji="1" lang="en-US" altLang="ja-JP" sz="1100" dirty="0" err="1" smtClean="0">
+                  <a:rPr kumimoji="1" lang="en-US" altLang="ja-JP" sz="1100" dirty="0" err="1">
                     <a:latin typeface="Cambria Math" panose="02040503050406030204" pitchFamily="18" charset="0"/>
                     <a:ea typeface="Cambria Math" panose="02040503050406030204" pitchFamily="18" charset="0"/>
                   </a:rPr>
                   <a:t>eigen</a:t>
                 </a:r>
                 <a:r>
-                  <a:rPr kumimoji="1" lang="en-US" altLang="ja-JP" sz="1100" dirty="0" smtClean="0">
+                  <a:rPr kumimoji="1" lang="en-US" altLang="ja-JP" sz="1100" dirty="0">
                     <a:latin typeface="Cambria Math" panose="02040503050406030204" pitchFamily="18" charset="0"/>
                     <a:ea typeface="Cambria Math" panose="02040503050406030204" pitchFamily="18" charset="0"/>
                   </a:rPr>
@@ -6892,56 +6948,52 @@
                   </m:oMath>
                 </a14:m>
                 <a:r>
-                  <a:rPr kumimoji="1" lang="en-US" altLang="ja-JP" sz="1100" dirty="0" smtClean="0">
+                  <a:rPr kumimoji="1" lang="en-US" altLang="ja-JP" sz="1100" dirty="0">
                     <a:latin typeface="Cambria Math" panose="02040503050406030204" pitchFamily="18" charset="0"/>
                     <a:ea typeface="Cambria Math" panose="02040503050406030204" pitchFamily="18" charset="0"/>
                   </a:rPr>
                   <a:t>:	</a:t>
                 </a:r>
                 <a:r>
-                  <a:rPr kumimoji="1" lang="en-US" altLang="ja-JP" sz="1100" i="1" dirty="0" smtClean="0">
+                  <a:rPr kumimoji="1" lang="en-US" altLang="ja-JP" sz="1100" i="1" dirty="0">
                     <a:latin typeface="Cambria Math" panose="02040503050406030204" pitchFamily="18" charset="0"/>
                     <a:ea typeface="Cambria Math" panose="02040503050406030204" pitchFamily="18" charset="0"/>
                   </a:rPr>
                   <a:t>j </a:t>
                 </a:r>
                 <a:r>
-                  <a:rPr kumimoji="1" lang="en-US" altLang="ja-JP" sz="1100" baseline="30000" dirty="0" err="1" smtClean="0">
+                  <a:rPr kumimoji="1" lang="en-US" altLang="ja-JP" sz="1100" baseline="30000" dirty="0" err="1">
                     <a:latin typeface="Cambria Math" panose="02040503050406030204" pitchFamily="18" charset="0"/>
                     <a:ea typeface="Cambria Math" panose="02040503050406030204" pitchFamily="18" charset="0"/>
                   </a:rPr>
                   <a:t>th</a:t>
                 </a:r>
                 <a:r>
-                  <a:rPr kumimoji="1" lang="en-US" altLang="ja-JP" sz="1100" dirty="0" smtClean="0">
+                  <a:rPr kumimoji="1" lang="en-US" altLang="ja-JP" sz="1100" dirty="0">
                     <a:latin typeface="Cambria Math" panose="02040503050406030204" pitchFamily="18" charset="0"/>
                     <a:ea typeface="Cambria Math" panose="02040503050406030204" pitchFamily="18" charset="0"/>
                   </a:rPr>
                   <a:t> </a:t>
                 </a:r>
                 <a:r>
-                  <a:rPr kumimoji="1" lang="en-US" altLang="ja-JP" sz="1100" dirty="0" err="1" smtClean="0">
+                  <a:rPr kumimoji="1" lang="en-US" altLang="ja-JP" sz="1100" dirty="0" err="1">
                     <a:latin typeface="Cambria Math" panose="02040503050406030204" pitchFamily="18" charset="0"/>
                     <a:ea typeface="Cambria Math" panose="02040503050406030204" pitchFamily="18" charset="0"/>
                   </a:rPr>
                   <a:t>eigen</a:t>
                 </a:r>
                 <a:r>
-                  <a:rPr kumimoji="1" lang="en-US" altLang="ja-JP" sz="1100" dirty="0" smtClean="0">
+                  <a:rPr kumimoji="1" lang="en-US" altLang="ja-JP" sz="1100" dirty="0">
                     <a:latin typeface="Cambria Math" panose="02040503050406030204" pitchFamily="18" charset="0"/>
                     <a:ea typeface="Cambria Math" panose="02040503050406030204" pitchFamily="18" charset="0"/>
                   </a:rPr>
                   <a:t> vectors</a:t>
                 </a:r>
-                <a:endParaRPr kumimoji="1" lang="en-US" altLang="ja-JP" sz="1100" dirty="0">
-                  <a:latin typeface="Cambria Math" panose="02040503050406030204" pitchFamily="18" charset="0"/>
-                  <a:ea typeface="Cambria Math" panose="02040503050406030204" pitchFamily="18" charset="0"/>
-                </a:endParaRPr>
               </a:p>
             </p:txBody>
           </p:sp>
         </mc:Choice>
-        <mc:Fallback xmlns="">
+        <mc:Fallback>
           <p:sp>
             <p:nvSpPr>
               <p:cNvPr id="15" name="正方形/長方形 14"/>
@@ -6961,7 +7013,7 @@
               <a:blipFill>
                 <a:blip r:embed="rId3"/>
                 <a:stretch>
-                  <a:fillRect t="-901" b="-1802"/>
+                  <a:fillRect t="-450" b="-1802"/>
                 </a:stretch>
               </a:blipFill>
             </p:spPr>
@@ -7432,8 +7484,8 @@
             </a:p>
           </p:txBody>
         </p:sp>
-        <mc:AlternateContent xmlns:mc="http://schemas.openxmlformats.org/markup-compatibility/2006">
-          <mc:Choice xmlns:a14="http://schemas.microsoft.com/office/drawing/2010/main" Requires="a14">
+        <mc:AlternateContent xmlns:mc="http://schemas.openxmlformats.org/markup-compatibility/2006" xmlns:a14="http://schemas.microsoft.com/office/drawing/2010/main">
+          <mc:Choice Requires="a14">
             <p:sp>
               <p:nvSpPr>
                 <p:cNvPr id="24" name="テキスト ボックス 23"/>
@@ -7480,7 +7532,7 @@
               </p:txBody>
             </p:sp>
           </mc:Choice>
-          <mc:Fallback>
+          <mc:Fallback xmlns="">
             <p:sp>
               <p:nvSpPr>
                 <p:cNvPr id="24" name="テキスト ボックス 23"/>
@@ -7557,8 +7609,8 @@
             </a:fontRef>
           </p:style>
         </p:cxnSp>
-        <mc:AlternateContent xmlns:mc="http://schemas.openxmlformats.org/markup-compatibility/2006">
-          <mc:Choice xmlns:a14="http://schemas.microsoft.com/office/drawing/2010/main" Requires="a14">
+        <mc:AlternateContent xmlns:mc="http://schemas.openxmlformats.org/markup-compatibility/2006" xmlns:a14="http://schemas.microsoft.com/office/drawing/2010/main">
+          <mc:Choice Requires="a14">
             <p:sp>
               <p:nvSpPr>
                 <p:cNvPr id="26" name="テキスト ボックス 25"/>
@@ -7641,7 +7693,7 @@
               </p:txBody>
             </p:sp>
           </mc:Choice>
-          <mc:Fallback>
+          <mc:Fallback xmlns="">
             <p:sp>
               <p:nvSpPr>
                 <p:cNvPr id="26" name="テキスト ボックス 25"/>
@@ -7683,8 +7735,8 @@
             </p:sp>
           </mc:Fallback>
         </mc:AlternateContent>
-        <mc:AlternateContent xmlns:mc="http://schemas.openxmlformats.org/markup-compatibility/2006">
-          <mc:Choice xmlns:a14="http://schemas.microsoft.com/office/drawing/2010/main" Requires="a14">
+        <mc:AlternateContent xmlns:mc="http://schemas.openxmlformats.org/markup-compatibility/2006" xmlns:a14="http://schemas.microsoft.com/office/drawing/2010/main">
+          <mc:Choice Requires="a14">
             <p:sp>
               <p:nvSpPr>
                 <p:cNvPr id="27" name="テキスト ボックス 26"/>
@@ -7812,7 +7864,7 @@
               </p:txBody>
             </p:sp>
           </mc:Choice>
-          <mc:Fallback>
+          <mc:Fallback xmlns="">
             <p:sp>
               <p:nvSpPr>
                 <p:cNvPr id="27" name="テキスト ボックス 26"/>
@@ -7854,8 +7906,8 @@
             </p:sp>
           </mc:Fallback>
         </mc:AlternateContent>
-        <mc:AlternateContent xmlns:mc="http://schemas.openxmlformats.org/markup-compatibility/2006">
-          <mc:Choice xmlns:a14="http://schemas.microsoft.com/office/drawing/2010/main" Requires="a14">
+        <mc:AlternateContent xmlns:mc="http://schemas.openxmlformats.org/markup-compatibility/2006" xmlns:a14="http://schemas.microsoft.com/office/drawing/2010/main">
+          <mc:Choice Requires="a14">
             <p:sp>
               <p:nvSpPr>
                 <p:cNvPr id="28" name="テキスト ボックス 27"/>
@@ -7933,7 +7985,7 @@
               </p:txBody>
             </p:sp>
           </mc:Choice>
-          <mc:Fallback>
+          <mc:Fallback xmlns="">
             <p:sp>
               <p:nvSpPr>
                 <p:cNvPr id="28" name="テキスト ボックス 27"/>
@@ -7975,8 +8027,8 @@
             </p:sp>
           </mc:Fallback>
         </mc:AlternateContent>
-        <mc:AlternateContent xmlns:mc="http://schemas.openxmlformats.org/markup-compatibility/2006">
-          <mc:Choice xmlns:a14="http://schemas.microsoft.com/office/drawing/2010/main" Requires="a14">
+        <mc:AlternateContent xmlns:mc="http://schemas.openxmlformats.org/markup-compatibility/2006" xmlns:a14="http://schemas.microsoft.com/office/drawing/2010/main">
+          <mc:Choice Requires="a14">
             <p:sp>
               <p:nvSpPr>
                 <p:cNvPr id="29" name="テキスト ボックス 28"/>
@@ -8093,7 +8145,7 @@
               </p:txBody>
             </p:sp>
           </mc:Choice>
-          <mc:Fallback>
+          <mc:Fallback xmlns="">
             <p:sp>
               <p:nvSpPr>
                 <p:cNvPr id="29" name="テキスト ボックス 28"/>
@@ -8171,8 +8223,8 @@
             </a:fontRef>
           </p:style>
         </p:cxnSp>
-        <mc:AlternateContent xmlns:mc="http://schemas.openxmlformats.org/markup-compatibility/2006">
-          <mc:Choice xmlns:a14="http://schemas.microsoft.com/office/drawing/2010/main" Requires="a14">
+        <mc:AlternateContent xmlns:mc="http://schemas.openxmlformats.org/markup-compatibility/2006" xmlns:a14="http://schemas.microsoft.com/office/drawing/2010/main">
+          <mc:Choice Requires="a14">
             <p:sp>
               <p:nvSpPr>
                 <p:cNvPr id="31" name="テキスト ボックス 30"/>
@@ -8262,7 +8314,7 @@
               </p:txBody>
             </p:sp>
           </mc:Choice>
-          <mc:Fallback>
+          <mc:Fallback xmlns="">
             <p:sp>
               <p:nvSpPr>
                 <p:cNvPr id="31" name="テキスト ボックス 30"/>
@@ -8378,8 +8430,8 @@
             </a:fontRef>
           </p:style>
         </p:cxnSp>
-        <mc:AlternateContent xmlns:mc="http://schemas.openxmlformats.org/markup-compatibility/2006">
-          <mc:Choice xmlns:a14="http://schemas.microsoft.com/office/drawing/2010/main" Requires="a14">
+        <mc:AlternateContent xmlns:mc="http://schemas.openxmlformats.org/markup-compatibility/2006" xmlns:a14="http://schemas.microsoft.com/office/drawing/2010/main">
+          <mc:Choice Requires="a14">
             <p:sp>
               <p:nvSpPr>
                 <p:cNvPr id="34" name="テキスト ボックス 33"/>
@@ -8505,7 +8557,7 @@
               </p:txBody>
             </p:sp>
           </mc:Choice>
-          <mc:Fallback>
+          <mc:Fallback xmlns="">
             <p:sp>
               <p:nvSpPr>
                 <p:cNvPr id="34" name="テキスト ボックス 33"/>
@@ -8711,8 +8763,8 @@
             </a:p>
           </p:txBody>
         </p:sp>
-        <mc:AlternateContent xmlns:mc="http://schemas.openxmlformats.org/markup-compatibility/2006">
-          <mc:Choice xmlns:a14="http://schemas.microsoft.com/office/drawing/2010/main" Requires="a14">
+        <mc:AlternateContent xmlns:mc="http://schemas.openxmlformats.org/markup-compatibility/2006" xmlns:a14="http://schemas.microsoft.com/office/drawing/2010/main">
+          <mc:Choice Requires="a14">
             <p:sp>
               <p:nvSpPr>
                 <p:cNvPr id="39" name="テキスト ボックス 38"/>
@@ -9056,7 +9108,7 @@
               </p:txBody>
             </p:sp>
           </mc:Choice>
-          <mc:Fallback>
+          <mc:Fallback xmlns="">
             <p:sp>
               <p:nvSpPr>
                 <p:cNvPr id="39" name="テキスト ボックス 38"/>
@@ -9098,8 +9150,8 @@
             </p:sp>
           </mc:Fallback>
         </mc:AlternateContent>
-        <mc:AlternateContent xmlns:mc="http://schemas.openxmlformats.org/markup-compatibility/2006">
-          <mc:Choice xmlns:a14="http://schemas.microsoft.com/office/drawing/2010/main" Requires="a14">
+        <mc:AlternateContent xmlns:mc="http://schemas.openxmlformats.org/markup-compatibility/2006" xmlns:a14="http://schemas.microsoft.com/office/drawing/2010/main">
+          <mc:Choice Requires="a14">
             <p:sp>
               <p:nvSpPr>
                 <p:cNvPr id="40" name="テキスト ボックス 39"/>
@@ -9257,7 +9309,7 @@
               </p:txBody>
             </p:sp>
           </mc:Choice>
-          <mc:Fallback>
+          <mc:Fallback xmlns="">
             <p:sp>
               <p:nvSpPr>
                 <p:cNvPr id="40" name="テキスト ボックス 39"/>
@@ -9412,8 +9464,8 @@
             </a:fontRef>
           </p:style>
         </p:cxnSp>
-        <mc:AlternateContent xmlns:mc="http://schemas.openxmlformats.org/markup-compatibility/2006">
-          <mc:Choice xmlns:a14="http://schemas.microsoft.com/office/drawing/2010/main" Requires="a14">
+        <mc:AlternateContent xmlns:mc="http://schemas.openxmlformats.org/markup-compatibility/2006" xmlns:a14="http://schemas.microsoft.com/office/drawing/2010/main">
+          <mc:Choice Requires="a14">
             <p:sp>
               <p:nvSpPr>
                 <p:cNvPr id="44" name="テキスト ボックス 43"/>
@@ -9530,7 +9582,7 @@
               </p:txBody>
             </p:sp>
           </mc:Choice>
-          <mc:Fallback>
+          <mc:Fallback xmlns="">
             <p:sp>
               <p:nvSpPr>
                 <p:cNvPr id="44" name="テキスト ボックス 43"/>
@@ -9572,8 +9624,8 @@
             </p:sp>
           </mc:Fallback>
         </mc:AlternateContent>
-        <mc:AlternateContent xmlns:mc="http://schemas.openxmlformats.org/markup-compatibility/2006">
-          <mc:Choice xmlns:a14="http://schemas.microsoft.com/office/drawing/2010/main" Requires="a14">
+        <mc:AlternateContent xmlns:mc="http://schemas.openxmlformats.org/markup-compatibility/2006" xmlns:a14="http://schemas.microsoft.com/office/drawing/2010/main">
+          <mc:Choice Requires="a14">
             <p:sp>
               <p:nvSpPr>
                 <p:cNvPr id="45" name="テキスト ボックス 44"/>
@@ -9673,7 +9725,7 @@
               </p:txBody>
             </p:sp>
           </mc:Choice>
-          <mc:Fallback>
+          <mc:Fallback xmlns="">
             <p:sp>
               <p:nvSpPr>
                 <p:cNvPr id="45" name="テキスト ボックス 44"/>
@@ -9750,8 +9802,8 @@
             </a:p>
           </p:txBody>
         </p:sp>
-        <mc:AlternateContent xmlns:mc="http://schemas.openxmlformats.org/markup-compatibility/2006">
-          <mc:Choice xmlns:a14="http://schemas.microsoft.com/office/drawing/2010/main" Requires="a14">
+        <mc:AlternateContent xmlns:mc="http://schemas.openxmlformats.org/markup-compatibility/2006" xmlns:a14="http://schemas.microsoft.com/office/drawing/2010/main">
+          <mc:Choice Requires="a14">
             <p:sp>
               <p:nvSpPr>
                 <p:cNvPr id="47" name="テキスト ボックス 46"/>
@@ -9983,7 +10035,7 @@
               </p:txBody>
             </p:sp>
           </mc:Choice>
-          <mc:Fallback>
+          <mc:Fallback xmlns="">
             <p:sp>
               <p:nvSpPr>
                 <p:cNvPr id="47" name="テキスト ボックス 46"/>
@@ -10157,8 +10209,8 @@
             </a:p>
           </p:txBody>
         </p:sp>
-        <mc:AlternateContent xmlns:mc="http://schemas.openxmlformats.org/markup-compatibility/2006">
-          <mc:Choice xmlns:a14="http://schemas.microsoft.com/office/drawing/2010/main" Requires="a14">
+        <mc:AlternateContent xmlns:mc="http://schemas.openxmlformats.org/markup-compatibility/2006" xmlns:a14="http://schemas.microsoft.com/office/drawing/2010/main">
+          <mc:Choice Requires="a14">
             <p:sp>
               <p:nvSpPr>
                 <p:cNvPr id="51" name="テキスト ボックス 50"/>
@@ -10322,7 +10374,7 @@
               </p:txBody>
             </p:sp>
           </mc:Choice>
-          <mc:Fallback>
+          <mc:Fallback xmlns="">
             <p:sp>
               <p:nvSpPr>
                 <p:cNvPr id="51" name="テキスト ボックス 50"/>
@@ -10469,8 +10521,8 @@
             </a:p>
           </p:txBody>
         </p:sp>
-        <mc:AlternateContent xmlns:mc="http://schemas.openxmlformats.org/markup-compatibility/2006">
-          <mc:Choice xmlns:a14="http://schemas.microsoft.com/office/drawing/2010/main" Requires="a14">
+        <mc:AlternateContent xmlns:mc="http://schemas.openxmlformats.org/markup-compatibility/2006" xmlns:a14="http://schemas.microsoft.com/office/drawing/2010/main">
+          <mc:Choice Requires="a14">
             <p:sp>
               <p:nvSpPr>
                 <p:cNvPr id="55" name="テキスト ボックス 54"/>
@@ -10560,7 +10612,7 @@
               </p:txBody>
             </p:sp>
           </mc:Choice>
-          <mc:Fallback>
+          <mc:Fallback xmlns="">
             <p:sp>
               <p:nvSpPr>
                 <p:cNvPr id="55" name="テキスト ボックス 54"/>
@@ -10602,8 +10654,8 @@
             </p:sp>
           </mc:Fallback>
         </mc:AlternateContent>
-        <mc:AlternateContent xmlns:mc="http://schemas.openxmlformats.org/markup-compatibility/2006">
-          <mc:Choice xmlns:a14="http://schemas.microsoft.com/office/drawing/2010/main" Requires="a14">
+        <mc:AlternateContent xmlns:mc="http://schemas.openxmlformats.org/markup-compatibility/2006" xmlns:a14="http://schemas.microsoft.com/office/drawing/2010/main">
+          <mc:Choice Requires="a14">
             <p:sp>
               <p:nvSpPr>
                 <p:cNvPr id="57" name="正方形/長方形 56"/>
@@ -10747,7 +10799,7 @@
               </p:txBody>
             </p:sp>
           </mc:Choice>
-          <mc:Fallback>
+          <mc:Fallback xmlns="">
             <p:sp>
               <p:nvSpPr>
                 <p:cNvPr id="57" name="正方形/長方形 56"/>
@@ -10787,8 +10839,8 @@
           </mc:Fallback>
         </mc:AlternateContent>
       </p:grpSp>
-      <mc:AlternateContent xmlns:mc="http://schemas.openxmlformats.org/markup-compatibility/2006" xmlns:a14="http://schemas.microsoft.com/office/drawing/2010/main">
-        <mc:Choice Requires="a14">
+      <mc:AlternateContent xmlns:mc="http://schemas.openxmlformats.org/markup-compatibility/2006">
+        <mc:Choice xmlns:a14="http://schemas.microsoft.com/office/drawing/2010/main" Requires="a14">
           <p:sp>
             <p:nvSpPr>
               <p:cNvPr id="58" name="テキスト ボックス 57"/>
@@ -11147,15 +11199,15 @@
                               </m:ctrlPr>
                             </m:dPr>
                             <m:e>
-                              <m:sSub>
-                                <m:sSubPr>
+                              <m:sSubSup>
+                                <m:sSubSupPr>
                                   <m:ctrlPr>
                                     <a:rPr lang="en-US" altLang="ja-JP" sz="1400" b="0" i="1" smtClean="0">
                                       <a:latin typeface="Cambria Math" panose="02040503050406030204" pitchFamily="18" charset="0"/>
                                       <a:ea typeface="Cambria Math" panose="02040503050406030204" pitchFamily="18" charset="0"/>
                                     </a:rPr>
                                   </m:ctrlPr>
-                                </m:sSubPr>
+                                </m:sSubSupPr>
                                 <m:e>
                                   <m:r>
                                     <a:rPr lang="en-US" altLang="ja-JP" sz="1400" b="0" i="1" smtClean="0">
@@ -11188,7 +11240,16 @@
                                     <m:t>h</m:t>
                                   </m:r>
                                 </m:sub>
-                              </m:sSub>
+                                <m:sup>
+                                  <m:r>
+                                    <a:rPr lang="en-US" altLang="ja-JP" sz="1400" b="0" i="1" smtClean="0">
+                                      <a:latin typeface="Cambria Math" panose="02040503050406030204" pitchFamily="18" charset="0"/>
+                                      <a:ea typeface="Cambria Math" panose="02040503050406030204" pitchFamily="18" charset="0"/>
+                                    </a:rPr>
+                                    <m:t>𝐶</m:t>
+                                  </m:r>
+                                </m:sup>
+                              </m:sSubSup>
                               <m:r>
                                 <a:rPr lang="en-US" altLang="ja-JP" sz="1400" b="0" i="1" smtClean="0">
                                   <a:latin typeface="Cambria Math" panose="02040503050406030204" pitchFamily="18" charset="0"/>
@@ -11346,7 +11407,7 @@
             </p:txBody>
           </p:sp>
         </mc:Choice>
-        <mc:Fallback xmlns="">
+        <mc:Fallback>
           <p:sp>
             <p:nvSpPr>
               <p:cNvPr id="58" name="テキスト ボックス 57"/>
@@ -11414,7 +11475,7 @@
           <a:lstStyle/>
           <a:p>
             <a:r>
-              <a:rPr kumimoji="1" lang="en-US" altLang="ja-JP" sz="1400" b="1" dirty="0" smtClean="0">
+              <a:rPr kumimoji="1" lang="en-US" altLang="ja-JP" sz="1400" b="1" dirty="0">
                 <a:latin typeface="Cambria Math" panose="02040503050406030204" pitchFamily="18" charset="0"/>
                 <a:ea typeface="Cambria Math" panose="02040503050406030204" pitchFamily="18" charset="0"/>
                 <a:cs typeface="Times New Roman" panose="02020603050405020304" pitchFamily="18" charset="0"/>
@@ -11451,98 +11512,73 @@
           <a:p>
             <a:pPr marL="361950" indent="-361950"/>
             <a:r>
-              <a:rPr lang="en-US" altLang="ja-JP" sz="1100" dirty="0" smtClean="0">
+              <a:rPr lang="en-US" altLang="ja-JP" sz="1100" dirty="0">
                 <a:latin typeface="Cambria Math" panose="02040503050406030204" pitchFamily="18" charset="0"/>
                 <a:ea typeface="Cambria Math" panose="02040503050406030204" pitchFamily="18" charset="0"/>
               </a:rPr>
               <a:t>u(</a:t>
             </a:r>
             <a:r>
-              <a:rPr lang="en-US" altLang="ja-JP" sz="1100" b="1" dirty="0" smtClean="0">
+              <a:rPr lang="en-US" altLang="ja-JP" sz="1100" b="1" dirty="0">
                 <a:latin typeface="Cambria Math" panose="02040503050406030204" pitchFamily="18" charset="0"/>
                 <a:ea typeface="Cambria Math" panose="02040503050406030204" pitchFamily="18" charset="0"/>
               </a:rPr>
               <a:t>r</a:t>
             </a:r>
             <a:r>
-              <a:rPr lang="en-US" altLang="ja-JP" sz="1100" dirty="0" smtClean="0">
+              <a:rPr lang="en-US" altLang="ja-JP" sz="1100" dirty="0">
                 <a:latin typeface="Cambria Math" panose="02040503050406030204" pitchFamily="18" charset="0"/>
                 <a:ea typeface="Cambria Math" panose="02040503050406030204" pitchFamily="18" charset="0"/>
               </a:rPr>
-              <a:t>) </a:t>
+              <a:t>) : Periodic function with the same periodicity as the crystal lattice</a:t>
+            </a:r>
+          </a:p>
+          <a:p>
+            <a:pPr marL="361950" indent="-361950"/>
+            <a:r>
+              <a:rPr lang="en-US" altLang="ja-JP" sz="1100" b="1" dirty="0">
+                <a:latin typeface="Cambria Math" panose="02040503050406030204" pitchFamily="18" charset="0"/>
+                <a:ea typeface="Cambria Math" panose="02040503050406030204" pitchFamily="18" charset="0"/>
+              </a:rPr>
+              <a:t>k</a:t>
+            </a:r>
+            <a:r>
+              <a:rPr lang="en-US" altLang="ja-JP" sz="1100" b="1" baseline="30000" dirty="0">
+                <a:latin typeface="Cambria Math" panose="02040503050406030204" pitchFamily="18" charset="0"/>
+                <a:ea typeface="Cambria Math" panose="02040503050406030204" pitchFamily="18" charset="0"/>
+              </a:rPr>
+              <a:t>(j)</a:t>
             </a:r>
             <a:r>
               <a:rPr lang="en-US" altLang="ja-JP" sz="1100" dirty="0">
                 <a:latin typeface="Cambria Math" panose="02040503050406030204" pitchFamily="18" charset="0"/>
                 <a:ea typeface="Cambria Math" panose="02040503050406030204" pitchFamily="18" charset="0"/>
               </a:rPr>
-              <a:t>: </a:t>
-            </a:r>
-            <a:r>
-              <a:rPr lang="en-US" altLang="ja-JP" sz="1100" dirty="0" smtClean="0">
-                <a:latin typeface="Cambria Math" panose="02040503050406030204" pitchFamily="18" charset="0"/>
-                <a:ea typeface="Cambria Math" panose="02040503050406030204" pitchFamily="18" charset="0"/>
-              </a:rPr>
-              <a:t>Periodic function with </a:t>
-            </a:r>
-            <a:r>
-              <a:rPr lang="en-US" altLang="ja-JP" sz="1100" dirty="0">
-                <a:latin typeface="Cambria Math" panose="02040503050406030204" pitchFamily="18" charset="0"/>
-                <a:ea typeface="Cambria Math" panose="02040503050406030204" pitchFamily="18" charset="0"/>
-              </a:rPr>
-              <a:t>the same periodicity as the crystal lattice</a:t>
-            </a:r>
-            <a:endParaRPr lang="en-US" altLang="ja-JP" sz="1100" dirty="0" smtClean="0">
-              <a:latin typeface="Cambria Math" panose="02040503050406030204" pitchFamily="18" charset="0"/>
-              <a:ea typeface="Cambria Math" panose="02040503050406030204" pitchFamily="18" charset="0"/>
-            </a:endParaRPr>
-          </a:p>
-          <a:p>
-            <a:pPr marL="361950" indent="-361950"/>
-            <a:r>
-              <a:rPr lang="en-US" altLang="ja-JP" sz="1100" b="1" dirty="0" smtClean="0">
-                <a:latin typeface="Cambria Math" panose="02040503050406030204" pitchFamily="18" charset="0"/>
-                <a:ea typeface="Cambria Math" panose="02040503050406030204" pitchFamily="18" charset="0"/>
-              </a:rPr>
-              <a:t>k</a:t>
-            </a:r>
-            <a:r>
-              <a:rPr lang="en-US" altLang="ja-JP" sz="1100" b="1" baseline="30000" dirty="0" smtClean="0">
-                <a:latin typeface="Cambria Math" panose="02040503050406030204" pitchFamily="18" charset="0"/>
-                <a:ea typeface="Cambria Math" panose="02040503050406030204" pitchFamily="18" charset="0"/>
-              </a:rPr>
-              <a:t>(j)</a:t>
-            </a:r>
-            <a:r>
-              <a:rPr lang="en-US" altLang="ja-JP" sz="1100" dirty="0" smtClean="0">
-                <a:latin typeface="Cambria Math" panose="02040503050406030204" pitchFamily="18" charset="0"/>
-                <a:ea typeface="Cambria Math" panose="02040503050406030204" pitchFamily="18" charset="0"/>
-              </a:rPr>
               <a:t> :  </a:t>
             </a:r>
             <a:r>
-              <a:rPr lang="en-US" altLang="ja-JP" sz="1100" dirty="0" err="1" smtClean="0">
+              <a:rPr lang="en-US" altLang="ja-JP" sz="1100" dirty="0" err="1">
                 <a:latin typeface="Cambria Math" panose="02040503050406030204" pitchFamily="18" charset="0"/>
                 <a:ea typeface="Cambria Math" panose="02040503050406030204" pitchFamily="18" charset="0"/>
               </a:rPr>
               <a:t>j</a:t>
             </a:r>
             <a:r>
-              <a:rPr lang="en-US" altLang="ja-JP" sz="1100" baseline="30000" dirty="0" err="1" smtClean="0">
+              <a:rPr lang="en-US" altLang="ja-JP" sz="1100" baseline="30000" dirty="0" err="1">
                 <a:latin typeface="Cambria Math" panose="02040503050406030204" pitchFamily="18" charset="0"/>
                 <a:ea typeface="Cambria Math" panose="02040503050406030204" pitchFamily="18" charset="0"/>
               </a:rPr>
               <a:t>th</a:t>
             </a:r>
             <a:r>
-              <a:rPr lang="ja-JP" altLang="en-US" sz="1100" dirty="0" smtClean="0">
+              <a:rPr lang="ja-JP" altLang="en-US" sz="1100" dirty="0">
                 <a:latin typeface="Cambria Math" panose="02040503050406030204" pitchFamily="18" charset="0"/>
                 <a:ea typeface="UD デジタル 教科書体 NK-R" panose="02020400000000000000" pitchFamily="18" charset="-128"/>
               </a:rPr>
               <a:t> </a:t>
             </a:r>
             <a:r>
-              <a:rPr lang="en-US" altLang="ja-JP" sz="1100" dirty="0" smtClean="0">
+              <a:rPr lang="en-US" altLang="ja-JP" sz="1100" dirty="0">
                 <a:latin typeface="Cambria Math" panose="02040503050406030204" pitchFamily="18" charset="0"/>
                 <a:ea typeface="Cambria Math" panose="02040503050406030204" pitchFamily="18" charset="0"/>
               </a:rPr>
@@ -12306,7 +12342,7 @@
           <a:lstStyle/>
           <a:p>
             <a:r>
-              <a:rPr lang="en-US" altLang="ja-JP" sz="1400" b="1" dirty="0" smtClean="0">
+              <a:rPr lang="en-US" altLang="ja-JP" sz="1400" b="1" dirty="0">
                 <a:latin typeface="Cambria Math" panose="02040503050406030204" pitchFamily="18" charset="0"/>
                 <a:ea typeface="UD デジタル 教科書体 NK-R" panose="02020400000000000000" pitchFamily="18" charset="-128"/>
               </a:rPr>
@@ -12342,7 +12378,7 @@
           <a:lstStyle/>
           <a:p>
             <a:r>
-              <a:rPr lang="en-US" altLang="ja-JP" sz="1400" b="1" dirty="0" smtClean="0">
+              <a:rPr lang="en-US" altLang="ja-JP" sz="1400" b="1" dirty="0">
                 <a:latin typeface="Cambria Math" panose="02040503050406030204" pitchFamily="18" charset="0"/>
                 <a:ea typeface="Cambria Math" panose="02040503050406030204" pitchFamily="18" charset="0"/>
               </a:rPr>
@@ -12411,7 +12447,7 @@
                   </m:oMath>
                 </a14:m>
                 <a:r>
-                  <a:rPr lang="en-US" altLang="ja-JP" sz="1100" dirty="0" smtClean="0">
+                  <a:rPr lang="en-US" altLang="ja-JP" sz="1100" dirty="0">
                     <a:latin typeface="Cambria Math" panose="02040503050406030204" pitchFamily="18" charset="0"/>
                     <a:ea typeface="Cambria Math" panose="02040503050406030204" pitchFamily="18" charset="0"/>
                   </a:rPr>
@@ -12420,39 +12456,25 @@
               </a:p>
               <a:p>
                 <a:r>
-                  <a:rPr lang="en-US" altLang="ja-JP" sz="1100" i="1" dirty="0" err="1" smtClean="0">
+                  <a:rPr lang="en-US" altLang="ja-JP" sz="1100" i="1" dirty="0" err="1">
                     <a:latin typeface="Cambria Math" panose="02040503050406030204" pitchFamily="18" charset="0"/>
                     <a:ea typeface="Cambria Math" panose="02040503050406030204" pitchFamily="18" charset="0"/>
                   </a:rPr>
                   <a:t>U</a:t>
                 </a:r>
                 <a:r>
-                  <a:rPr lang="en-US" altLang="ja-JP" sz="1100" i="1" baseline="-25000" dirty="0" err="1" smtClean="0">
+                  <a:rPr lang="en-US" altLang="ja-JP" sz="1100" i="1" baseline="-25000" dirty="0" err="1">
                     <a:latin typeface="Cambria Math" panose="02040503050406030204" pitchFamily="18" charset="0"/>
                     <a:ea typeface="Cambria Math" panose="02040503050406030204" pitchFamily="18" charset="0"/>
                   </a:rPr>
                   <a:t>g</a:t>
                 </a:r>
                 <a:r>
-                  <a:rPr lang="en-US" altLang="ja-JP" sz="1100" dirty="0" smtClean="0">
-                    <a:latin typeface="Cambria Math" panose="02040503050406030204" pitchFamily="18" charset="0"/>
-                    <a:ea typeface="Cambria Math" panose="02040503050406030204" pitchFamily="18" charset="0"/>
-                  </a:rPr>
-                  <a:t> : Fourier </a:t>
-                </a:r>
-                <a:r>
                   <a:rPr lang="en-US" altLang="ja-JP" sz="1100" dirty="0">
                     <a:latin typeface="Cambria Math" panose="02040503050406030204" pitchFamily="18" charset="0"/>
                     <a:ea typeface="Cambria Math" panose="02040503050406030204" pitchFamily="18" charset="0"/>
                   </a:rPr>
-                  <a:t>component of </a:t>
-                </a:r>
-                <a:r>
-                  <a:rPr lang="en-US" altLang="ja-JP" sz="1100" dirty="0" smtClean="0">
-                    <a:latin typeface="Cambria Math" panose="02040503050406030204" pitchFamily="18" charset="0"/>
-                    <a:ea typeface="Cambria Math" panose="02040503050406030204" pitchFamily="18" charset="0"/>
-                  </a:rPr>
-                  <a:t>potential</a:t>
+                  <a:t> : Fourier component of potential</a:t>
                 </a:r>
                 <a:endParaRPr lang="en-US" altLang="ja-JP" sz="1100" i="1" dirty="0">
                   <a:latin typeface="Cambria Math" panose="02040503050406030204" pitchFamily="18" charset="0"/>
@@ -15179,8 +15201,8 @@
           </p:sp>
         </mc:Fallback>
       </mc:AlternateContent>
-      <mc:AlternateContent xmlns:mc="http://schemas.openxmlformats.org/markup-compatibility/2006">
-        <mc:Choice xmlns:a14="http://schemas.microsoft.com/office/drawing/2010/main" Requires="a14">
+      <mc:AlternateContent xmlns:mc="http://schemas.openxmlformats.org/markup-compatibility/2006" xmlns:a14="http://schemas.microsoft.com/office/drawing/2010/main">
+        <mc:Choice Requires="a14">
           <p:sp>
             <p:nvSpPr>
               <p:cNvPr id="9" name="正方形/長方形 8"/>
@@ -15771,7 +15793,7 @@
                   </m:oMath>
                 </a14:m>
                 <a:r>
-                  <a:rPr lang="en-US" altLang="ja-JP" sz="1400" dirty="0" smtClean="0"/>
+                  <a:rPr lang="en-US" altLang="ja-JP" sz="1400" dirty="0"/>
                   <a:t> </a:t>
                 </a:r>
               </a:p>
@@ -15984,7 +16006,7 @@
                   </m:oMath>
                 </a14:m>
                 <a:r>
-                  <a:rPr lang="en-US" altLang="ja-JP" sz="1400" dirty="0" smtClean="0"/>
+                  <a:rPr lang="en-US" altLang="ja-JP" sz="1400" dirty="0"/>
                   <a:t>	</a:t>
                 </a:r>
                 <a:endParaRPr lang="ja-JP" altLang="en-US" sz="1400" dirty="0"/>
@@ -15992,7 +16014,7 @@
             </p:txBody>
           </p:sp>
         </mc:Choice>
-        <mc:Fallback>
+        <mc:Fallback xmlns="">
           <p:sp>
             <p:nvSpPr>
               <p:cNvPr id="9" name="正方形/長方形 8"/>
@@ -16203,14 +16225,14 @@
           <a:lstStyle/>
           <a:p>
             <a:r>
-              <a:rPr kumimoji="1" lang="en-US" altLang="ja-JP" sz="1400" b="1" dirty="0" smtClean="0">
+              <a:rPr kumimoji="1" lang="en-US" altLang="ja-JP" sz="1400" b="1" dirty="0">
                 <a:latin typeface="Times New Roman" panose="02020603050405020304" pitchFamily="18" charset="0"/>
                 <a:cs typeface="Times New Roman" panose="02020603050405020304" pitchFamily="18" charset="0"/>
               </a:rPr>
               <a:t>Optical potential (complex crystal </a:t>
             </a:r>
             <a:r>
-              <a:rPr lang="en-US" altLang="ja-JP" sz="1400" b="1" dirty="0" smtClean="0">
+              <a:rPr lang="en-US" altLang="ja-JP" sz="1400" b="1" dirty="0">
                 <a:latin typeface="Cambria Math" panose="02040503050406030204" pitchFamily="18" charset="0"/>
                 <a:ea typeface="Cambria Math" panose="02040503050406030204" pitchFamily="18" charset="0"/>
               </a:rPr>
@@ -16245,7 +16267,7 @@
           <a:lstStyle/>
           <a:p>
             <a:r>
-              <a:rPr kumimoji="1" lang="en-US" altLang="ja-JP" sz="1400" b="1" dirty="0" smtClean="0">
+              <a:rPr kumimoji="1" lang="en-US" altLang="ja-JP" sz="1400" b="1" dirty="0">
                 <a:latin typeface="Times New Roman" panose="02020603050405020304" pitchFamily="18" charset="0"/>
                 <a:cs typeface="Times New Roman" panose="02020603050405020304" pitchFamily="18" charset="0"/>
               </a:rPr>
@@ -17544,7 +17566,7 @@
                     </m:oMath>
                   </m:oMathPara>
                 </a14:m>
-                <a:endParaRPr lang="en-US" altLang="ja-JP" sz="1400" i="1" kern="100" dirty="0" smtClean="0">
+                <a:endParaRPr lang="en-US" altLang="ja-JP" sz="1400" i="1" kern="100" dirty="0">
                   <a:latin typeface="Cambria Math" panose="02040503050406030204" pitchFamily="18" charset="0"/>
                   <a:ea typeface="ＭＳ 明朝" panose="02020609040205080304" pitchFamily="17" charset="-128"/>
                   <a:cs typeface="Times New Roman" panose="02020603050405020304" pitchFamily="18" charset="0"/>
@@ -17552,7 +17574,7 @@
               </a:p>
               <a:p>
                 <a:r>
-                  <a:rPr lang="en-US" altLang="ja-JP" sz="1400" kern="100" dirty="0" smtClean="0">
+                  <a:rPr lang="en-US" altLang="ja-JP" sz="1400" kern="100" dirty="0">
                     <a:ea typeface="Cambria Math" panose="02040503050406030204" pitchFamily="18" charset="0"/>
                     <a:cs typeface="Times New Roman" panose="02020603050405020304" pitchFamily="18" charset="0"/>
                   </a:rPr>
@@ -18271,28 +18293,28 @@
           <a:lstStyle/>
           <a:p>
             <a:r>
-              <a:rPr kumimoji="1" lang="en-US" altLang="ja-JP" sz="1400" b="1" dirty="0" smtClean="0">
+              <a:rPr kumimoji="1" lang="en-US" altLang="ja-JP" sz="1400" b="1" dirty="0">
                 <a:latin typeface="Times New Roman" panose="02020603050405020304" pitchFamily="18" charset="0"/>
                 <a:cs typeface="Times New Roman" panose="02020603050405020304" pitchFamily="18" charset="0"/>
               </a:rPr>
               <a:t>Matrix representation of transmission coefficient </a:t>
             </a:r>
             <a:r>
-              <a:rPr kumimoji="1" lang="en-US" altLang="ja-JP" sz="1400" b="1" i="1" dirty="0" err="1" smtClean="0">
+              <a:rPr kumimoji="1" lang="en-US" altLang="ja-JP" sz="1400" b="1" i="1" dirty="0" err="1">
                 <a:latin typeface="Times New Roman" panose="02020603050405020304" pitchFamily="18" charset="0"/>
                 <a:cs typeface="Times New Roman" panose="02020603050405020304" pitchFamily="18" charset="0"/>
               </a:rPr>
               <a:t>T</a:t>
             </a:r>
             <a:r>
-              <a:rPr kumimoji="1" lang="en-US" altLang="ja-JP" sz="1400" b="1" i="1" baseline="-25000" dirty="0" err="1" smtClean="0">
+              <a:rPr kumimoji="1" lang="en-US" altLang="ja-JP" sz="1400" b="1" i="1" baseline="-25000" dirty="0" err="1">
                 <a:latin typeface="Times New Roman" panose="02020603050405020304" pitchFamily="18" charset="0"/>
                 <a:cs typeface="Times New Roman" panose="02020603050405020304" pitchFamily="18" charset="0"/>
               </a:rPr>
               <a:t>g</a:t>
             </a:r>
             <a:r>
-              <a:rPr kumimoji="1" lang="en-US" altLang="ja-JP" sz="1400" b="1" dirty="0" smtClean="0">
+              <a:rPr kumimoji="1" lang="en-US" altLang="ja-JP" sz="1400" b="1" dirty="0">
                 <a:latin typeface="Times New Roman" panose="02020603050405020304" pitchFamily="18" charset="0"/>
                 <a:cs typeface="Times New Roman" panose="02020603050405020304" pitchFamily="18" charset="0"/>
               </a:rPr>
@@ -18344,7 +18366,7 @@
                   </m:oMath>
                 </a14:m>
                 <a:r>
-                  <a:rPr kumimoji="1" lang="en-US" altLang="ja-JP" sz="1200" dirty="0" smtClean="0">
+                  <a:rPr kumimoji="1" lang="en-US" altLang="ja-JP" sz="1200" dirty="0">
                     <a:latin typeface="Cambria Math" panose="02040503050406030204" pitchFamily="18" charset="0"/>
                     <a:ea typeface="Cambria Math" panose="02040503050406030204" pitchFamily="18" charset="0"/>
                   </a:rPr>
@@ -18372,19 +18394,8 @@
                     <a:latin typeface="Cambria Math" panose="02040503050406030204" pitchFamily="18" charset="0"/>
                     <a:ea typeface="Cambria Math" panose="02040503050406030204" pitchFamily="18" charset="0"/>
                   </a:rPr>
-                  <a:t>:	</a:t>
+                  <a:t>:	Specimen thickness</a:t>
                 </a:r>
-                <a:r>
-                  <a:rPr kumimoji="1" lang="en-US" altLang="ja-JP" sz="1200" dirty="0" smtClean="0">
-                    <a:latin typeface="Cambria Math" panose="02040503050406030204" pitchFamily="18" charset="0"/>
-                    <a:ea typeface="Cambria Math" panose="02040503050406030204" pitchFamily="18" charset="0"/>
-                  </a:rPr>
-                  <a:t>Specimen thickness</a:t>
-                </a:r>
-                <a:endParaRPr kumimoji="1" lang="en-US" altLang="ja-JP" sz="1200" dirty="0">
-                  <a:latin typeface="Cambria Math" panose="02040503050406030204" pitchFamily="18" charset="0"/>
-                  <a:ea typeface="Cambria Math" panose="02040503050406030204" pitchFamily="18" charset="0"/>
-                </a:endParaRPr>
               </a:p>
             </p:txBody>
           </p:sp>
@@ -18455,7 +18466,7 @@
               </a:lnSpc>
             </a:pPr>
             <a:r>
-              <a:rPr kumimoji="1" lang="en-US" altLang="ja-JP" sz="1200" b="1" dirty="0" smtClean="0">
+              <a:rPr kumimoji="1" lang="en-US" altLang="ja-JP" sz="1200" b="1" dirty="0">
                 <a:latin typeface="Cambria Math" panose="02040503050406030204" pitchFamily="18" charset="0"/>
                 <a:ea typeface="Cambria Math" panose="02040503050406030204" pitchFamily="18" charset="0"/>
               </a:rPr>
@@ -18491,16 +18502,12 @@
               </a:lnSpc>
             </a:pPr>
             <a:r>
-              <a:rPr kumimoji="1" lang="en-US" altLang="ja-JP" sz="1200" b="1" dirty="0" smtClean="0">
+              <a:rPr kumimoji="1" lang="en-US" altLang="ja-JP" sz="1200" b="1" dirty="0">
                 <a:latin typeface="Cambria Math" panose="02040503050406030204" pitchFamily="18" charset="0"/>
                 <a:ea typeface="Cambria Math" panose="02040503050406030204" pitchFamily="18" charset="0"/>
               </a:rPr>
               <a:t>Imaginary (absorption) potential for thermal diffuse</a:t>
             </a:r>
-            <a:endParaRPr kumimoji="1" lang="en-US" altLang="ja-JP" sz="1200" b="1" dirty="0">
-              <a:latin typeface="Cambria Math" panose="02040503050406030204" pitchFamily="18" charset="0"/>
-              <a:ea typeface="Cambria Math" panose="02040503050406030204" pitchFamily="18" charset="0"/>
-            </a:endParaRPr>
           </a:p>
         </p:txBody>
       </p:sp>

--- a/ReciPro/doc/bethe.pptx
+++ b/ReciPro/doc/bethe.pptx
@@ -7,6 +7,7 @@
   <p:sldIdLst>
     <p:sldId id="256" r:id="rId2"/>
     <p:sldId id="257" r:id="rId3"/>
+    <p:sldId id="258" r:id="rId4"/>
   </p:sldIdLst>
   <p:sldSz cx="6858000" cy="9906000" type="A4"/>
   <p:notesSz cx="6858000" cy="9144000"/>
@@ -244,7 +245,7 @@
           <a:p>
             <a:fld id="{A5EC26D8-D98F-4A91-AFE7-5EF4FA3FDDA5}" type="datetimeFigureOut">
               <a:rPr kumimoji="1" lang="ja-JP" altLang="en-US" smtClean="0"/>
-              <a:t>2021/1/2</a:t>
+              <a:t>2021/8/27</a:t>
             </a:fld>
             <a:endParaRPr kumimoji="1" lang="ja-JP" altLang="en-US"/>
           </a:p>
@@ -446,7 +447,7 @@
           <a:p>
             <a:fld id="{A5EC26D8-D98F-4A91-AFE7-5EF4FA3FDDA5}" type="datetimeFigureOut">
               <a:rPr kumimoji="1" lang="ja-JP" altLang="en-US" smtClean="0"/>
-              <a:t>2021/1/2</a:t>
+              <a:t>2021/8/27</a:t>
             </a:fld>
             <a:endParaRPr kumimoji="1" lang="ja-JP" altLang="en-US"/>
           </a:p>
@@ -658,7 +659,7 @@
           <a:p>
             <a:fld id="{A5EC26D8-D98F-4A91-AFE7-5EF4FA3FDDA5}" type="datetimeFigureOut">
               <a:rPr kumimoji="1" lang="ja-JP" altLang="en-US" smtClean="0"/>
-              <a:t>2021/1/2</a:t>
+              <a:t>2021/8/27</a:t>
             </a:fld>
             <a:endParaRPr kumimoji="1" lang="ja-JP" altLang="en-US"/>
           </a:p>
@@ -860,7 +861,7 @@
           <a:p>
             <a:fld id="{A5EC26D8-D98F-4A91-AFE7-5EF4FA3FDDA5}" type="datetimeFigureOut">
               <a:rPr kumimoji="1" lang="ja-JP" altLang="en-US" smtClean="0"/>
-              <a:t>2021/1/2</a:t>
+              <a:t>2021/8/27</a:t>
             </a:fld>
             <a:endParaRPr kumimoji="1" lang="ja-JP" altLang="en-US"/>
           </a:p>
@@ -1104,7 +1105,7 @@
           <a:p>
             <a:fld id="{A5EC26D8-D98F-4A91-AFE7-5EF4FA3FDDA5}" type="datetimeFigureOut">
               <a:rPr kumimoji="1" lang="ja-JP" altLang="en-US" smtClean="0"/>
-              <a:t>2021/1/2</a:t>
+              <a:t>2021/8/27</a:t>
             </a:fld>
             <a:endParaRPr kumimoji="1" lang="ja-JP" altLang="en-US"/>
           </a:p>
@@ -1400,7 +1401,7 @@
           <a:p>
             <a:fld id="{A5EC26D8-D98F-4A91-AFE7-5EF4FA3FDDA5}" type="datetimeFigureOut">
               <a:rPr kumimoji="1" lang="ja-JP" altLang="en-US" smtClean="0"/>
-              <a:t>2021/1/2</a:t>
+              <a:t>2021/8/27</a:t>
             </a:fld>
             <a:endParaRPr kumimoji="1" lang="ja-JP" altLang="en-US"/>
           </a:p>
@@ -1831,7 +1832,7 @@
           <a:p>
             <a:fld id="{A5EC26D8-D98F-4A91-AFE7-5EF4FA3FDDA5}" type="datetimeFigureOut">
               <a:rPr kumimoji="1" lang="ja-JP" altLang="en-US" smtClean="0"/>
-              <a:t>2021/1/2</a:t>
+              <a:t>2021/8/27</a:t>
             </a:fld>
             <a:endParaRPr kumimoji="1" lang="ja-JP" altLang="en-US"/>
           </a:p>
@@ -1949,7 +1950,7 @@
           <a:p>
             <a:fld id="{A5EC26D8-D98F-4A91-AFE7-5EF4FA3FDDA5}" type="datetimeFigureOut">
               <a:rPr kumimoji="1" lang="ja-JP" altLang="en-US" smtClean="0"/>
-              <a:t>2021/1/2</a:t>
+              <a:t>2021/8/27</a:t>
             </a:fld>
             <a:endParaRPr kumimoji="1" lang="ja-JP" altLang="en-US"/>
           </a:p>
@@ -2044,7 +2045,7 @@
           <a:p>
             <a:fld id="{A5EC26D8-D98F-4A91-AFE7-5EF4FA3FDDA5}" type="datetimeFigureOut">
               <a:rPr kumimoji="1" lang="ja-JP" altLang="en-US" smtClean="0"/>
-              <a:t>2021/1/2</a:t>
+              <a:t>2021/8/27</a:t>
             </a:fld>
             <a:endParaRPr kumimoji="1" lang="ja-JP" altLang="en-US"/>
           </a:p>
@@ -2353,7 +2354,7 @@
           <a:p>
             <a:fld id="{A5EC26D8-D98F-4A91-AFE7-5EF4FA3FDDA5}" type="datetimeFigureOut">
               <a:rPr kumimoji="1" lang="ja-JP" altLang="en-US" smtClean="0"/>
-              <a:t>2021/1/2</a:t>
+              <a:t>2021/8/27</a:t>
             </a:fld>
             <a:endParaRPr kumimoji="1" lang="ja-JP" altLang="en-US"/>
           </a:p>
@@ -2610,7 +2611,7 @@
           <a:p>
             <a:fld id="{A5EC26D8-D98F-4A91-AFE7-5EF4FA3FDDA5}" type="datetimeFigureOut">
               <a:rPr kumimoji="1" lang="ja-JP" altLang="en-US" smtClean="0"/>
-              <a:t>2021/1/2</a:t>
+              <a:t>2021/8/27</a:t>
             </a:fld>
             <a:endParaRPr kumimoji="1" lang="ja-JP" altLang="en-US"/>
           </a:p>
@@ -2855,7 +2856,7 @@
           <a:p>
             <a:fld id="{A5EC26D8-D98F-4A91-AFE7-5EF4FA3FDDA5}" type="datetimeFigureOut">
               <a:rPr kumimoji="1" lang="ja-JP" altLang="en-US" smtClean="0"/>
-              <a:t>2021/1/2</a:t>
+              <a:t>2021/8/27</a:t>
             </a:fld>
             <a:endParaRPr kumimoji="1" lang="ja-JP" altLang="en-US"/>
           </a:p>
@@ -3260,8 +3261,8 @@
           <a:chExt cx="0" cy="0"/>
         </a:xfrm>
       </p:grpSpPr>
-      <mc:AlternateContent xmlns:mc="http://schemas.openxmlformats.org/markup-compatibility/2006">
-        <mc:Choice xmlns:a14="http://schemas.microsoft.com/office/drawing/2010/main" Requires="a14">
+      <mc:AlternateContent xmlns:mc="http://schemas.openxmlformats.org/markup-compatibility/2006" xmlns:a14="http://schemas.microsoft.com/office/drawing/2010/main">
+        <mc:Choice Requires="a14">
           <p:sp>
             <p:nvSpPr>
               <p:cNvPr id="12" name="テキスト ボックス 11"/>
@@ -6497,7 +6498,7 @@
             </p:txBody>
           </p:sp>
         </mc:Choice>
-        <mc:Fallback>
+        <mc:Fallback xmlns="">
           <p:sp>
             <p:nvSpPr>
               <p:cNvPr id="12" name="テキスト ボックス 11"/>
@@ -6622,8 +6623,8 @@
           </a:p>
         </p:txBody>
       </p:sp>
-      <mc:AlternateContent xmlns:mc="http://schemas.openxmlformats.org/markup-compatibility/2006">
-        <mc:Choice xmlns:a14="http://schemas.microsoft.com/office/drawing/2010/main" Requires="a14">
+      <mc:AlternateContent xmlns:mc="http://schemas.openxmlformats.org/markup-compatibility/2006" xmlns:a14="http://schemas.microsoft.com/office/drawing/2010/main">
+        <mc:Choice Requires="a14">
           <p:sp>
             <p:nvSpPr>
               <p:cNvPr id="15" name="正方形/長方形 14"/>
@@ -6993,7 +6994,7 @@
             </p:txBody>
           </p:sp>
         </mc:Choice>
-        <mc:Fallback>
+        <mc:Fallback xmlns="">
           <p:sp>
             <p:nvSpPr>
               <p:cNvPr id="15" name="正方形/長方形 14"/>
@@ -10839,8 +10840,8 @@
           </mc:Fallback>
         </mc:AlternateContent>
       </p:grpSp>
-      <mc:AlternateContent xmlns:mc="http://schemas.openxmlformats.org/markup-compatibility/2006">
-        <mc:Choice xmlns:a14="http://schemas.microsoft.com/office/drawing/2010/main" Requires="a14">
+      <mc:AlternateContent xmlns:mc="http://schemas.openxmlformats.org/markup-compatibility/2006" xmlns:a14="http://schemas.microsoft.com/office/drawing/2010/main">
+        <mc:Choice Requires="a14">
           <p:sp>
             <p:nvSpPr>
               <p:cNvPr id="58" name="テキスト ボックス 57"/>
@@ -11407,7 +11408,7 @@
             </p:txBody>
           </p:sp>
         </mc:Choice>
-        <mc:Fallback>
+        <mc:Fallback xmlns="">
           <p:sp>
             <p:nvSpPr>
               <p:cNvPr id="58" name="テキスト ボックス 57"/>
@@ -20457,6 +20458,3108 @@
 </p:sld>
 </file>
 
+<file path=ppt/slides/slide3.xml><?xml version="1.0" encoding="utf-8"?>
+<p:sld xmlns:a="http://schemas.openxmlformats.org/drawingml/2006/main" xmlns:r="http://schemas.openxmlformats.org/officeDocument/2006/relationships" xmlns:p="http://schemas.openxmlformats.org/presentationml/2006/main">
+  <p:cSld>
+    <p:spTree>
+      <p:nvGrpSpPr>
+        <p:cNvPr id="1" name=""/>
+        <p:cNvGrpSpPr/>
+        <p:nvPr/>
+      </p:nvGrpSpPr>
+      <p:grpSpPr>
+        <a:xfrm>
+          <a:off x="0" y="0"/>
+          <a:ext cx="0" cy="0"/>
+          <a:chOff x="0" y="0"/>
+          <a:chExt cx="0" cy="0"/>
+        </a:xfrm>
+      </p:grpSpPr>
+      <p:sp>
+        <p:nvSpPr>
+          <p:cNvPr id="119" name="正方形/長方形 118">
+            <a:extLst>
+              <a:ext uri="{FF2B5EF4-FFF2-40B4-BE49-F238E27FC236}">
+                <a16:creationId xmlns:a16="http://schemas.microsoft.com/office/drawing/2014/main" id="{E37C5C88-1E54-47C8-BF68-5ECC22D82021}"/>
+              </a:ext>
+            </a:extLst>
+          </p:cNvPr>
+          <p:cNvSpPr/>
+          <p:nvPr/>
+        </p:nvSpPr>
+        <p:spPr>
+          <a:xfrm>
+            <a:off x="4375171" y="2700923"/>
+            <a:ext cx="1023772" cy="552358"/>
+          </a:xfrm>
+          <a:prstGeom prst="rect">
+            <a:avLst/>
+          </a:prstGeom>
+          <a:noFill/>
+          <a:ln>
+            <a:solidFill>
+              <a:schemeClr val="tx1"/>
+            </a:solidFill>
+          </a:ln>
+        </p:spPr>
+        <p:style>
+          <a:lnRef idx="2">
+            <a:schemeClr val="accent1">
+              <a:shade val="50000"/>
+            </a:schemeClr>
+          </a:lnRef>
+          <a:fillRef idx="1">
+            <a:schemeClr val="accent1"/>
+          </a:fillRef>
+          <a:effectRef idx="0">
+            <a:schemeClr val="accent1"/>
+          </a:effectRef>
+          <a:fontRef idx="minor">
+            <a:schemeClr val="lt1"/>
+          </a:fontRef>
+        </p:style>
+        <p:txBody>
+          <a:bodyPr rtlCol="0" anchor="ctr"/>
+          <a:lstStyle/>
+          <a:p>
+            <a:pPr algn="ctr"/>
+            <a:endParaRPr kumimoji="1" lang="ja-JP" altLang="en-US"/>
+          </a:p>
+        </p:txBody>
+      </p:sp>
+      <p:grpSp>
+        <p:nvGrpSpPr>
+          <p:cNvPr id="4" name="グループ化 3">
+            <a:extLst>
+              <a:ext uri="{FF2B5EF4-FFF2-40B4-BE49-F238E27FC236}">
+                <a16:creationId xmlns:a16="http://schemas.microsoft.com/office/drawing/2014/main" id="{7ABED235-D5E0-47F1-948F-9BE5C172503F}"/>
+              </a:ext>
+            </a:extLst>
+          </p:cNvPr>
+          <p:cNvGrpSpPr/>
+          <p:nvPr/>
+        </p:nvGrpSpPr>
+        <p:grpSpPr>
+          <a:xfrm>
+            <a:off x="1943876" y="2042748"/>
+            <a:ext cx="3455069" cy="2977011"/>
+            <a:chOff x="616705" y="438515"/>
+            <a:chExt cx="3455069" cy="2977011"/>
+          </a:xfrm>
+        </p:grpSpPr>
+        <p:cxnSp>
+          <p:nvCxnSpPr>
+            <p:cNvPr id="63" name="直線矢印コネクタ 62">
+              <a:extLst>
+                <a:ext uri="{FF2B5EF4-FFF2-40B4-BE49-F238E27FC236}">
+                  <a16:creationId xmlns:a16="http://schemas.microsoft.com/office/drawing/2014/main" id="{48FD2EF3-1EF7-411F-909C-037A8694ED9D}"/>
+                </a:ext>
+              </a:extLst>
+            </p:cNvPr>
+            <p:cNvCxnSpPr>
+              <a:cxnSpLocks/>
+            </p:cNvCxnSpPr>
+            <p:nvPr/>
+          </p:nvCxnSpPr>
+          <p:spPr>
+            <a:xfrm flipV="1">
+              <a:off x="2881296" y="732973"/>
+              <a:ext cx="0" cy="1884750"/>
+            </a:xfrm>
+            <a:prstGeom prst="straightConnector1">
+              <a:avLst/>
+            </a:prstGeom>
+            <a:ln w="12700">
+              <a:solidFill>
+                <a:schemeClr val="tx1"/>
+              </a:solidFill>
+              <a:prstDash val="sysDot"/>
+              <a:headEnd type="triangle" w="med" len="med"/>
+              <a:tailEnd type="none" w="lg" len="med"/>
+            </a:ln>
+          </p:spPr>
+          <p:style>
+            <a:lnRef idx="1">
+              <a:schemeClr val="accent1"/>
+            </a:lnRef>
+            <a:fillRef idx="0">
+              <a:schemeClr val="accent1"/>
+            </a:fillRef>
+            <a:effectRef idx="0">
+              <a:schemeClr val="accent1"/>
+            </a:effectRef>
+            <a:fontRef idx="minor">
+              <a:schemeClr val="tx1"/>
+            </a:fontRef>
+          </p:style>
+        </p:cxnSp>
+        <p:sp>
+          <p:nvSpPr>
+            <p:cNvPr id="5" name="フリーフォーム 1">
+              <a:extLst>
+                <a:ext uri="{FF2B5EF4-FFF2-40B4-BE49-F238E27FC236}">
+                  <a16:creationId xmlns:a16="http://schemas.microsoft.com/office/drawing/2014/main" id="{0989EA16-6CD7-4471-92C9-9BCC0539AC38}"/>
+                </a:ext>
+              </a:extLst>
+            </p:cNvPr>
+            <p:cNvSpPr/>
+            <p:nvPr/>
+          </p:nvSpPr>
+          <p:spPr>
+            <a:xfrm>
+              <a:off x="628650" y="2886073"/>
+              <a:ext cx="2419350" cy="333507"/>
+            </a:xfrm>
+            <a:custGeom>
+              <a:avLst/>
+              <a:gdLst>
+                <a:gd name="connsiteX0" fmla="*/ 0 w 2419350"/>
+                <a:gd name="connsiteY0" fmla="*/ 33338 h 338282"/>
+                <a:gd name="connsiteX1" fmla="*/ 1166813 w 2419350"/>
+                <a:gd name="connsiteY1" fmla="*/ 338138 h 338282"/>
+                <a:gd name="connsiteX2" fmla="*/ 2419350 w 2419350"/>
+                <a:gd name="connsiteY2" fmla="*/ 0 h 338282"/>
+                <a:gd name="connsiteX0" fmla="*/ 0 w 2419350"/>
+                <a:gd name="connsiteY0" fmla="*/ 33338 h 335903"/>
+                <a:gd name="connsiteX1" fmla="*/ 1176338 w 2419350"/>
+                <a:gd name="connsiteY1" fmla="*/ 335756 h 335903"/>
+                <a:gd name="connsiteX2" fmla="*/ 2419350 w 2419350"/>
+                <a:gd name="connsiteY2" fmla="*/ 0 h 335903"/>
+                <a:gd name="connsiteX0" fmla="*/ 0 w 2419350"/>
+                <a:gd name="connsiteY0" fmla="*/ 33338 h 335903"/>
+                <a:gd name="connsiteX1" fmla="*/ 1176338 w 2419350"/>
+                <a:gd name="connsiteY1" fmla="*/ 335756 h 335903"/>
+                <a:gd name="connsiteX2" fmla="*/ 2419350 w 2419350"/>
+                <a:gd name="connsiteY2" fmla="*/ 0 h 335903"/>
+                <a:gd name="connsiteX0" fmla="*/ 0 w 2419350"/>
+                <a:gd name="connsiteY0" fmla="*/ 33338 h 335903"/>
+                <a:gd name="connsiteX1" fmla="*/ 1176338 w 2419350"/>
+                <a:gd name="connsiteY1" fmla="*/ 335756 h 335903"/>
+                <a:gd name="connsiteX2" fmla="*/ 2419350 w 2419350"/>
+                <a:gd name="connsiteY2" fmla="*/ 0 h 335903"/>
+                <a:gd name="connsiteX0" fmla="*/ 0 w 2419350"/>
+                <a:gd name="connsiteY0" fmla="*/ 33338 h 335903"/>
+                <a:gd name="connsiteX1" fmla="*/ 1176338 w 2419350"/>
+                <a:gd name="connsiteY1" fmla="*/ 335756 h 335903"/>
+                <a:gd name="connsiteX2" fmla="*/ 2419350 w 2419350"/>
+                <a:gd name="connsiteY2" fmla="*/ 0 h 335903"/>
+                <a:gd name="connsiteX0" fmla="*/ 0 w 2419350"/>
+                <a:gd name="connsiteY0" fmla="*/ 33338 h 335898"/>
+                <a:gd name="connsiteX1" fmla="*/ 1176338 w 2419350"/>
+                <a:gd name="connsiteY1" fmla="*/ 335756 h 335898"/>
+                <a:gd name="connsiteX2" fmla="*/ 2419350 w 2419350"/>
+                <a:gd name="connsiteY2" fmla="*/ 0 h 335898"/>
+                <a:gd name="connsiteX0" fmla="*/ 0 w 2419350"/>
+                <a:gd name="connsiteY0" fmla="*/ 33338 h 333518"/>
+                <a:gd name="connsiteX1" fmla="*/ 1176338 w 2419350"/>
+                <a:gd name="connsiteY1" fmla="*/ 333374 h 333518"/>
+                <a:gd name="connsiteX2" fmla="*/ 2419350 w 2419350"/>
+                <a:gd name="connsiteY2" fmla="*/ 0 h 333518"/>
+                <a:gd name="connsiteX0" fmla="*/ 0 w 2419350"/>
+                <a:gd name="connsiteY0" fmla="*/ 33338 h 333512"/>
+                <a:gd name="connsiteX1" fmla="*/ 1176338 w 2419350"/>
+                <a:gd name="connsiteY1" fmla="*/ 333374 h 333512"/>
+                <a:gd name="connsiteX2" fmla="*/ 2419350 w 2419350"/>
+                <a:gd name="connsiteY2" fmla="*/ 0 h 333512"/>
+                <a:gd name="connsiteX0" fmla="*/ 0 w 2419350"/>
+                <a:gd name="connsiteY0" fmla="*/ 33338 h 333512"/>
+                <a:gd name="connsiteX1" fmla="*/ 1176338 w 2419350"/>
+                <a:gd name="connsiteY1" fmla="*/ 333374 h 333512"/>
+                <a:gd name="connsiteX2" fmla="*/ 2419350 w 2419350"/>
+                <a:gd name="connsiteY2" fmla="*/ 0 h 333512"/>
+                <a:gd name="connsiteX0" fmla="*/ 0 w 2419350"/>
+                <a:gd name="connsiteY0" fmla="*/ 33338 h 333512"/>
+                <a:gd name="connsiteX1" fmla="*/ 1176338 w 2419350"/>
+                <a:gd name="connsiteY1" fmla="*/ 333374 h 333512"/>
+                <a:gd name="connsiteX2" fmla="*/ 2419350 w 2419350"/>
+                <a:gd name="connsiteY2" fmla="*/ 0 h 333512"/>
+                <a:gd name="connsiteX0" fmla="*/ 0 w 2419350"/>
+                <a:gd name="connsiteY0" fmla="*/ 33338 h 333512"/>
+                <a:gd name="connsiteX1" fmla="*/ 1176338 w 2419350"/>
+                <a:gd name="connsiteY1" fmla="*/ 333374 h 333512"/>
+                <a:gd name="connsiteX2" fmla="*/ 2419350 w 2419350"/>
+                <a:gd name="connsiteY2" fmla="*/ 0 h 333512"/>
+                <a:gd name="connsiteX0" fmla="*/ 0 w 2419350"/>
+                <a:gd name="connsiteY0" fmla="*/ 33338 h 333512"/>
+                <a:gd name="connsiteX1" fmla="*/ 1176338 w 2419350"/>
+                <a:gd name="connsiteY1" fmla="*/ 333374 h 333512"/>
+                <a:gd name="connsiteX2" fmla="*/ 2419350 w 2419350"/>
+                <a:gd name="connsiteY2" fmla="*/ 0 h 333512"/>
+                <a:gd name="connsiteX0" fmla="*/ 0 w 2419350"/>
+                <a:gd name="connsiteY0" fmla="*/ 33338 h 333512"/>
+                <a:gd name="connsiteX1" fmla="*/ 1176338 w 2419350"/>
+                <a:gd name="connsiteY1" fmla="*/ 333374 h 333512"/>
+                <a:gd name="connsiteX2" fmla="*/ 2419350 w 2419350"/>
+                <a:gd name="connsiteY2" fmla="*/ 0 h 333512"/>
+                <a:gd name="connsiteX0" fmla="*/ 0 w 2419350"/>
+                <a:gd name="connsiteY0" fmla="*/ 33338 h 333507"/>
+                <a:gd name="connsiteX1" fmla="*/ 1176338 w 2419350"/>
+                <a:gd name="connsiteY1" fmla="*/ 333374 h 333507"/>
+                <a:gd name="connsiteX2" fmla="*/ 2419350 w 2419350"/>
+                <a:gd name="connsiteY2" fmla="*/ 0 h 333507"/>
+              </a:gdLst>
+              <a:ahLst/>
+              <a:cxnLst>
+                <a:cxn ang="0">
+                  <a:pos x="connsiteX0" y="connsiteY0"/>
+                </a:cxn>
+                <a:cxn ang="0">
+                  <a:pos x="connsiteX1" y="connsiteY1"/>
+                </a:cxn>
+                <a:cxn ang="0">
+                  <a:pos x="connsiteX2" y="connsiteY2"/>
+                </a:cxn>
+              </a:cxnLst>
+              <a:rect l="l" t="t" r="r" b="b"/>
+              <a:pathLst>
+                <a:path w="2419350" h="333507">
+                  <a:moveTo>
+                    <a:pt x="0" y="33338"/>
+                  </a:moveTo>
+                  <a:cubicBezTo>
+                    <a:pt x="236538" y="169466"/>
+                    <a:pt x="744538" y="338930"/>
+                    <a:pt x="1176338" y="333374"/>
+                  </a:cubicBezTo>
+                  <a:cubicBezTo>
+                    <a:pt x="1608138" y="327818"/>
+                    <a:pt x="2073275" y="202010"/>
+                    <a:pt x="2419350" y="0"/>
+                  </a:cubicBezTo>
+                </a:path>
+              </a:pathLst>
+            </a:custGeom>
+            <a:noFill/>
+            <a:ln>
+              <a:solidFill>
+                <a:schemeClr val="tx1"/>
+              </a:solidFill>
+            </a:ln>
+          </p:spPr>
+          <p:style>
+            <a:lnRef idx="2">
+              <a:schemeClr val="accent1">
+                <a:shade val="50000"/>
+              </a:schemeClr>
+            </a:lnRef>
+            <a:fillRef idx="1">
+              <a:schemeClr val="accent1"/>
+            </a:fillRef>
+            <a:effectRef idx="0">
+              <a:schemeClr val="accent1"/>
+            </a:effectRef>
+            <a:fontRef idx="minor">
+              <a:schemeClr val="lt1"/>
+            </a:fontRef>
+          </p:style>
+          <p:txBody>
+            <a:bodyPr rtlCol="0" anchor="ctr"/>
+            <a:lstStyle/>
+            <a:p>
+              <a:pPr algn="ctr"/>
+              <a:endParaRPr kumimoji="1" lang="ja-JP" altLang="en-US"/>
+            </a:p>
+          </p:txBody>
+        </p:sp>
+        <p:cxnSp>
+          <p:nvCxnSpPr>
+            <p:cNvPr id="6" name="直線矢印コネクタ 5">
+              <a:extLst>
+                <a:ext uri="{FF2B5EF4-FFF2-40B4-BE49-F238E27FC236}">
+                  <a16:creationId xmlns:a16="http://schemas.microsoft.com/office/drawing/2014/main" id="{DF3F1553-29A8-4D06-9321-4F104D12DF3D}"/>
+                </a:ext>
+              </a:extLst>
+            </p:cNvPr>
+            <p:cNvCxnSpPr>
+              <a:cxnSpLocks/>
+            </p:cNvCxnSpPr>
+            <p:nvPr/>
+          </p:nvCxnSpPr>
+          <p:spPr>
+            <a:xfrm>
+              <a:off x="2885004" y="2714268"/>
+              <a:ext cx="0" cy="259133"/>
+            </a:xfrm>
+            <a:prstGeom prst="straightConnector1">
+              <a:avLst/>
+            </a:prstGeom>
+            <a:ln w="12700">
+              <a:solidFill>
+                <a:schemeClr val="tx1"/>
+              </a:solidFill>
+              <a:prstDash val="sysDot"/>
+              <a:headEnd type="triangle" w="med" len="med"/>
+              <a:tailEnd type="none" w="lg" len="med"/>
+            </a:ln>
+          </p:spPr>
+          <p:style>
+            <a:lnRef idx="1">
+              <a:schemeClr val="accent1"/>
+            </a:lnRef>
+            <a:fillRef idx="0">
+              <a:schemeClr val="accent1"/>
+            </a:fillRef>
+            <a:effectRef idx="0">
+              <a:schemeClr val="accent1"/>
+            </a:effectRef>
+            <a:fontRef idx="minor">
+              <a:schemeClr val="tx1"/>
+            </a:fontRef>
+          </p:style>
+        </p:cxnSp>
+        <p:cxnSp>
+          <p:nvCxnSpPr>
+            <p:cNvPr id="7" name="直線コネクタ 6">
+              <a:extLst>
+                <a:ext uri="{FF2B5EF4-FFF2-40B4-BE49-F238E27FC236}">
+                  <a16:creationId xmlns:a16="http://schemas.microsoft.com/office/drawing/2014/main" id="{AC1A1757-ED71-402C-950B-C2A4A68DB95E}"/>
+                </a:ext>
+              </a:extLst>
+            </p:cNvPr>
+            <p:cNvCxnSpPr>
+              <a:cxnSpLocks/>
+            </p:cNvCxnSpPr>
+            <p:nvPr/>
+          </p:nvCxnSpPr>
+          <p:spPr>
+            <a:xfrm flipH="1" flipV="1">
+              <a:off x="1685110" y="607948"/>
+              <a:ext cx="107427" cy="94123"/>
+            </a:xfrm>
+            <a:prstGeom prst="line">
+              <a:avLst/>
+            </a:prstGeom>
+            <a:ln>
+              <a:solidFill>
+                <a:schemeClr val="tx1"/>
+              </a:solidFill>
+            </a:ln>
+          </p:spPr>
+          <p:style>
+            <a:lnRef idx="1">
+              <a:schemeClr val="accent1"/>
+            </a:lnRef>
+            <a:fillRef idx="0">
+              <a:schemeClr val="accent1"/>
+            </a:fillRef>
+            <a:effectRef idx="0">
+              <a:schemeClr val="accent1"/>
+            </a:effectRef>
+            <a:fontRef idx="minor">
+              <a:schemeClr val="tx1"/>
+            </a:fontRef>
+          </p:style>
+        </p:cxnSp>
+        <p:cxnSp>
+          <p:nvCxnSpPr>
+            <p:cNvPr id="9" name="直線コネクタ 8">
+              <a:extLst>
+                <a:ext uri="{FF2B5EF4-FFF2-40B4-BE49-F238E27FC236}">
+                  <a16:creationId xmlns:a16="http://schemas.microsoft.com/office/drawing/2014/main" id="{6D95F880-BDAF-4307-9EF1-D00BFC6D3A5B}"/>
+                </a:ext>
+              </a:extLst>
+            </p:cNvPr>
+            <p:cNvCxnSpPr/>
+            <p:nvPr/>
+          </p:nvCxnSpPr>
+          <p:spPr>
+            <a:xfrm>
+              <a:off x="805520" y="724774"/>
+              <a:ext cx="0" cy="2269542"/>
+            </a:xfrm>
+            <a:prstGeom prst="line">
+              <a:avLst/>
+            </a:prstGeom>
+            <a:ln w="6350">
+              <a:solidFill>
+                <a:schemeClr val="tx1"/>
+              </a:solidFill>
+              <a:prstDash val="sysDot"/>
+              <a:tailEnd type="none"/>
+            </a:ln>
+          </p:spPr>
+          <p:style>
+            <a:lnRef idx="1">
+              <a:schemeClr val="accent1"/>
+            </a:lnRef>
+            <a:fillRef idx="0">
+              <a:schemeClr val="accent1"/>
+            </a:fillRef>
+            <a:effectRef idx="0">
+              <a:schemeClr val="accent1"/>
+            </a:effectRef>
+            <a:fontRef idx="minor">
+              <a:schemeClr val="tx1"/>
+            </a:fontRef>
+          </p:style>
+        </p:cxnSp>
+        <p:cxnSp>
+          <p:nvCxnSpPr>
+            <p:cNvPr id="10" name="直線コネクタ 9">
+              <a:extLst>
+                <a:ext uri="{FF2B5EF4-FFF2-40B4-BE49-F238E27FC236}">
+                  <a16:creationId xmlns:a16="http://schemas.microsoft.com/office/drawing/2014/main" id="{6D01879A-9AC3-4E30-A9CF-854DB6444BDA}"/>
+                </a:ext>
+              </a:extLst>
+            </p:cNvPr>
+            <p:cNvCxnSpPr>
+              <a:cxnSpLocks/>
+            </p:cNvCxnSpPr>
+            <p:nvPr/>
+          </p:nvCxnSpPr>
+          <p:spPr>
+            <a:xfrm>
+              <a:off x="677998" y="720459"/>
+              <a:ext cx="2935131" cy="0"/>
+            </a:xfrm>
+            <a:prstGeom prst="line">
+              <a:avLst/>
+            </a:prstGeom>
+            <a:ln w="12700">
+              <a:solidFill>
+                <a:schemeClr val="tx1"/>
+              </a:solidFill>
+            </a:ln>
+          </p:spPr>
+          <p:style>
+            <a:lnRef idx="1">
+              <a:schemeClr val="accent1"/>
+            </a:lnRef>
+            <a:fillRef idx="0">
+              <a:schemeClr val="accent1"/>
+            </a:fillRef>
+            <a:effectRef idx="0">
+              <a:schemeClr val="accent1"/>
+            </a:effectRef>
+            <a:fontRef idx="minor">
+              <a:schemeClr val="tx1"/>
+            </a:fontRef>
+          </p:style>
+        </p:cxnSp>
+        <p:sp>
+          <p:nvSpPr>
+            <p:cNvPr id="11" name="楕円 10">
+              <a:extLst>
+                <a:ext uri="{FF2B5EF4-FFF2-40B4-BE49-F238E27FC236}">
+                  <a16:creationId xmlns:a16="http://schemas.microsoft.com/office/drawing/2014/main" id="{77DDBF1B-8C62-4A04-B60F-2804971E3C8B}"/>
+                </a:ext>
+              </a:extLst>
+            </p:cNvPr>
+            <p:cNvSpPr/>
+            <p:nvPr/>
+          </p:nvSpPr>
+          <p:spPr>
+            <a:xfrm>
+              <a:off x="2851779" y="2638396"/>
+              <a:ext cx="59035" cy="59035"/>
+            </a:xfrm>
+            <a:prstGeom prst="ellipse">
+              <a:avLst/>
+            </a:prstGeom>
+            <a:solidFill>
+              <a:schemeClr val="tx1"/>
+            </a:solidFill>
+            <a:ln>
+              <a:solidFill>
+                <a:schemeClr val="tx1"/>
+              </a:solidFill>
+            </a:ln>
+          </p:spPr>
+          <p:style>
+            <a:lnRef idx="2">
+              <a:schemeClr val="accent1">
+                <a:shade val="50000"/>
+              </a:schemeClr>
+            </a:lnRef>
+            <a:fillRef idx="1">
+              <a:schemeClr val="accent1"/>
+            </a:fillRef>
+            <a:effectRef idx="0">
+              <a:schemeClr val="accent1"/>
+            </a:effectRef>
+            <a:fontRef idx="minor">
+              <a:schemeClr val="lt1"/>
+            </a:fontRef>
+          </p:style>
+          <p:txBody>
+            <a:bodyPr rot="0" spcFirstLastPara="0" vertOverflow="overflow" horzOverflow="overflow" vert="horz" wrap="square" lIns="74295" tIns="37148" rIns="74295" bIns="37148" numCol="1" spcCol="0" rtlCol="0" fromWordArt="0" anchor="ctr" anchorCtr="0" forceAA="0" compatLnSpc="1">
+              <a:prstTxWarp prst="textNoShape">
+                <a:avLst/>
+              </a:prstTxWarp>
+              <a:noAutofit/>
+            </a:bodyPr>
+            <a:lstStyle/>
+            <a:p>
+              <a:pPr algn="ctr"/>
+              <a:endParaRPr lang="ja-JP" altLang="en-US">
+                <a:latin typeface="Cambria Math" panose="02040503050406030204" pitchFamily="18" charset="0"/>
+              </a:endParaRPr>
+            </a:p>
+          </p:txBody>
+        </p:sp>
+        <mc:AlternateContent xmlns:mc="http://schemas.openxmlformats.org/markup-compatibility/2006">
+          <mc:Choice xmlns:a14="http://schemas.microsoft.com/office/drawing/2010/main" Requires="a14">
+            <p:sp>
+              <p:nvSpPr>
+                <p:cNvPr id="12" name="テキスト ボックス 11">
+                  <a:extLst>
+                    <a:ext uri="{FF2B5EF4-FFF2-40B4-BE49-F238E27FC236}">
+                      <a16:creationId xmlns:a16="http://schemas.microsoft.com/office/drawing/2014/main" id="{1911A4AD-7BB6-4BCA-95BF-DD715C605CE1}"/>
+                    </a:ext>
+                  </a:extLst>
+                </p:cNvPr>
+                <p:cNvSpPr txBox="1"/>
+                <p:nvPr/>
+              </p:nvSpPr>
+              <p:spPr>
+                <a:xfrm>
+                  <a:off x="616705" y="2951272"/>
+                  <a:ext cx="118815" cy="184666"/>
+                </a:xfrm>
+                <a:prstGeom prst="rect">
+                  <a:avLst/>
+                </a:prstGeom>
+                <a:noFill/>
+              </p:spPr>
+              <p:txBody>
+                <a:bodyPr wrap="none" lIns="0" tIns="0" rIns="0" bIns="0" rtlCol="0">
+                  <a:spAutoFit/>
+                </a:bodyPr>
+                <a:lstStyle/>
+                <a:p>
+                  <a:pPr/>
+                  <a14:m>
+                    <m:oMathPara xmlns:m="http://schemas.openxmlformats.org/officeDocument/2006/math">
+                      <m:oMathParaPr>
+                        <m:jc m:val="centerGroup"/>
+                      </m:oMathParaPr>
+                      <m:oMath xmlns:m="http://schemas.openxmlformats.org/officeDocument/2006/math">
+                        <m:r>
+                          <a:rPr lang="en-US" altLang="ja-JP" sz="1200" i="1">
+                            <a:latin typeface="Cambria Math" panose="02040503050406030204" pitchFamily="18" charset="0"/>
+                            <a:ea typeface="Cambria Math" panose="02040503050406030204" pitchFamily="18" charset="0"/>
+                          </a:rPr>
+                          <m:t>𝑜</m:t>
+                        </m:r>
+                      </m:oMath>
+                    </m:oMathPara>
+                  </a14:m>
+                  <a:endParaRPr lang="ja-JP" altLang="en-US" sz="1200" dirty="0">
+                    <a:latin typeface="Cambria Math" panose="02040503050406030204" pitchFamily="18" charset="0"/>
+                  </a:endParaRPr>
+                </a:p>
+              </p:txBody>
+            </p:sp>
+          </mc:Choice>
+          <mc:Fallback>
+            <p:sp>
+              <p:nvSpPr>
+                <p:cNvPr id="12" name="テキスト ボックス 11">
+                  <a:extLst>
+                    <a:ext uri="{FF2B5EF4-FFF2-40B4-BE49-F238E27FC236}">
+                      <a16:creationId xmlns:a16="http://schemas.microsoft.com/office/drawing/2014/main" id="{1911A4AD-7BB6-4BCA-95BF-DD715C605CE1}"/>
+                    </a:ext>
+                  </a:extLst>
+                </p:cNvPr>
+                <p:cNvSpPr txBox="1">
+                  <a:spLocks noRot="1" noChangeAspect="1" noMove="1" noResize="1" noEditPoints="1" noAdjustHandles="1" noChangeArrowheads="1" noChangeShapeType="1" noTextEdit="1"/>
+                </p:cNvSpPr>
+                <p:nvPr/>
+              </p:nvSpPr>
+              <p:spPr>
+                <a:xfrm>
+                  <a:off x="616705" y="2951272"/>
+                  <a:ext cx="118815" cy="184666"/>
+                </a:xfrm>
+                <a:prstGeom prst="rect">
+                  <a:avLst/>
+                </a:prstGeom>
+                <a:blipFill>
+                  <a:blip r:embed="rId2"/>
+                  <a:stretch>
+                    <a:fillRect l="-21053" r="-15789"/>
+                  </a:stretch>
+                </a:blipFill>
+              </p:spPr>
+              <p:txBody>
+                <a:bodyPr/>
+                <a:lstStyle/>
+                <a:p>
+                  <a:r>
+                    <a:rPr lang="ja-JP" altLang="en-US">
+                      <a:noFill/>
+                    </a:rPr>
+                    <a:t> </a:t>
+                  </a:r>
+                </a:p>
+              </p:txBody>
+            </p:sp>
+          </mc:Fallback>
+        </mc:AlternateContent>
+        <p:cxnSp>
+          <p:nvCxnSpPr>
+            <p:cNvPr id="13" name="直線矢印コネクタ 12">
+              <a:extLst>
+                <a:ext uri="{FF2B5EF4-FFF2-40B4-BE49-F238E27FC236}">
+                  <a16:creationId xmlns:a16="http://schemas.microsoft.com/office/drawing/2014/main" id="{BD2A93EC-B5E9-4C89-8CA4-7898E7C3FA8D}"/>
+                </a:ext>
+              </a:extLst>
+            </p:cNvPr>
+            <p:cNvCxnSpPr>
+              <a:cxnSpLocks/>
+            </p:cNvCxnSpPr>
+            <p:nvPr/>
+          </p:nvCxnSpPr>
+          <p:spPr>
+            <a:xfrm flipH="1">
+              <a:off x="827710" y="719867"/>
+              <a:ext cx="966938" cy="1427002"/>
+            </a:xfrm>
+            <a:prstGeom prst="straightConnector1">
+              <a:avLst/>
+            </a:prstGeom>
+            <a:ln w="12700">
+              <a:solidFill>
+                <a:schemeClr val="tx1"/>
+              </a:solidFill>
+              <a:tailEnd type="arrow" w="sm" len="sm"/>
+            </a:ln>
+          </p:spPr>
+          <p:style>
+            <a:lnRef idx="1">
+              <a:schemeClr val="accent1"/>
+            </a:lnRef>
+            <a:fillRef idx="0">
+              <a:schemeClr val="accent1"/>
+            </a:fillRef>
+            <a:effectRef idx="0">
+              <a:schemeClr val="accent1"/>
+            </a:effectRef>
+            <a:fontRef idx="minor">
+              <a:schemeClr val="tx1"/>
+            </a:fontRef>
+          </p:style>
+        </p:cxnSp>
+        <mc:AlternateContent xmlns:mc="http://schemas.openxmlformats.org/markup-compatibility/2006">
+          <mc:Choice xmlns:a14="http://schemas.microsoft.com/office/drawing/2010/main" Requires="a14">
+            <p:sp>
+              <p:nvSpPr>
+                <p:cNvPr id="14" name="テキスト ボックス 13">
+                  <a:extLst>
+                    <a:ext uri="{FF2B5EF4-FFF2-40B4-BE49-F238E27FC236}">
+                      <a16:creationId xmlns:a16="http://schemas.microsoft.com/office/drawing/2014/main" id="{578181E9-68C4-470B-B7B4-AEDA5B0C6416}"/>
+                    </a:ext>
+                  </a:extLst>
+                </p:cNvPr>
+                <p:cNvSpPr txBox="1"/>
+                <p:nvPr/>
+              </p:nvSpPr>
+              <p:spPr>
+                <a:xfrm>
+                  <a:off x="2700791" y="2765136"/>
+                  <a:ext cx="154466" cy="166392"/>
+                </a:xfrm>
+                <a:prstGeom prst="rect">
+                  <a:avLst/>
+                </a:prstGeom>
+                <a:noFill/>
+                <a:ln>
+                  <a:noFill/>
+                </a:ln>
+              </p:spPr>
+              <p:txBody>
+                <a:bodyPr wrap="none" lIns="0" tIns="0" rIns="0" bIns="0" rtlCol="0">
+                  <a:spAutoFit/>
+                </a:bodyPr>
+                <a:lstStyle/>
+                <a:p>
+                  <a:pPr/>
+                  <a14:m>
+                    <m:oMathPara xmlns:m="http://schemas.openxmlformats.org/officeDocument/2006/math">
+                      <m:oMathParaPr>
+                        <m:jc m:val="centerGroup"/>
+                      </m:oMathParaPr>
+                      <m:oMath xmlns:m="http://schemas.openxmlformats.org/officeDocument/2006/math">
+                        <m:sSub>
+                          <m:sSubPr>
+                            <m:ctrlPr>
+                              <a:rPr lang="en-US" altLang="ja-JP" sz="1000" i="1" smtClean="0">
+                                <a:solidFill>
+                                  <a:schemeClr val="tx1"/>
+                                </a:solidFill>
+                                <a:latin typeface="Cambria Math" panose="02040503050406030204" pitchFamily="18" charset="0"/>
+                                <a:ea typeface="Cambria Math" panose="02040503050406030204" pitchFamily="18" charset="0"/>
+                              </a:rPr>
+                            </m:ctrlPr>
+                          </m:sSubPr>
+                          <m:e>
+                            <m:r>
+                              <a:rPr lang="en-US" altLang="ja-JP" sz="1000" i="1">
+                                <a:solidFill>
+                                  <a:schemeClr val="tx1"/>
+                                </a:solidFill>
+                                <a:latin typeface="Cambria Math" panose="02040503050406030204" pitchFamily="18" charset="0"/>
+                                <a:ea typeface="Cambria Math" panose="02040503050406030204" pitchFamily="18" charset="0"/>
+                              </a:rPr>
+                              <m:t>𝑆</m:t>
+                            </m:r>
+                          </m:e>
+                          <m:sub>
+                            <m:r>
+                              <a:rPr lang="en-US" altLang="ja-JP" sz="1000" i="1">
+                                <a:solidFill>
+                                  <a:schemeClr val="tx1"/>
+                                </a:solidFill>
+                                <a:latin typeface="Cambria Math" panose="02040503050406030204" pitchFamily="18" charset="0"/>
+                                <a:ea typeface="Cambria Math" panose="02040503050406030204" pitchFamily="18" charset="0"/>
+                              </a:rPr>
+                              <m:t>𝑔</m:t>
+                            </m:r>
+                          </m:sub>
+                        </m:sSub>
+                      </m:oMath>
+                    </m:oMathPara>
+                  </a14:m>
+                  <a:endParaRPr lang="ja-JP" altLang="en-US" sz="1000" dirty="0">
+                    <a:solidFill>
+                      <a:schemeClr val="tx1"/>
+                    </a:solidFill>
+                    <a:latin typeface="Cambria Math" panose="02040503050406030204" pitchFamily="18" charset="0"/>
+                  </a:endParaRPr>
+                </a:p>
+              </p:txBody>
+            </p:sp>
+          </mc:Choice>
+          <mc:Fallback>
+            <p:sp>
+              <p:nvSpPr>
+                <p:cNvPr id="14" name="テキスト ボックス 13">
+                  <a:extLst>
+                    <a:ext uri="{FF2B5EF4-FFF2-40B4-BE49-F238E27FC236}">
+                      <a16:creationId xmlns:a16="http://schemas.microsoft.com/office/drawing/2014/main" id="{578181E9-68C4-470B-B7B4-AEDA5B0C6416}"/>
+                    </a:ext>
+                  </a:extLst>
+                </p:cNvPr>
+                <p:cNvSpPr txBox="1">
+                  <a:spLocks noRot="1" noChangeAspect="1" noMove="1" noResize="1" noEditPoints="1" noAdjustHandles="1" noChangeArrowheads="1" noChangeShapeType="1" noTextEdit="1"/>
+                </p:cNvSpPr>
+                <p:nvPr/>
+              </p:nvSpPr>
+              <p:spPr>
+                <a:xfrm>
+                  <a:off x="2700791" y="2765136"/>
+                  <a:ext cx="154466" cy="166392"/>
+                </a:xfrm>
+                <a:prstGeom prst="rect">
+                  <a:avLst/>
+                </a:prstGeom>
+                <a:blipFill>
+                  <a:blip r:embed="rId3"/>
+                  <a:stretch>
+                    <a:fillRect l="-24000" r="-4000" b="-18519"/>
+                  </a:stretch>
+                </a:blipFill>
+                <a:ln>
+                  <a:noFill/>
+                </a:ln>
+              </p:spPr>
+              <p:txBody>
+                <a:bodyPr/>
+                <a:lstStyle/>
+                <a:p>
+                  <a:r>
+                    <a:rPr lang="ja-JP" altLang="en-US">
+                      <a:noFill/>
+                    </a:rPr>
+                    <a:t> </a:t>
+                  </a:r>
+                </a:p>
+              </p:txBody>
+            </p:sp>
+          </mc:Fallback>
+        </mc:AlternateContent>
+        <mc:AlternateContent xmlns:mc="http://schemas.openxmlformats.org/markup-compatibility/2006">
+          <mc:Choice xmlns:a14="http://schemas.microsoft.com/office/drawing/2010/main" Requires="a14">
+            <p:sp>
+              <p:nvSpPr>
+                <p:cNvPr id="15" name="テキスト ボックス 14">
+                  <a:extLst>
+                    <a:ext uri="{FF2B5EF4-FFF2-40B4-BE49-F238E27FC236}">
+                      <a16:creationId xmlns:a16="http://schemas.microsoft.com/office/drawing/2014/main" id="{E786E2F9-6B1D-430E-AB17-E614E7726324}"/>
+                    </a:ext>
+                  </a:extLst>
+                </p:cNvPr>
+                <p:cNvSpPr txBox="1"/>
+                <p:nvPr/>
+              </p:nvSpPr>
+              <p:spPr>
+                <a:xfrm>
+                  <a:off x="961668" y="2184358"/>
+                  <a:ext cx="165623" cy="153888"/>
+                </a:xfrm>
+                <a:prstGeom prst="rect">
+                  <a:avLst/>
+                </a:prstGeom>
+                <a:noFill/>
+                <a:ln>
+                  <a:noFill/>
+                </a:ln>
+              </p:spPr>
+              <p:txBody>
+                <a:bodyPr wrap="none" lIns="0" tIns="0" rIns="0" bIns="0" rtlCol="0">
+                  <a:spAutoFit/>
+                </a:bodyPr>
+                <a:lstStyle/>
+                <a:p>
+                  <a:pPr/>
+                  <a14:m>
+                    <m:oMath xmlns:m="http://schemas.openxmlformats.org/officeDocument/2006/math">
+                      <m:sSub>
+                        <m:sSubPr>
+                          <m:ctrlPr>
+                            <a:rPr lang="en-US" altLang="ja-JP" sz="1000" b="1" i="1" smtClean="0">
+                              <a:latin typeface="Cambria Math" panose="02040503050406030204" pitchFamily="18" charset="0"/>
+                              <a:ea typeface="Cambria Math" panose="02040503050406030204" pitchFamily="18" charset="0"/>
+                            </a:rPr>
+                          </m:ctrlPr>
+                        </m:sSubPr>
+                        <m:e>
+                          <m:r>
+                            <a:rPr lang="en-US" altLang="ja-JP" sz="1000" b="1" i="1" smtClean="0">
+                              <a:latin typeface="Cambria Math" panose="02040503050406030204" pitchFamily="18" charset="0"/>
+                              <a:ea typeface="Cambria Math" panose="02040503050406030204" pitchFamily="18" charset="0"/>
+                            </a:rPr>
+                            <m:t>𝒌</m:t>
+                          </m:r>
+                        </m:e>
+                        <m:sub>
+                          <m:r>
+                            <a:rPr lang="en-US" altLang="ja-JP" sz="1000" b="0" i="1" smtClean="0">
+                              <a:latin typeface="Cambria Math" panose="02040503050406030204" pitchFamily="18" charset="0"/>
+                              <a:ea typeface="Cambria Math" panose="02040503050406030204" pitchFamily="18" charset="0"/>
+                            </a:rPr>
+                            <m:t>0</m:t>
+                          </m:r>
+                        </m:sub>
+                      </m:sSub>
+                    </m:oMath>
+                  </a14:m>
+                  <a:r>
+                    <a:rPr lang="en-US" altLang="ja-JP" sz="1000" b="1" dirty="0">
+                      <a:latin typeface="Cambria Math" panose="02040503050406030204" pitchFamily="18" charset="0"/>
+                    </a:rPr>
+                    <a:t> </a:t>
+                  </a:r>
+                  <a:endParaRPr lang="ja-JP" altLang="en-US" sz="1000" b="1" dirty="0">
+                    <a:latin typeface="Cambria Math" panose="02040503050406030204" pitchFamily="18" charset="0"/>
+                  </a:endParaRPr>
+                </a:p>
+              </p:txBody>
+            </p:sp>
+          </mc:Choice>
+          <mc:Fallback>
+            <p:sp>
+              <p:nvSpPr>
+                <p:cNvPr id="15" name="テキスト ボックス 14">
+                  <a:extLst>
+                    <a:ext uri="{FF2B5EF4-FFF2-40B4-BE49-F238E27FC236}">
+                      <a16:creationId xmlns:a16="http://schemas.microsoft.com/office/drawing/2014/main" id="{E786E2F9-6B1D-430E-AB17-E614E7726324}"/>
+                    </a:ext>
+                  </a:extLst>
+                </p:cNvPr>
+                <p:cNvSpPr txBox="1">
+                  <a:spLocks noRot="1" noChangeAspect="1" noMove="1" noResize="1" noEditPoints="1" noAdjustHandles="1" noChangeArrowheads="1" noChangeShapeType="1" noTextEdit="1"/>
+                </p:cNvSpPr>
+                <p:nvPr/>
+              </p:nvSpPr>
+              <p:spPr>
+                <a:xfrm>
+                  <a:off x="961668" y="2184358"/>
+                  <a:ext cx="165623" cy="153888"/>
+                </a:xfrm>
+                <a:prstGeom prst="rect">
+                  <a:avLst/>
+                </a:prstGeom>
+                <a:blipFill>
+                  <a:blip r:embed="rId4"/>
+                  <a:stretch>
+                    <a:fillRect l="-28571" b="-11538"/>
+                  </a:stretch>
+                </a:blipFill>
+                <a:ln>
+                  <a:noFill/>
+                </a:ln>
+              </p:spPr>
+              <p:txBody>
+                <a:bodyPr/>
+                <a:lstStyle/>
+                <a:p>
+                  <a:r>
+                    <a:rPr lang="ja-JP" altLang="en-US">
+                      <a:noFill/>
+                    </a:rPr>
+                    <a:t> </a:t>
+                  </a:r>
+                </a:p>
+              </p:txBody>
+            </p:sp>
+          </mc:Fallback>
+        </mc:AlternateContent>
+        <p:cxnSp>
+          <p:nvCxnSpPr>
+            <p:cNvPr id="17" name="直線矢印コネクタ 16">
+              <a:extLst>
+                <a:ext uri="{FF2B5EF4-FFF2-40B4-BE49-F238E27FC236}">
+                  <a16:creationId xmlns:a16="http://schemas.microsoft.com/office/drawing/2014/main" id="{58E629F9-3A03-40A0-931F-A347B1EC7F42}"/>
+                </a:ext>
+              </a:extLst>
+            </p:cNvPr>
+            <p:cNvCxnSpPr>
+              <a:cxnSpLocks/>
+            </p:cNvCxnSpPr>
+            <p:nvPr/>
+          </p:nvCxnSpPr>
+          <p:spPr>
+            <a:xfrm flipV="1">
+              <a:off x="857229" y="2672492"/>
+              <a:ext cx="1975644" cy="314325"/>
+            </a:xfrm>
+            <a:prstGeom prst="straightConnector1">
+              <a:avLst/>
+            </a:prstGeom>
+            <a:ln w="12700">
+              <a:solidFill>
+                <a:schemeClr val="tx1"/>
+              </a:solidFill>
+              <a:tailEnd type="arrow" w="sm" len="sm"/>
+            </a:ln>
+          </p:spPr>
+          <p:style>
+            <a:lnRef idx="1">
+              <a:schemeClr val="accent1"/>
+            </a:lnRef>
+            <a:fillRef idx="0">
+              <a:schemeClr val="accent1"/>
+            </a:fillRef>
+            <a:effectRef idx="0">
+              <a:schemeClr val="accent1"/>
+            </a:effectRef>
+            <a:fontRef idx="minor">
+              <a:schemeClr val="tx1"/>
+            </a:fontRef>
+          </p:style>
+        </p:cxnSp>
+        <mc:AlternateContent xmlns:mc="http://schemas.openxmlformats.org/markup-compatibility/2006">
+          <mc:Choice xmlns:a14="http://schemas.microsoft.com/office/drawing/2010/main" Requires="a14">
+            <p:sp>
+              <p:nvSpPr>
+                <p:cNvPr id="21" name="テキスト ボックス 20">
+                  <a:extLst>
+                    <a:ext uri="{FF2B5EF4-FFF2-40B4-BE49-F238E27FC236}">
+                      <a16:creationId xmlns:a16="http://schemas.microsoft.com/office/drawing/2014/main" id="{90521948-A42C-41BB-98FB-6AF5940CBFC4}"/>
+                    </a:ext>
+                  </a:extLst>
+                </p:cNvPr>
+                <p:cNvSpPr txBox="1"/>
+                <p:nvPr/>
+              </p:nvSpPr>
+              <p:spPr>
+                <a:xfrm>
+                  <a:off x="2021548" y="1938820"/>
+                  <a:ext cx="576136" cy="153888"/>
+                </a:xfrm>
+                <a:prstGeom prst="rect">
+                  <a:avLst/>
+                </a:prstGeom>
+                <a:noFill/>
+                <a:ln>
+                  <a:noFill/>
+                </a:ln>
+              </p:spPr>
+              <p:txBody>
+                <a:bodyPr wrap="square" lIns="0" tIns="0" rIns="0" bIns="0" rtlCol="0">
+                  <a:spAutoFit/>
+                </a:bodyPr>
+                <a:lstStyle/>
+                <a:p>
+                  <a:pPr/>
+                  <a14:m>
+                    <m:oMathPara xmlns:m="http://schemas.openxmlformats.org/officeDocument/2006/math">
+                      <m:oMathParaPr>
+                        <m:jc m:val="centerGroup"/>
+                      </m:oMathParaPr>
+                      <m:oMath xmlns:m="http://schemas.openxmlformats.org/officeDocument/2006/math">
+                        <m:sSub>
+                          <m:sSubPr>
+                            <m:ctrlPr>
+                              <a:rPr lang="en-US" altLang="ja-JP" sz="1000" b="1" i="1" smtClean="0">
+                                <a:solidFill>
+                                  <a:schemeClr val="tx1"/>
+                                </a:solidFill>
+                                <a:latin typeface="Cambria Math" panose="02040503050406030204" pitchFamily="18" charset="0"/>
+                                <a:ea typeface="Cambria Math" panose="02040503050406030204" pitchFamily="18" charset="0"/>
+                              </a:rPr>
+                            </m:ctrlPr>
+                          </m:sSubPr>
+                          <m:e>
+                            <m:r>
+                              <a:rPr lang="en-US" altLang="ja-JP" sz="1000" b="1" i="1">
+                                <a:solidFill>
+                                  <a:schemeClr val="tx1"/>
+                                </a:solidFill>
+                                <a:latin typeface="Cambria Math" panose="02040503050406030204" pitchFamily="18" charset="0"/>
+                                <a:ea typeface="Cambria Math" panose="02040503050406030204" pitchFamily="18" charset="0"/>
+                              </a:rPr>
+                              <m:t>𝒌</m:t>
+                            </m:r>
+                          </m:e>
+                          <m:sub>
+                            <m:r>
+                              <a:rPr lang="en-US" altLang="ja-JP" sz="1000" i="1">
+                                <a:solidFill>
+                                  <a:schemeClr val="tx1"/>
+                                </a:solidFill>
+                                <a:latin typeface="Cambria Math" panose="02040503050406030204" pitchFamily="18" charset="0"/>
+                                <a:ea typeface="Cambria Math" panose="02040503050406030204" pitchFamily="18" charset="0"/>
+                              </a:rPr>
+                              <m:t>0</m:t>
+                            </m:r>
+                          </m:sub>
+                        </m:sSub>
+                        <m:r>
+                          <a:rPr lang="en-US" altLang="ja-JP" sz="1000" i="1">
+                            <a:solidFill>
+                              <a:schemeClr val="tx1"/>
+                            </a:solidFill>
+                            <a:latin typeface="Cambria Math" panose="02040503050406030204" pitchFamily="18" charset="0"/>
+                            <a:ea typeface="Cambria Math" panose="02040503050406030204" pitchFamily="18" charset="0"/>
+                          </a:rPr>
+                          <m:t>+</m:t>
+                        </m:r>
+                        <m:r>
+                          <a:rPr lang="en-US" altLang="ja-JP" sz="1000" b="1" i="1">
+                            <a:solidFill>
+                              <a:schemeClr val="tx1"/>
+                            </a:solidFill>
+                            <a:latin typeface="Cambria Math" panose="02040503050406030204" pitchFamily="18" charset="0"/>
+                            <a:ea typeface="Cambria Math" panose="02040503050406030204" pitchFamily="18" charset="0"/>
+                          </a:rPr>
+                          <m:t>𝒈</m:t>
+                        </m:r>
+                      </m:oMath>
+                    </m:oMathPara>
+                  </a14:m>
+                  <a:endParaRPr lang="ja-JP" altLang="en-US" sz="1000" b="1" dirty="0">
+                    <a:solidFill>
+                      <a:schemeClr val="tx1"/>
+                    </a:solidFill>
+                    <a:latin typeface="Cambria Math" panose="02040503050406030204" pitchFamily="18" charset="0"/>
+                  </a:endParaRPr>
+                </a:p>
+              </p:txBody>
+            </p:sp>
+          </mc:Choice>
+          <mc:Fallback>
+            <p:sp>
+              <p:nvSpPr>
+                <p:cNvPr id="21" name="テキスト ボックス 20">
+                  <a:extLst>
+                    <a:ext uri="{FF2B5EF4-FFF2-40B4-BE49-F238E27FC236}">
+                      <a16:creationId xmlns:a16="http://schemas.microsoft.com/office/drawing/2014/main" id="{90521948-A42C-41BB-98FB-6AF5940CBFC4}"/>
+                    </a:ext>
+                  </a:extLst>
+                </p:cNvPr>
+                <p:cNvSpPr txBox="1">
+                  <a:spLocks noRot="1" noChangeAspect="1" noMove="1" noResize="1" noEditPoints="1" noAdjustHandles="1" noChangeArrowheads="1" noChangeShapeType="1" noTextEdit="1"/>
+                </p:cNvSpPr>
+                <p:nvPr/>
+              </p:nvSpPr>
+              <p:spPr>
+                <a:xfrm>
+                  <a:off x="2021548" y="1938820"/>
+                  <a:ext cx="576136" cy="153888"/>
+                </a:xfrm>
+                <a:prstGeom prst="rect">
+                  <a:avLst/>
+                </a:prstGeom>
+                <a:blipFill>
+                  <a:blip r:embed="rId5"/>
+                  <a:stretch>
+                    <a:fillRect b="-28000"/>
+                  </a:stretch>
+                </a:blipFill>
+                <a:ln>
+                  <a:noFill/>
+                </a:ln>
+              </p:spPr>
+              <p:txBody>
+                <a:bodyPr/>
+                <a:lstStyle/>
+                <a:p>
+                  <a:r>
+                    <a:rPr lang="ja-JP" altLang="en-US">
+                      <a:noFill/>
+                    </a:rPr>
+                    <a:t> </a:t>
+                  </a:r>
+                </a:p>
+              </p:txBody>
+            </p:sp>
+          </mc:Fallback>
+        </mc:AlternateContent>
+        <p:cxnSp>
+          <p:nvCxnSpPr>
+            <p:cNvPr id="24" name="直線コネクタ 23">
+              <a:extLst>
+                <a:ext uri="{FF2B5EF4-FFF2-40B4-BE49-F238E27FC236}">
+                  <a16:creationId xmlns:a16="http://schemas.microsoft.com/office/drawing/2014/main" id="{BE9405DC-62E7-4214-8561-9C9DE028E8B5}"/>
+                </a:ext>
+              </a:extLst>
+            </p:cNvPr>
+            <p:cNvCxnSpPr>
+              <a:cxnSpLocks/>
+            </p:cNvCxnSpPr>
+            <p:nvPr/>
+          </p:nvCxnSpPr>
+          <p:spPr>
+            <a:xfrm>
+              <a:off x="1799410" y="719867"/>
+              <a:ext cx="1057275" cy="1905140"/>
+            </a:xfrm>
+            <a:prstGeom prst="line">
+              <a:avLst/>
+            </a:prstGeom>
+            <a:ln w="12700">
+              <a:solidFill>
+                <a:schemeClr val="tx1"/>
+              </a:solidFill>
+              <a:prstDash val="solid"/>
+              <a:tailEnd type="arrow" w="sm" len="sm"/>
+            </a:ln>
+          </p:spPr>
+          <p:style>
+            <a:lnRef idx="1">
+              <a:schemeClr val="accent1"/>
+            </a:lnRef>
+            <a:fillRef idx="0">
+              <a:schemeClr val="accent1"/>
+            </a:fillRef>
+            <a:effectRef idx="0">
+              <a:schemeClr val="accent1"/>
+            </a:effectRef>
+            <a:fontRef idx="minor">
+              <a:schemeClr val="tx1"/>
+            </a:fontRef>
+          </p:style>
+        </p:cxnSp>
+        <p:sp>
+          <p:nvSpPr>
+            <p:cNvPr id="25" name="楕円 24">
+              <a:extLst>
+                <a:ext uri="{FF2B5EF4-FFF2-40B4-BE49-F238E27FC236}">
+                  <a16:creationId xmlns:a16="http://schemas.microsoft.com/office/drawing/2014/main" id="{A24A0A72-2CF1-4B76-8636-AC331C22C0AA}"/>
+                </a:ext>
+              </a:extLst>
+            </p:cNvPr>
+            <p:cNvSpPr/>
+            <p:nvPr/>
+          </p:nvSpPr>
+          <p:spPr>
+            <a:xfrm flipV="1">
+              <a:off x="776003" y="2967141"/>
+              <a:ext cx="59035" cy="59035"/>
+            </a:xfrm>
+            <a:prstGeom prst="ellipse">
+              <a:avLst/>
+            </a:prstGeom>
+            <a:solidFill>
+              <a:schemeClr val="tx1"/>
+            </a:solidFill>
+            <a:ln>
+              <a:solidFill>
+                <a:schemeClr val="tx1"/>
+              </a:solidFill>
+            </a:ln>
+          </p:spPr>
+          <p:style>
+            <a:lnRef idx="2">
+              <a:schemeClr val="accent1">
+                <a:shade val="50000"/>
+              </a:schemeClr>
+            </a:lnRef>
+            <a:fillRef idx="1">
+              <a:schemeClr val="accent1"/>
+            </a:fillRef>
+            <a:effectRef idx="0">
+              <a:schemeClr val="accent1"/>
+            </a:effectRef>
+            <a:fontRef idx="minor">
+              <a:schemeClr val="lt1"/>
+            </a:fontRef>
+          </p:style>
+          <p:txBody>
+            <a:bodyPr rot="0" spcFirstLastPara="0" vertOverflow="overflow" horzOverflow="overflow" vert="horz" wrap="square" lIns="74295" tIns="37148" rIns="74295" bIns="37148" numCol="1" spcCol="0" rtlCol="0" fromWordArt="0" anchor="ctr" anchorCtr="0" forceAA="0" compatLnSpc="1">
+              <a:prstTxWarp prst="textNoShape">
+                <a:avLst/>
+              </a:prstTxWarp>
+              <a:noAutofit/>
+            </a:bodyPr>
+            <a:lstStyle/>
+            <a:p>
+              <a:pPr algn="ctr"/>
+              <a:endParaRPr lang="ja-JP" altLang="en-US">
+                <a:latin typeface="Cambria Math" panose="02040503050406030204" pitchFamily="18" charset="0"/>
+              </a:endParaRPr>
+            </a:p>
+          </p:txBody>
+        </p:sp>
+        <p:sp>
+          <p:nvSpPr>
+            <p:cNvPr id="26" name="テキスト ボックス 25">
+              <a:extLst>
+                <a:ext uri="{FF2B5EF4-FFF2-40B4-BE49-F238E27FC236}">
+                  <a16:creationId xmlns:a16="http://schemas.microsoft.com/office/drawing/2014/main" id="{66C0F203-7AF8-4002-8803-37077A4413BF}"/>
+                </a:ext>
+              </a:extLst>
+            </p:cNvPr>
+            <p:cNvSpPr txBox="1"/>
+            <p:nvPr/>
+          </p:nvSpPr>
+          <p:spPr>
+            <a:xfrm>
+              <a:off x="973404" y="438515"/>
+              <a:ext cx="1291261" cy="153888"/>
+            </a:xfrm>
+            <a:prstGeom prst="rect">
+              <a:avLst/>
+            </a:prstGeom>
+            <a:noFill/>
+          </p:spPr>
+          <p:txBody>
+            <a:bodyPr wrap="square" lIns="0" tIns="0" rIns="0" bIns="0" rtlCol="0">
+              <a:spAutoFit/>
+            </a:bodyPr>
+            <a:lstStyle/>
+            <a:p>
+              <a:pPr algn="r"/>
+              <a:r>
+                <a:rPr lang="en-US" altLang="ja-JP" sz="1000" dirty="0">
+                  <a:latin typeface="Cambria Math" panose="02040503050406030204" pitchFamily="18" charset="0"/>
+                  <a:ea typeface="Cambria Math" panose="02040503050406030204" pitchFamily="18" charset="0"/>
+                </a:rPr>
+                <a:t>Center of Ewald sphere</a:t>
+              </a:r>
+              <a:endParaRPr lang="ja-JP" altLang="en-US" sz="1000" dirty="0">
+                <a:latin typeface="Cambria Math" panose="02040503050406030204" pitchFamily="18" charset="0"/>
+              </a:endParaRPr>
+            </a:p>
+          </p:txBody>
+        </p:sp>
+        <p:cxnSp>
+          <p:nvCxnSpPr>
+            <p:cNvPr id="28" name="直線矢印コネクタ 27">
+              <a:extLst>
+                <a:ext uri="{FF2B5EF4-FFF2-40B4-BE49-F238E27FC236}">
+                  <a16:creationId xmlns:a16="http://schemas.microsoft.com/office/drawing/2014/main" id="{75925020-43EF-481E-BF59-2DD58DA02B88}"/>
+                </a:ext>
+              </a:extLst>
+            </p:cNvPr>
+            <p:cNvCxnSpPr/>
+            <p:nvPr/>
+          </p:nvCxnSpPr>
+          <p:spPr>
+            <a:xfrm flipV="1">
+              <a:off x="1797557" y="720461"/>
+              <a:ext cx="0" cy="804761"/>
+            </a:xfrm>
+            <a:prstGeom prst="straightConnector1">
+              <a:avLst/>
+            </a:prstGeom>
+            <a:ln w="12700">
+              <a:solidFill>
+                <a:schemeClr val="tx1"/>
+              </a:solidFill>
+              <a:prstDash val="sysDot"/>
+              <a:headEnd type="triangle" w="med" len="med"/>
+              <a:tailEnd type="none" w="sm" len="med"/>
+            </a:ln>
+          </p:spPr>
+          <p:style>
+            <a:lnRef idx="1">
+              <a:schemeClr val="accent1"/>
+            </a:lnRef>
+            <a:fillRef idx="0">
+              <a:schemeClr val="accent1"/>
+            </a:fillRef>
+            <a:effectRef idx="0">
+              <a:schemeClr val="accent1"/>
+            </a:effectRef>
+            <a:fontRef idx="minor">
+              <a:schemeClr val="tx1"/>
+            </a:fontRef>
+          </p:style>
+        </p:cxnSp>
+        <mc:AlternateContent xmlns:mc="http://schemas.openxmlformats.org/markup-compatibility/2006">
+          <mc:Choice xmlns:a14="http://schemas.microsoft.com/office/drawing/2010/main" Requires="a14">
+            <p:sp>
+              <p:nvSpPr>
+                <p:cNvPr id="30" name="テキスト ボックス 29">
+                  <a:extLst>
+                    <a:ext uri="{FF2B5EF4-FFF2-40B4-BE49-F238E27FC236}">
+                      <a16:creationId xmlns:a16="http://schemas.microsoft.com/office/drawing/2014/main" id="{40553FB3-95E0-4138-8C5D-D04FD3C0D562}"/>
+                    </a:ext>
+                  </a:extLst>
+                </p:cNvPr>
+                <p:cNvSpPr txBox="1"/>
+                <p:nvPr/>
+              </p:nvSpPr>
+              <p:spPr>
+                <a:xfrm>
+                  <a:off x="1813778" y="1186931"/>
+                  <a:ext cx="192360" cy="153888"/>
+                </a:xfrm>
+                <a:prstGeom prst="rect">
+                  <a:avLst/>
+                </a:prstGeom>
+                <a:noFill/>
+                <a:ln>
+                  <a:noFill/>
+                </a:ln>
+              </p:spPr>
+              <p:txBody>
+                <a:bodyPr wrap="none" lIns="0" tIns="0" rIns="0" bIns="0" rtlCol="0">
+                  <a:spAutoFit/>
+                </a:bodyPr>
+                <a:lstStyle/>
+                <a:p>
+                  <a:pPr/>
+                  <a14:m>
+                    <m:oMathPara xmlns:m="http://schemas.openxmlformats.org/officeDocument/2006/math">
+                      <m:oMathParaPr>
+                        <m:jc m:val="centerGroup"/>
+                      </m:oMathParaPr>
+                      <m:oMath xmlns:m="http://schemas.openxmlformats.org/officeDocument/2006/math">
+                        <m:box>
+                          <m:boxPr>
+                            <m:ctrlPr>
+                              <a:rPr lang="en-US" altLang="ja-JP" sz="1000" i="1" smtClean="0">
+                                <a:solidFill>
+                                  <a:schemeClr val="tx1"/>
+                                </a:solidFill>
+                                <a:latin typeface="Cambria Math" panose="02040503050406030204" pitchFamily="18" charset="0"/>
+                                <a:ea typeface="Cambria Math" panose="02040503050406030204" pitchFamily="18" charset="0"/>
+                              </a:rPr>
+                            </m:ctrlPr>
+                          </m:boxPr>
+                          <m:e>
+                            <m:argPr>
+                              <m:argSz m:val="-1"/>
+                            </m:argPr>
+                            <m:sSup>
+                              <m:sSupPr>
+                                <m:ctrlPr>
+                                  <a:rPr lang="en-US" altLang="ja-JP" sz="1000" i="1">
+                                    <a:solidFill>
+                                      <a:schemeClr val="tx1"/>
+                                    </a:solidFill>
+                                    <a:latin typeface="Cambria Math" panose="02040503050406030204" pitchFamily="18" charset="0"/>
+                                    <a:ea typeface="Cambria Math" panose="02040503050406030204" pitchFamily="18" charset="0"/>
+                                  </a:rPr>
+                                </m:ctrlPr>
+                              </m:sSupPr>
+                              <m:e>
+                                <m:r>
+                                  <a:rPr lang="ja-JP" altLang="en-US" sz="1000" i="1">
+                                    <a:solidFill>
+                                      <a:schemeClr val="tx1"/>
+                                    </a:solidFill>
+                                    <a:latin typeface="Cambria Math" panose="02040503050406030204" pitchFamily="18" charset="0"/>
+                                  </a:rPr>
+                                  <m:t>𝛾</m:t>
+                                </m:r>
+                              </m:e>
+                              <m:sup>
+                                <m:r>
+                                  <a:rPr lang="en-US" altLang="ja-JP" sz="1000" b="0" i="1" smtClean="0">
+                                    <a:solidFill>
+                                      <a:schemeClr val="tx1"/>
+                                    </a:solidFill>
+                                    <a:latin typeface="Cambria Math" panose="02040503050406030204" pitchFamily="18" charset="0"/>
+                                  </a:rPr>
+                                  <m:t>(</m:t>
+                                </m:r>
+                                <m:r>
+                                  <a:rPr lang="en-US" altLang="ja-JP" sz="1000" i="1">
+                                    <a:solidFill>
+                                      <a:schemeClr val="tx1"/>
+                                    </a:solidFill>
+                                    <a:latin typeface="Cambria Math" panose="02040503050406030204" pitchFamily="18" charset="0"/>
+                                    <a:ea typeface="Cambria Math" panose="02040503050406030204" pitchFamily="18" charset="0"/>
+                                  </a:rPr>
+                                  <m:t>𝑗</m:t>
+                                </m:r>
+                                <m:r>
+                                  <a:rPr lang="en-US" altLang="ja-JP" sz="1000" b="0" i="1" smtClean="0">
+                                    <a:solidFill>
+                                      <a:schemeClr val="tx1"/>
+                                    </a:solidFill>
+                                    <a:latin typeface="Cambria Math" panose="02040503050406030204" pitchFamily="18" charset="0"/>
+                                    <a:ea typeface="Cambria Math" panose="02040503050406030204" pitchFamily="18" charset="0"/>
+                                  </a:rPr>
+                                  <m:t>)</m:t>
+                                </m:r>
+                              </m:sup>
+                            </m:sSup>
+                          </m:e>
+                        </m:box>
+                      </m:oMath>
+                    </m:oMathPara>
+                  </a14:m>
+                  <a:endParaRPr lang="ja-JP" altLang="en-US" sz="1000" dirty="0">
+                    <a:solidFill>
+                      <a:schemeClr val="tx1"/>
+                    </a:solidFill>
+                    <a:latin typeface="Cambria Math" panose="02040503050406030204" pitchFamily="18" charset="0"/>
+                  </a:endParaRPr>
+                </a:p>
+              </p:txBody>
+            </p:sp>
+          </mc:Choice>
+          <mc:Fallback>
+            <p:sp>
+              <p:nvSpPr>
+                <p:cNvPr id="30" name="テキスト ボックス 29">
+                  <a:extLst>
+                    <a:ext uri="{FF2B5EF4-FFF2-40B4-BE49-F238E27FC236}">
+                      <a16:creationId xmlns:a16="http://schemas.microsoft.com/office/drawing/2014/main" id="{40553FB3-95E0-4138-8C5D-D04FD3C0D562}"/>
+                    </a:ext>
+                  </a:extLst>
+                </p:cNvPr>
+                <p:cNvSpPr txBox="1">
+                  <a:spLocks noRot="1" noChangeAspect="1" noMove="1" noResize="1" noEditPoints="1" noAdjustHandles="1" noChangeArrowheads="1" noChangeShapeType="1" noTextEdit="1"/>
+                </p:cNvSpPr>
+                <p:nvPr/>
+              </p:nvSpPr>
+              <p:spPr>
+                <a:xfrm>
+                  <a:off x="1813778" y="1186931"/>
+                  <a:ext cx="192360" cy="153888"/>
+                </a:xfrm>
+                <a:prstGeom prst="rect">
+                  <a:avLst/>
+                </a:prstGeom>
+                <a:blipFill>
+                  <a:blip r:embed="rId6"/>
+                  <a:stretch>
+                    <a:fillRect l="-9375" r="-9375" b="-12000"/>
+                  </a:stretch>
+                </a:blipFill>
+                <a:ln>
+                  <a:noFill/>
+                </a:ln>
+              </p:spPr>
+              <p:txBody>
+                <a:bodyPr/>
+                <a:lstStyle/>
+                <a:p>
+                  <a:r>
+                    <a:rPr lang="ja-JP" altLang="en-US">
+                      <a:noFill/>
+                    </a:rPr>
+                    <a:t> </a:t>
+                  </a:r>
+                </a:p>
+              </p:txBody>
+            </p:sp>
+          </mc:Fallback>
+        </mc:AlternateContent>
+        <p:sp>
+          <p:nvSpPr>
+            <p:cNvPr id="31" name="テキスト ボックス 30">
+              <a:extLst>
+                <a:ext uri="{FF2B5EF4-FFF2-40B4-BE49-F238E27FC236}">
+                  <a16:creationId xmlns:a16="http://schemas.microsoft.com/office/drawing/2014/main" id="{C47E5C2B-FE48-4F88-A76C-26EAF0A90B04}"/>
+                </a:ext>
+              </a:extLst>
+            </p:cNvPr>
+            <p:cNvSpPr txBox="1"/>
+            <p:nvPr/>
+          </p:nvSpPr>
+          <p:spPr>
+            <a:xfrm>
+              <a:off x="1597922" y="3015416"/>
+              <a:ext cx="566664" cy="400110"/>
+            </a:xfrm>
+            <a:prstGeom prst="rect">
+              <a:avLst/>
+            </a:prstGeom>
+            <a:noFill/>
+          </p:spPr>
+          <p:txBody>
+            <a:bodyPr wrap="square" rtlCol="0">
+              <a:spAutoFit/>
+            </a:bodyPr>
+            <a:lstStyle/>
+            <a:p>
+              <a:r>
+                <a:rPr lang="en-US" altLang="ja-JP" sz="1000" dirty="0">
+                  <a:latin typeface="Cambria Math" panose="02040503050406030204" pitchFamily="18" charset="0"/>
+                  <a:ea typeface="Cambria Math" panose="02040503050406030204" pitchFamily="18" charset="0"/>
+                </a:rPr>
+                <a:t>Ewald sphere</a:t>
+              </a:r>
+              <a:endParaRPr lang="ja-JP" altLang="en-US" sz="1000" dirty="0">
+                <a:latin typeface="Cambria Math" panose="02040503050406030204" pitchFamily="18" charset="0"/>
+              </a:endParaRPr>
+            </a:p>
+          </p:txBody>
+        </p:sp>
+        <p:cxnSp>
+          <p:nvCxnSpPr>
+            <p:cNvPr id="32" name="直線矢印コネクタ 31">
+              <a:extLst>
+                <a:ext uri="{FF2B5EF4-FFF2-40B4-BE49-F238E27FC236}">
+                  <a16:creationId xmlns:a16="http://schemas.microsoft.com/office/drawing/2014/main" id="{94AA62D6-B8A2-45F8-A817-218DAEF8B3C6}"/>
+                </a:ext>
+              </a:extLst>
+            </p:cNvPr>
+            <p:cNvCxnSpPr>
+              <a:cxnSpLocks/>
+            </p:cNvCxnSpPr>
+            <p:nvPr/>
+          </p:nvCxnSpPr>
+          <p:spPr>
+            <a:xfrm flipH="1">
+              <a:off x="831830" y="719867"/>
+              <a:ext cx="965199" cy="2238375"/>
+            </a:xfrm>
+            <a:prstGeom prst="straightConnector1">
+              <a:avLst/>
+            </a:prstGeom>
+            <a:ln w="12700">
+              <a:solidFill>
+                <a:schemeClr val="tx1"/>
+              </a:solidFill>
+              <a:tailEnd type="arrow" w="sm" len="sm"/>
+            </a:ln>
+          </p:spPr>
+          <p:style>
+            <a:lnRef idx="1">
+              <a:schemeClr val="accent1"/>
+            </a:lnRef>
+            <a:fillRef idx="0">
+              <a:schemeClr val="accent1"/>
+            </a:fillRef>
+            <a:effectRef idx="0">
+              <a:schemeClr val="accent1"/>
+            </a:effectRef>
+            <a:fontRef idx="minor">
+              <a:schemeClr val="tx1"/>
+            </a:fontRef>
+          </p:style>
+        </p:cxnSp>
+        <p:sp>
+          <p:nvSpPr>
+            <p:cNvPr id="33" name="楕円 32">
+              <a:extLst>
+                <a:ext uri="{FF2B5EF4-FFF2-40B4-BE49-F238E27FC236}">
+                  <a16:creationId xmlns:a16="http://schemas.microsoft.com/office/drawing/2014/main" id="{14BF0E3C-47F7-4AC4-B3B1-A06E96B4468F}"/>
+                </a:ext>
+              </a:extLst>
+            </p:cNvPr>
+            <p:cNvSpPr/>
+            <p:nvPr/>
+          </p:nvSpPr>
+          <p:spPr>
+            <a:xfrm flipV="1">
+              <a:off x="1767525" y="688284"/>
+              <a:ext cx="59035" cy="59035"/>
+            </a:xfrm>
+            <a:prstGeom prst="ellipse">
+              <a:avLst/>
+            </a:prstGeom>
+            <a:solidFill>
+              <a:schemeClr val="tx1"/>
+            </a:solidFill>
+            <a:ln>
+              <a:solidFill>
+                <a:schemeClr val="tx1"/>
+              </a:solidFill>
+            </a:ln>
+          </p:spPr>
+          <p:style>
+            <a:lnRef idx="2">
+              <a:schemeClr val="accent1">
+                <a:shade val="50000"/>
+              </a:schemeClr>
+            </a:lnRef>
+            <a:fillRef idx="1">
+              <a:schemeClr val="accent1"/>
+            </a:fillRef>
+            <a:effectRef idx="0">
+              <a:schemeClr val="accent1"/>
+            </a:effectRef>
+            <a:fontRef idx="minor">
+              <a:schemeClr val="lt1"/>
+            </a:fontRef>
+          </p:style>
+          <p:txBody>
+            <a:bodyPr rot="0" spcFirstLastPara="0" vertOverflow="overflow" horzOverflow="overflow" vert="horz" wrap="square" lIns="74295" tIns="37148" rIns="74295" bIns="37148" numCol="1" spcCol="0" rtlCol="0" fromWordArt="0" anchor="ctr" anchorCtr="0" forceAA="0" compatLnSpc="1">
+              <a:prstTxWarp prst="textNoShape">
+                <a:avLst/>
+              </a:prstTxWarp>
+              <a:noAutofit/>
+            </a:bodyPr>
+            <a:lstStyle/>
+            <a:p>
+              <a:pPr algn="ctr"/>
+              <a:endParaRPr lang="ja-JP" altLang="en-US">
+                <a:latin typeface="Cambria Math" panose="02040503050406030204" pitchFamily="18" charset="0"/>
+              </a:endParaRPr>
+            </a:p>
+          </p:txBody>
+        </p:sp>
+        <p:sp>
+          <p:nvSpPr>
+            <p:cNvPr id="34" name="テキスト ボックス 33">
+              <a:extLst>
+                <a:ext uri="{FF2B5EF4-FFF2-40B4-BE49-F238E27FC236}">
+                  <a16:creationId xmlns:a16="http://schemas.microsoft.com/office/drawing/2014/main" id="{DF99E4C8-C148-4A80-A78A-ECAC6DA743CD}"/>
+                </a:ext>
+              </a:extLst>
+            </p:cNvPr>
+            <p:cNvSpPr txBox="1"/>
+            <p:nvPr/>
+          </p:nvSpPr>
+          <p:spPr>
+            <a:xfrm>
+              <a:off x="3104957" y="509734"/>
+              <a:ext cx="626575" cy="400110"/>
+            </a:xfrm>
+            <a:prstGeom prst="rect">
+              <a:avLst/>
+            </a:prstGeom>
+            <a:noFill/>
+          </p:spPr>
+          <p:txBody>
+            <a:bodyPr wrap="square" rtlCol="0">
+              <a:spAutoFit/>
+            </a:bodyPr>
+            <a:lstStyle/>
+            <a:p>
+              <a:r>
+                <a:rPr lang="en-US" altLang="ja-JP" sz="1000" dirty="0">
+                  <a:latin typeface="Cambria Math" panose="02040503050406030204" pitchFamily="18" charset="0"/>
+                  <a:ea typeface="Cambria Math" panose="02040503050406030204" pitchFamily="18" charset="0"/>
+                </a:rPr>
+                <a:t>Sample</a:t>
+              </a:r>
+            </a:p>
+            <a:p>
+              <a:r>
+                <a:rPr lang="en-US" altLang="ja-JP" sz="1000" dirty="0">
+                  <a:latin typeface="Cambria Math" panose="02040503050406030204" pitchFamily="18" charset="0"/>
+                  <a:ea typeface="Cambria Math" panose="02040503050406030204" pitchFamily="18" charset="0"/>
+                </a:rPr>
+                <a:t>surface</a:t>
+              </a:r>
+              <a:endParaRPr lang="ja-JP" altLang="en-US" sz="1000" dirty="0">
+                <a:latin typeface="Cambria Math" panose="02040503050406030204" pitchFamily="18" charset="0"/>
+              </a:endParaRPr>
+            </a:p>
+          </p:txBody>
+        </p:sp>
+        <p:cxnSp>
+          <p:nvCxnSpPr>
+            <p:cNvPr id="35" name="直線矢印コネクタ 34">
+              <a:extLst>
+                <a:ext uri="{FF2B5EF4-FFF2-40B4-BE49-F238E27FC236}">
+                  <a16:creationId xmlns:a16="http://schemas.microsoft.com/office/drawing/2014/main" id="{E94F3178-86AF-484D-8D1F-63E1BDA612AF}"/>
+                </a:ext>
+              </a:extLst>
+            </p:cNvPr>
+            <p:cNvCxnSpPr/>
+            <p:nvPr/>
+          </p:nvCxnSpPr>
+          <p:spPr>
+            <a:xfrm>
+              <a:off x="806130" y="719747"/>
+              <a:ext cx="0" cy="312620"/>
+            </a:xfrm>
+            <a:prstGeom prst="straightConnector1">
+              <a:avLst/>
+            </a:prstGeom>
+            <a:ln w="12700">
+              <a:solidFill>
+                <a:schemeClr val="tx1"/>
+              </a:solidFill>
+              <a:tailEnd type="arrow" w="sm" len="sm"/>
+            </a:ln>
+          </p:spPr>
+          <p:style>
+            <a:lnRef idx="1">
+              <a:schemeClr val="accent1"/>
+            </a:lnRef>
+            <a:fillRef idx="0">
+              <a:schemeClr val="accent1"/>
+            </a:fillRef>
+            <a:effectRef idx="0">
+              <a:schemeClr val="accent1"/>
+            </a:effectRef>
+            <a:fontRef idx="minor">
+              <a:schemeClr val="tx1"/>
+            </a:fontRef>
+          </p:style>
+        </p:cxnSp>
+        <p:sp>
+          <p:nvSpPr>
+            <p:cNvPr id="36" name="テキスト ボックス 35">
+              <a:extLst>
+                <a:ext uri="{FF2B5EF4-FFF2-40B4-BE49-F238E27FC236}">
+                  <a16:creationId xmlns:a16="http://schemas.microsoft.com/office/drawing/2014/main" id="{DADF0D10-0BAD-44F0-A740-5DA4B5FCC266}"/>
+                </a:ext>
+              </a:extLst>
+            </p:cNvPr>
+            <p:cNvSpPr txBox="1"/>
+            <p:nvPr/>
+          </p:nvSpPr>
+          <p:spPr>
+            <a:xfrm>
+              <a:off x="2360970" y="845830"/>
+              <a:ext cx="65" cy="169277"/>
+            </a:xfrm>
+            <a:prstGeom prst="rect">
+              <a:avLst/>
+            </a:prstGeom>
+            <a:noFill/>
+            <a:ln>
+              <a:noFill/>
+            </a:ln>
+          </p:spPr>
+          <p:txBody>
+            <a:bodyPr wrap="none" lIns="0" tIns="0" rIns="0" bIns="0" rtlCol="0">
+              <a:spAutoFit/>
+            </a:bodyPr>
+            <a:lstStyle/>
+            <a:p>
+              <a:endParaRPr lang="ja-JP" altLang="en-US" sz="1100" dirty="0">
+                <a:solidFill>
+                  <a:srgbClr val="E44CD2"/>
+                </a:solidFill>
+                <a:latin typeface="Cambria Math" panose="02040503050406030204" pitchFamily="18" charset="0"/>
+              </a:endParaRPr>
+            </a:p>
+          </p:txBody>
+        </p:sp>
+        <mc:AlternateContent xmlns:mc="http://schemas.openxmlformats.org/markup-compatibility/2006">
+          <mc:Choice xmlns:a14="http://schemas.microsoft.com/office/drawing/2010/main" Requires="a14">
+            <p:sp>
+              <p:nvSpPr>
+                <p:cNvPr id="39" name="テキスト ボックス 38">
+                  <a:extLst>
+                    <a:ext uri="{FF2B5EF4-FFF2-40B4-BE49-F238E27FC236}">
+                      <a16:creationId xmlns:a16="http://schemas.microsoft.com/office/drawing/2014/main" id="{D4B0F44E-B621-4B8E-9982-460552A490C7}"/>
+                    </a:ext>
+                  </a:extLst>
+                </p:cNvPr>
+                <p:cNvSpPr txBox="1"/>
+                <p:nvPr/>
+              </p:nvSpPr>
+              <p:spPr>
+                <a:xfrm>
+                  <a:off x="977942" y="1405619"/>
+                  <a:ext cx="271164" cy="153888"/>
+                </a:xfrm>
+                <a:prstGeom prst="rect">
+                  <a:avLst/>
+                </a:prstGeom>
+                <a:noFill/>
+                <a:ln>
+                  <a:noFill/>
+                </a:ln>
+              </p:spPr>
+              <p:txBody>
+                <a:bodyPr wrap="none" lIns="0" tIns="0" rIns="0" bIns="0" rtlCol="0">
+                  <a:spAutoFit/>
+                </a:bodyPr>
+                <a:lstStyle/>
+                <a:p>
+                  <a:pPr/>
+                  <a14:m>
+                    <m:oMath xmlns:m="http://schemas.openxmlformats.org/officeDocument/2006/math">
+                      <m:sSub>
+                        <m:sSubPr>
+                          <m:ctrlPr>
+                            <a:rPr lang="en-US" altLang="ja-JP" sz="1000" b="1" i="1" smtClean="0">
+                              <a:solidFill>
+                                <a:schemeClr val="tx1"/>
+                              </a:solidFill>
+                              <a:latin typeface="Cambria Math" panose="02040503050406030204" pitchFamily="18" charset="0"/>
+                              <a:ea typeface="Cambria Math" panose="02040503050406030204" pitchFamily="18" charset="0"/>
+                            </a:rPr>
+                          </m:ctrlPr>
+                        </m:sSubPr>
+                        <m:e>
+                          <m:r>
+                            <a:rPr lang="en-US" altLang="ja-JP" sz="1000" b="1" i="1" smtClean="0">
+                              <a:solidFill>
+                                <a:schemeClr val="tx1"/>
+                              </a:solidFill>
+                              <a:latin typeface="Cambria Math" panose="02040503050406030204" pitchFamily="18" charset="0"/>
+                              <a:ea typeface="Cambria Math" panose="02040503050406030204" pitchFamily="18" charset="0"/>
+                            </a:rPr>
+                            <m:t>𝒌</m:t>
+                          </m:r>
+                        </m:e>
+                        <m:sub>
+                          <m:r>
+                            <a:rPr lang="en-US" altLang="ja-JP" sz="1000" b="0" i="1" smtClean="0">
+                              <a:solidFill>
+                                <a:schemeClr val="tx1"/>
+                              </a:solidFill>
+                              <a:latin typeface="Cambria Math" panose="02040503050406030204" pitchFamily="18" charset="0"/>
+                              <a:ea typeface="Cambria Math" panose="02040503050406030204" pitchFamily="18" charset="0"/>
+                            </a:rPr>
+                            <m:t>𝑣𝑎𝑐</m:t>
+                          </m:r>
+                        </m:sub>
+                      </m:sSub>
+                    </m:oMath>
+                  </a14:m>
+                  <a:r>
+                    <a:rPr lang="en-US" altLang="ja-JP" sz="1000" b="1" dirty="0">
+                      <a:solidFill>
+                        <a:schemeClr val="tx1"/>
+                      </a:solidFill>
+                      <a:latin typeface="Cambria Math" panose="02040503050406030204" pitchFamily="18" charset="0"/>
+                    </a:rPr>
+                    <a:t> </a:t>
+                  </a:r>
+                  <a:endParaRPr lang="ja-JP" altLang="en-US" sz="1000" b="1" dirty="0">
+                    <a:solidFill>
+                      <a:schemeClr val="tx1"/>
+                    </a:solidFill>
+                    <a:latin typeface="Cambria Math" panose="02040503050406030204" pitchFamily="18" charset="0"/>
+                  </a:endParaRPr>
+                </a:p>
+              </p:txBody>
+            </p:sp>
+          </mc:Choice>
+          <mc:Fallback>
+            <p:sp>
+              <p:nvSpPr>
+                <p:cNvPr id="39" name="テキスト ボックス 38">
+                  <a:extLst>
+                    <a:ext uri="{FF2B5EF4-FFF2-40B4-BE49-F238E27FC236}">
+                      <a16:creationId xmlns:a16="http://schemas.microsoft.com/office/drawing/2014/main" id="{D4B0F44E-B621-4B8E-9982-460552A490C7}"/>
+                    </a:ext>
+                  </a:extLst>
+                </p:cNvPr>
+                <p:cNvSpPr txBox="1">
+                  <a:spLocks noRot="1" noChangeAspect="1" noMove="1" noResize="1" noEditPoints="1" noAdjustHandles="1" noChangeArrowheads="1" noChangeShapeType="1" noTextEdit="1"/>
+                </p:cNvSpPr>
+                <p:nvPr/>
+              </p:nvSpPr>
+              <p:spPr>
+                <a:xfrm>
+                  <a:off x="977942" y="1405619"/>
+                  <a:ext cx="271164" cy="153888"/>
+                </a:xfrm>
+                <a:prstGeom prst="rect">
+                  <a:avLst/>
+                </a:prstGeom>
+                <a:blipFill>
+                  <a:blip r:embed="rId7"/>
+                  <a:stretch>
+                    <a:fillRect l="-17778" t="-4000" b="-12000"/>
+                  </a:stretch>
+                </a:blipFill>
+                <a:ln>
+                  <a:noFill/>
+                </a:ln>
+              </p:spPr>
+              <p:txBody>
+                <a:bodyPr/>
+                <a:lstStyle/>
+                <a:p>
+                  <a:r>
+                    <a:rPr lang="ja-JP" altLang="en-US">
+                      <a:noFill/>
+                    </a:rPr>
+                    <a:t> </a:t>
+                  </a:r>
+                </a:p>
+              </p:txBody>
+            </p:sp>
+          </mc:Fallback>
+        </mc:AlternateContent>
+        <mc:AlternateContent xmlns:mc="http://schemas.openxmlformats.org/markup-compatibility/2006">
+          <mc:Choice xmlns:a14="http://schemas.microsoft.com/office/drawing/2010/main" Requires="a14">
+            <p:sp>
+              <p:nvSpPr>
+                <p:cNvPr id="40" name="テキスト ボックス 39">
+                  <a:extLst>
+                    <a:ext uri="{FF2B5EF4-FFF2-40B4-BE49-F238E27FC236}">
+                      <a16:creationId xmlns:a16="http://schemas.microsoft.com/office/drawing/2014/main" id="{60DE930C-83DD-4D58-8457-BDEF807B5DDE}"/>
+                    </a:ext>
+                  </a:extLst>
+                </p:cNvPr>
+                <p:cNvSpPr txBox="1"/>
+                <p:nvPr/>
+              </p:nvSpPr>
+              <p:spPr>
+                <a:xfrm>
+                  <a:off x="1249106" y="2293307"/>
+                  <a:ext cx="234551" cy="160237"/>
+                </a:xfrm>
+                <a:prstGeom prst="rect">
+                  <a:avLst/>
+                </a:prstGeom>
+                <a:noFill/>
+                <a:ln>
+                  <a:noFill/>
+                </a:ln>
+              </p:spPr>
+              <p:txBody>
+                <a:bodyPr wrap="none" lIns="0" tIns="0" rIns="0" bIns="0" rtlCol="0">
+                  <a:spAutoFit/>
+                </a:bodyPr>
+                <a:lstStyle/>
+                <a:p>
+                  <a:pPr/>
+                  <a14:m>
+                    <m:oMathPara xmlns:m="http://schemas.openxmlformats.org/officeDocument/2006/math">
+                      <m:oMathParaPr>
+                        <m:jc m:val="centerGroup"/>
+                      </m:oMathParaPr>
+                      <m:oMath xmlns:m="http://schemas.openxmlformats.org/officeDocument/2006/math">
+                        <m:sSup>
+                          <m:sSupPr>
+                            <m:ctrlPr>
+                              <a:rPr lang="en-US" altLang="ja-JP" sz="1000" b="1" i="1" smtClean="0">
+                                <a:solidFill>
+                                  <a:schemeClr val="tx1"/>
+                                </a:solidFill>
+                                <a:latin typeface="Cambria Math" panose="02040503050406030204" pitchFamily="18" charset="0"/>
+                                <a:ea typeface="Cambria Math" panose="02040503050406030204" pitchFamily="18" charset="0"/>
+                              </a:rPr>
+                            </m:ctrlPr>
+                          </m:sSupPr>
+                          <m:e>
+                            <m:r>
+                              <a:rPr lang="en-US" altLang="ja-JP" sz="1000" b="1" i="1" smtClean="0">
+                                <a:solidFill>
+                                  <a:schemeClr val="tx1"/>
+                                </a:solidFill>
+                                <a:latin typeface="Cambria Math" panose="02040503050406030204" pitchFamily="18" charset="0"/>
+                                <a:ea typeface="Cambria Math" panose="02040503050406030204" pitchFamily="18" charset="0"/>
+                              </a:rPr>
+                              <m:t>𝒌</m:t>
+                            </m:r>
+                          </m:e>
+                          <m:sup>
+                            <m:r>
+                              <a:rPr lang="en-US" altLang="ja-JP" sz="1000" b="0" i="1" smtClean="0">
+                                <a:solidFill>
+                                  <a:schemeClr val="tx1"/>
+                                </a:solidFill>
+                                <a:latin typeface="Cambria Math" panose="02040503050406030204" pitchFamily="18" charset="0"/>
+                                <a:ea typeface="Cambria Math" panose="02040503050406030204" pitchFamily="18" charset="0"/>
+                              </a:rPr>
+                              <m:t>(</m:t>
+                            </m:r>
+                            <m:r>
+                              <a:rPr lang="en-US" altLang="ja-JP" sz="1000" b="0" i="1" smtClean="0">
+                                <a:solidFill>
+                                  <a:schemeClr val="tx1"/>
+                                </a:solidFill>
+                                <a:latin typeface="Cambria Math" panose="02040503050406030204" pitchFamily="18" charset="0"/>
+                                <a:ea typeface="Cambria Math" panose="02040503050406030204" pitchFamily="18" charset="0"/>
+                              </a:rPr>
+                              <m:t>𝑗</m:t>
+                            </m:r>
+                            <m:r>
+                              <a:rPr lang="en-US" altLang="ja-JP" sz="1000" b="0" i="1" smtClean="0">
+                                <a:solidFill>
+                                  <a:schemeClr val="tx1"/>
+                                </a:solidFill>
+                                <a:latin typeface="Cambria Math" panose="02040503050406030204" pitchFamily="18" charset="0"/>
+                                <a:ea typeface="Cambria Math" panose="02040503050406030204" pitchFamily="18" charset="0"/>
+                              </a:rPr>
+                              <m:t>)</m:t>
+                            </m:r>
+                          </m:sup>
+                        </m:sSup>
+                      </m:oMath>
+                    </m:oMathPara>
+                  </a14:m>
+                  <a:endParaRPr lang="ja-JP" altLang="en-US" sz="1000" b="1" dirty="0">
+                    <a:solidFill>
+                      <a:schemeClr val="tx1"/>
+                    </a:solidFill>
+                    <a:latin typeface="Cambria Math" panose="02040503050406030204" pitchFamily="18" charset="0"/>
+                  </a:endParaRPr>
+                </a:p>
+              </p:txBody>
+            </p:sp>
+          </mc:Choice>
+          <mc:Fallback>
+            <p:sp>
+              <p:nvSpPr>
+                <p:cNvPr id="40" name="テキスト ボックス 39">
+                  <a:extLst>
+                    <a:ext uri="{FF2B5EF4-FFF2-40B4-BE49-F238E27FC236}">
+                      <a16:creationId xmlns:a16="http://schemas.microsoft.com/office/drawing/2014/main" id="{60DE930C-83DD-4D58-8457-BDEF807B5DDE}"/>
+                    </a:ext>
+                  </a:extLst>
+                </p:cNvPr>
+                <p:cNvSpPr txBox="1">
+                  <a:spLocks noRot="1" noChangeAspect="1" noMove="1" noResize="1" noEditPoints="1" noAdjustHandles="1" noChangeArrowheads="1" noChangeShapeType="1" noTextEdit="1"/>
+                </p:cNvSpPr>
+                <p:nvPr/>
+              </p:nvSpPr>
+              <p:spPr>
+                <a:xfrm>
+                  <a:off x="1249106" y="2293307"/>
+                  <a:ext cx="234551" cy="160237"/>
+                </a:xfrm>
+                <a:prstGeom prst="rect">
+                  <a:avLst/>
+                </a:prstGeom>
+                <a:blipFill>
+                  <a:blip r:embed="rId8"/>
+                  <a:stretch>
+                    <a:fillRect l="-18421" t="-7407" r="-10526" b="-11111"/>
+                  </a:stretch>
+                </a:blipFill>
+                <a:ln>
+                  <a:noFill/>
+                </a:ln>
+              </p:spPr>
+              <p:txBody>
+                <a:bodyPr/>
+                <a:lstStyle/>
+                <a:p>
+                  <a:r>
+                    <a:rPr lang="ja-JP" altLang="en-US">
+                      <a:noFill/>
+                    </a:rPr>
+                    <a:t> </a:t>
+                  </a:r>
+                </a:p>
+              </p:txBody>
+            </p:sp>
+          </mc:Fallback>
+        </mc:AlternateContent>
+        <mc:AlternateContent xmlns:mc="http://schemas.openxmlformats.org/markup-compatibility/2006">
+          <mc:Choice xmlns:a14="http://schemas.microsoft.com/office/drawing/2010/main" Requires="a14">
+            <p:sp>
+              <p:nvSpPr>
+                <p:cNvPr id="41" name="テキスト ボックス 40">
+                  <a:extLst>
+                    <a:ext uri="{FF2B5EF4-FFF2-40B4-BE49-F238E27FC236}">
+                      <a16:creationId xmlns:a16="http://schemas.microsoft.com/office/drawing/2014/main" id="{A95BC610-C491-46FA-9AB5-CCB7523AFFF5}"/>
+                    </a:ext>
+                  </a:extLst>
+                </p:cNvPr>
+                <p:cNvSpPr txBox="1"/>
+                <p:nvPr/>
+              </p:nvSpPr>
+              <p:spPr>
+                <a:xfrm>
+                  <a:off x="1938255" y="2640942"/>
+                  <a:ext cx="113814" cy="153888"/>
+                </a:xfrm>
+                <a:prstGeom prst="rect">
+                  <a:avLst/>
+                </a:prstGeom>
+                <a:noFill/>
+                <a:ln>
+                  <a:noFill/>
+                </a:ln>
+              </p:spPr>
+              <p:txBody>
+                <a:bodyPr wrap="none" lIns="0" tIns="0" rIns="0" bIns="0" rtlCol="0">
+                  <a:spAutoFit/>
+                </a:bodyPr>
+                <a:lstStyle/>
+                <a:p>
+                  <a:pPr/>
+                  <a14:m>
+                    <m:oMathPara xmlns:m="http://schemas.openxmlformats.org/officeDocument/2006/math">
+                      <m:oMathParaPr>
+                        <m:jc m:val="centerGroup"/>
+                      </m:oMathParaPr>
+                      <m:oMath xmlns:m="http://schemas.openxmlformats.org/officeDocument/2006/math">
+                        <m:r>
+                          <a:rPr lang="en-US" altLang="ja-JP" sz="1000" b="1" i="1" smtClean="0">
+                            <a:solidFill>
+                              <a:schemeClr val="tx1"/>
+                            </a:solidFill>
+                            <a:latin typeface="Cambria Math" panose="02040503050406030204" pitchFamily="18" charset="0"/>
+                            <a:ea typeface="Cambria Math" panose="02040503050406030204" pitchFamily="18" charset="0"/>
+                          </a:rPr>
+                          <m:t>𝒈</m:t>
+                        </m:r>
+                      </m:oMath>
+                    </m:oMathPara>
+                  </a14:m>
+                  <a:endParaRPr lang="ja-JP" altLang="en-US" sz="1000" b="1" dirty="0">
+                    <a:solidFill>
+                      <a:schemeClr val="tx1"/>
+                    </a:solidFill>
+                    <a:latin typeface="Cambria Math" panose="02040503050406030204" pitchFamily="18" charset="0"/>
+                  </a:endParaRPr>
+                </a:p>
+              </p:txBody>
+            </p:sp>
+          </mc:Choice>
+          <mc:Fallback>
+            <p:sp>
+              <p:nvSpPr>
+                <p:cNvPr id="41" name="テキスト ボックス 40">
+                  <a:extLst>
+                    <a:ext uri="{FF2B5EF4-FFF2-40B4-BE49-F238E27FC236}">
+                      <a16:creationId xmlns:a16="http://schemas.microsoft.com/office/drawing/2014/main" id="{A95BC610-C491-46FA-9AB5-CCB7523AFFF5}"/>
+                    </a:ext>
+                  </a:extLst>
+                </p:cNvPr>
+                <p:cNvSpPr txBox="1">
+                  <a:spLocks noRot="1" noChangeAspect="1" noMove="1" noResize="1" noEditPoints="1" noAdjustHandles="1" noChangeArrowheads="1" noChangeShapeType="1" noTextEdit="1"/>
+                </p:cNvSpPr>
+                <p:nvPr/>
+              </p:nvSpPr>
+              <p:spPr>
+                <a:xfrm>
+                  <a:off x="1938255" y="2640942"/>
+                  <a:ext cx="113814" cy="153888"/>
+                </a:xfrm>
+                <a:prstGeom prst="rect">
+                  <a:avLst/>
+                </a:prstGeom>
+                <a:blipFill>
+                  <a:blip r:embed="rId9"/>
+                  <a:stretch>
+                    <a:fillRect l="-33333" r="-27778" b="-23077"/>
+                  </a:stretch>
+                </a:blipFill>
+                <a:ln>
+                  <a:noFill/>
+                </a:ln>
+              </p:spPr>
+              <p:txBody>
+                <a:bodyPr/>
+                <a:lstStyle/>
+                <a:p>
+                  <a:r>
+                    <a:rPr lang="ja-JP" altLang="en-US">
+                      <a:noFill/>
+                    </a:rPr>
+                    <a:t> </a:t>
+                  </a:r>
+                </a:p>
+              </p:txBody>
+            </p:sp>
+          </mc:Fallback>
+        </mc:AlternateContent>
+        <p:cxnSp>
+          <p:nvCxnSpPr>
+            <p:cNvPr id="27" name="直線矢印コネクタ 26">
+              <a:extLst>
+                <a:ext uri="{FF2B5EF4-FFF2-40B4-BE49-F238E27FC236}">
+                  <a16:creationId xmlns:a16="http://schemas.microsoft.com/office/drawing/2014/main" id="{CE2A5DD9-2BA9-4338-A0A1-0D8A0B6BEA47}"/>
+                </a:ext>
+              </a:extLst>
+            </p:cNvPr>
+            <p:cNvCxnSpPr>
+              <a:cxnSpLocks/>
+            </p:cNvCxnSpPr>
+            <p:nvPr/>
+          </p:nvCxnSpPr>
+          <p:spPr>
+            <a:xfrm flipH="1">
+              <a:off x="832623" y="1512924"/>
+              <a:ext cx="966986" cy="1442937"/>
+            </a:xfrm>
+            <a:prstGeom prst="straightConnector1">
+              <a:avLst/>
+            </a:prstGeom>
+            <a:ln w="12700">
+              <a:solidFill>
+                <a:schemeClr val="tx1"/>
+              </a:solidFill>
+              <a:tailEnd type="arrow" w="sm" len="sm"/>
+            </a:ln>
+          </p:spPr>
+          <p:style>
+            <a:lnRef idx="1">
+              <a:schemeClr val="accent1"/>
+            </a:lnRef>
+            <a:fillRef idx="0">
+              <a:schemeClr val="accent1"/>
+            </a:fillRef>
+            <a:effectRef idx="0">
+              <a:schemeClr val="accent1"/>
+            </a:effectRef>
+            <a:fontRef idx="minor">
+              <a:schemeClr val="tx1"/>
+            </a:fontRef>
+          </p:style>
+        </p:cxnSp>
+        <mc:AlternateContent xmlns:mc="http://schemas.openxmlformats.org/markup-compatibility/2006">
+          <mc:Choice xmlns:a14="http://schemas.microsoft.com/office/drawing/2010/main" Requires="a14">
+            <p:sp>
+              <p:nvSpPr>
+                <p:cNvPr id="52" name="テキスト ボックス 51">
+                  <a:extLst>
+                    <a:ext uri="{FF2B5EF4-FFF2-40B4-BE49-F238E27FC236}">
+                      <a16:creationId xmlns:a16="http://schemas.microsoft.com/office/drawing/2014/main" id="{8D4E78E7-0BD8-4DC1-A433-0F725E09B700}"/>
+                    </a:ext>
+                  </a:extLst>
+                </p:cNvPr>
+                <p:cNvSpPr txBox="1"/>
+                <p:nvPr/>
+              </p:nvSpPr>
+              <p:spPr>
+                <a:xfrm>
+                  <a:off x="636592" y="853524"/>
+                  <a:ext cx="160300" cy="153888"/>
+                </a:xfrm>
+                <a:prstGeom prst="rect">
+                  <a:avLst/>
+                </a:prstGeom>
+                <a:noFill/>
+                <a:ln>
+                  <a:noFill/>
+                </a:ln>
+              </p:spPr>
+              <p:txBody>
+                <a:bodyPr wrap="square" lIns="0" tIns="0" rIns="0" bIns="0" rtlCol="0">
+                  <a:spAutoFit/>
+                </a:bodyPr>
+                <a:lstStyle/>
+                <a:p>
+                  <a:pPr/>
+                  <a14:m>
+                    <m:oMathPara xmlns:m="http://schemas.openxmlformats.org/officeDocument/2006/math">
+                      <m:oMathParaPr>
+                        <m:jc m:val="centerGroup"/>
+                      </m:oMathParaPr>
+                      <m:oMath xmlns:m="http://schemas.openxmlformats.org/officeDocument/2006/math">
+                        <m:r>
+                          <a:rPr lang="en-US" altLang="ja-JP" sz="1000" b="1" i="1" smtClean="0">
+                            <a:latin typeface="Cambria Math" panose="02040503050406030204" pitchFamily="18" charset="0"/>
+                            <a:ea typeface="Cambria Math" panose="02040503050406030204" pitchFamily="18" charset="0"/>
+                          </a:rPr>
+                          <m:t>𝒏</m:t>
+                        </m:r>
+                      </m:oMath>
+                    </m:oMathPara>
+                  </a14:m>
+                  <a:endParaRPr lang="ja-JP" altLang="en-US" sz="1000" b="1" dirty="0">
+                    <a:latin typeface="Cambria Math" panose="02040503050406030204" pitchFamily="18" charset="0"/>
+                  </a:endParaRPr>
+                </a:p>
+              </p:txBody>
+            </p:sp>
+          </mc:Choice>
+          <mc:Fallback>
+            <p:sp>
+              <p:nvSpPr>
+                <p:cNvPr id="52" name="テキスト ボックス 51">
+                  <a:extLst>
+                    <a:ext uri="{FF2B5EF4-FFF2-40B4-BE49-F238E27FC236}">
+                      <a16:creationId xmlns:a16="http://schemas.microsoft.com/office/drawing/2014/main" id="{8D4E78E7-0BD8-4DC1-A433-0F725E09B700}"/>
+                    </a:ext>
+                  </a:extLst>
+                </p:cNvPr>
+                <p:cNvSpPr txBox="1">
+                  <a:spLocks noRot="1" noChangeAspect="1" noMove="1" noResize="1" noEditPoints="1" noAdjustHandles="1" noChangeArrowheads="1" noChangeShapeType="1" noTextEdit="1"/>
+                </p:cNvSpPr>
+                <p:nvPr/>
+              </p:nvSpPr>
+              <p:spPr>
+                <a:xfrm>
+                  <a:off x="636592" y="853524"/>
+                  <a:ext cx="160300" cy="153888"/>
+                </a:xfrm>
+                <a:prstGeom prst="rect">
+                  <a:avLst/>
+                </a:prstGeom>
+                <a:blipFill>
+                  <a:blip r:embed="rId10"/>
+                  <a:stretch>
+                    <a:fillRect b="-4000"/>
+                  </a:stretch>
+                </a:blipFill>
+                <a:ln>
+                  <a:noFill/>
+                </a:ln>
+              </p:spPr>
+              <p:txBody>
+                <a:bodyPr/>
+                <a:lstStyle/>
+                <a:p>
+                  <a:r>
+                    <a:rPr lang="ja-JP" altLang="en-US">
+                      <a:noFill/>
+                    </a:rPr>
+                    <a:t> </a:t>
+                  </a:r>
+                </a:p>
+              </p:txBody>
+            </p:sp>
+          </mc:Fallback>
+        </mc:AlternateContent>
+        <p:cxnSp>
+          <p:nvCxnSpPr>
+            <p:cNvPr id="56" name="直線矢印コネクタ 55">
+              <a:extLst>
+                <a:ext uri="{FF2B5EF4-FFF2-40B4-BE49-F238E27FC236}">
+                  <a16:creationId xmlns:a16="http://schemas.microsoft.com/office/drawing/2014/main" id="{9CE8D7EC-C768-4CF6-A5AE-1B2E0D6880B5}"/>
+                </a:ext>
+              </a:extLst>
+            </p:cNvPr>
+            <p:cNvCxnSpPr>
+              <a:cxnSpLocks/>
+            </p:cNvCxnSpPr>
+            <p:nvPr/>
+          </p:nvCxnSpPr>
+          <p:spPr>
+            <a:xfrm>
+              <a:off x="3181105" y="1279730"/>
+              <a:ext cx="338468" cy="0"/>
+            </a:xfrm>
+            <a:prstGeom prst="straightConnector1">
+              <a:avLst/>
+            </a:prstGeom>
+            <a:ln w="12700">
+              <a:solidFill>
+                <a:schemeClr val="tx1"/>
+              </a:solidFill>
+              <a:tailEnd type="arrow" w="sm" len="sm"/>
+            </a:ln>
+          </p:spPr>
+          <p:style>
+            <a:lnRef idx="1">
+              <a:schemeClr val="accent1"/>
+            </a:lnRef>
+            <a:fillRef idx="0">
+              <a:schemeClr val="accent1"/>
+            </a:fillRef>
+            <a:effectRef idx="0">
+              <a:schemeClr val="accent1"/>
+            </a:effectRef>
+            <a:fontRef idx="minor">
+              <a:schemeClr val="tx1"/>
+            </a:fontRef>
+          </p:style>
+        </p:cxnSp>
+        <p:cxnSp>
+          <p:nvCxnSpPr>
+            <p:cNvPr id="58" name="直線矢印コネクタ 57">
+              <a:extLst>
+                <a:ext uri="{FF2B5EF4-FFF2-40B4-BE49-F238E27FC236}">
+                  <a16:creationId xmlns:a16="http://schemas.microsoft.com/office/drawing/2014/main" id="{48A99E37-9E81-4655-959A-D0AFB6FE41A2}"/>
+                </a:ext>
+              </a:extLst>
+            </p:cNvPr>
+            <p:cNvCxnSpPr>
+              <a:cxnSpLocks/>
+            </p:cNvCxnSpPr>
+            <p:nvPr/>
+          </p:nvCxnSpPr>
+          <p:spPr>
+            <a:xfrm flipH="1">
+              <a:off x="3181106" y="1484567"/>
+              <a:ext cx="338467" cy="0"/>
+            </a:xfrm>
+            <a:prstGeom prst="straightConnector1">
+              <a:avLst/>
+            </a:prstGeom>
+            <a:ln w="12700">
+              <a:solidFill>
+                <a:schemeClr val="tx1"/>
+              </a:solidFill>
+              <a:prstDash val="sysDot"/>
+              <a:headEnd type="triangle" w="med" len="med"/>
+              <a:tailEnd type="none" w="lg" len="med"/>
+            </a:ln>
+          </p:spPr>
+          <p:style>
+            <a:lnRef idx="1">
+              <a:schemeClr val="accent1"/>
+            </a:lnRef>
+            <a:fillRef idx="0">
+              <a:schemeClr val="accent1"/>
+            </a:fillRef>
+            <a:effectRef idx="0">
+              <a:schemeClr val="accent1"/>
+            </a:effectRef>
+            <a:fontRef idx="minor">
+              <a:schemeClr val="tx1"/>
+            </a:fontRef>
+          </p:style>
+        </p:cxnSp>
+        <mc:AlternateContent xmlns:mc="http://schemas.openxmlformats.org/markup-compatibility/2006">
+          <mc:Choice xmlns:a14="http://schemas.microsoft.com/office/drawing/2010/main" Requires="a14">
+            <p:sp>
+              <p:nvSpPr>
+                <p:cNvPr id="61" name="テキスト ボックス 60">
+                  <a:extLst>
+                    <a:ext uri="{FF2B5EF4-FFF2-40B4-BE49-F238E27FC236}">
+                      <a16:creationId xmlns:a16="http://schemas.microsoft.com/office/drawing/2014/main" id="{DB4C868C-0D1D-4074-9009-94C027D5CBA7}"/>
+                    </a:ext>
+                  </a:extLst>
+                </p:cNvPr>
+                <p:cNvSpPr txBox="1"/>
+                <p:nvPr/>
+              </p:nvSpPr>
+              <p:spPr>
+                <a:xfrm>
+                  <a:off x="3560054" y="1193121"/>
+                  <a:ext cx="511720" cy="153888"/>
+                </a:xfrm>
+                <a:prstGeom prst="rect">
+                  <a:avLst/>
+                </a:prstGeom>
+                <a:noFill/>
+                <a:ln>
+                  <a:noFill/>
+                </a:ln>
+              </p:spPr>
+              <p:txBody>
+                <a:bodyPr wrap="square" lIns="0" tIns="0" rIns="0" bIns="0" rtlCol="0">
+                  <a:spAutoFit/>
+                </a:bodyPr>
+                <a:lstStyle/>
+                <a:p>
+                  <a:pPr/>
+                  <a14:m>
+                    <m:oMathPara xmlns:m="http://schemas.openxmlformats.org/officeDocument/2006/math">
+                      <m:oMathParaPr>
+                        <m:jc m:val="left"/>
+                      </m:oMathParaPr>
+                      <m:oMath xmlns:m="http://schemas.openxmlformats.org/officeDocument/2006/math">
+                        <m:r>
+                          <a:rPr lang="en-US" altLang="ja-JP" sz="1000" b="1" i="1" smtClean="0">
+                            <a:solidFill>
+                              <a:schemeClr val="tx1"/>
+                            </a:solidFill>
+                            <a:latin typeface="Cambria Math" panose="02040503050406030204" pitchFamily="18" charset="0"/>
+                            <a:ea typeface="Cambria Math" panose="02040503050406030204" pitchFamily="18" charset="0"/>
+                          </a:rPr>
+                          <m:t>𝑽𝒆𝒄𝒕𝒐𝒓</m:t>
+                        </m:r>
+                      </m:oMath>
+                    </m:oMathPara>
+                  </a14:m>
+                  <a:endParaRPr lang="ja-JP" altLang="en-US" sz="1000" b="1" dirty="0">
+                    <a:solidFill>
+                      <a:schemeClr val="tx1"/>
+                    </a:solidFill>
+                    <a:latin typeface="Cambria Math" panose="02040503050406030204" pitchFamily="18" charset="0"/>
+                  </a:endParaRPr>
+                </a:p>
+              </p:txBody>
+            </p:sp>
+          </mc:Choice>
+          <mc:Fallback>
+            <p:sp>
+              <p:nvSpPr>
+                <p:cNvPr id="61" name="テキスト ボックス 60">
+                  <a:extLst>
+                    <a:ext uri="{FF2B5EF4-FFF2-40B4-BE49-F238E27FC236}">
+                      <a16:creationId xmlns:a16="http://schemas.microsoft.com/office/drawing/2014/main" id="{DB4C868C-0D1D-4074-9009-94C027D5CBA7}"/>
+                    </a:ext>
+                  </a:extLst>
+                </p:cNvPr>
+                <p:cNvSpPr txBox="1">
+                  <a:spLocks noRot="1" noChangeAspect="1" noMove="1" noResize="1" noEditPoints="1" noAdjustHandles="1" noChangeArrowheads="1" noChangeShapeType="1" noTextEdit="1"/>
+                </p:cNvSpPr>
+                <p:nvPr/>
+              </p:nvSpPr>
+              <p:spPr>
+                <a:xfrm>
+                  <a:off x="3560054" y="1193121"/>
+                  <a:ext cx="511720" cy="153888"/>
+                </a:xfrm>
+                <a:prstGeom prst="rect">
+                  <a:avLst/>
+                </a:prstGeom>
+                <a:blipFill>
+                  <a:blip r:embed="rId11"/>
+                  <a:stretch>
+                    <a:fillRect l="-9524" b="-8000"/>
+                  </a:stretch>
+                </a:blipFill>
+                <a:ln>
+                  <a:noFill/>
+                </a:ln>
+              </p:spPr>
+              <p:txBody>
+                <a:bodyPr/>
+                <a:lstStyle/>
+                <a:p>
+                  <a:r>
+                    <a:rPr lang="ja-JP" altLang="en-US">
+                      <a:noFill/>
+                    </a:rPr>
+                    <a:t> </a:t>
+                  </a:r>
+                </a:p>
+              </p:txBody>
+            </p:sp>
+          </mc:Fallback>
+        </mc:AlternateContent>
+        <mc:AlternateContent xmlns:mc="http://schemas.openxmlformats.org/markup-compatibility/2006">
+          <mc:Choice xmlns:a14="http://schemas.microsoft.com/office/drawing/2010/main" Requires="a14">
+            <p:sp>
+              <p:nvSpPr>
+                <p:cNvPr id="62" name="テキスト ボックス 61">
+                  <a:extLst>
+                    <a:ext uri="{FF2B5EF4-FFF2-40B4-BE49-F238E27FC236}">
+                      <a16:creationId xmlns:a16="http://schemas.microsoft.com/office/drawing/2014/main" id="{CCE33668-F29A-4942-A1E2-F2829D67A914}"/>
+                    </a:ext>
+                  </a:extLst>
+                </p:cNvPr>
+                <p:cNvSpPr txBox="1"/>
+                <p:nvPr/>
+              </p:nvSpPr>
+              <p:spPr>
+                <a:xfrm>
+                  <a:off x="3560054" y="1407623"/>
+                  <a:ext cx="469794" cy="153888"/>
+                </a:xfrm>
+                <a:prstGeom prst="rect">
+                  <a:avLst/>
+                </a:prstGeom>
+                <a:noFill/>
+                <a:ln>
+                  <a:noFill/>
+                </a:ln>
+              </p:spPr>
+              <p:txBody>
+                <a:bodyPr wrap="square" lIns="0" tIns="0" rIns="0" bIns="0" rtlCol="0">
+                  <a:spAutoFit/>
+                </a:bodyPr>
+                <a:lstStyle/>
+                <a:p>
+                  <a:pPr/>
+                  <a14:m>
+                    <m:oMathPara xmlns:m="http://schemas.openxmlformats.org/officeDocument/2006/math">
+                      <m:oMathParaPr>
+                        <m:jc m:val="left"/>
+                      </m:oMathParaPr>
+                      <m:oMath xmlns:m="http://schemas.openxmlformats.org/officeDocument/2006/math">
+                        <m:r>
+                          <a:rPr lang="en-US" altLang="ja-JP" sz="1000" b="0" i="1" smtClean="0">
+                            <a:solidFill>
+                              <a:schemeClr val="tx1"/>
+                            </a:solidFill>
+                            <a:latin typeface="Cambria Math" panose="02040503050406030204" pitchFamily="18" charset="0"/>
+                            <a:ea typeface="Cambria Math" panose="02040503050406030204" pitchFamily="18" charset="0"/>
+                          </a:rPr>
+                          <m:t>𝑆𝑐𝑎𝑙𝑎𝑟</m:t>
+                        </m:r>
+                      </m:oMath>
+                    </m:oMathPara>
+                  </a14:m>
+                  <a:endParaRPr lang="ja-JP" altLang="en-US" sz="1000" dirty="0">
+                    <a:solidFill>
+                      <a:schemeClr val="tx1"/>
+                    </a:solidFill>
+                    <a:latin typeface="Cambria Math" panose="02040503050406030204" pitchFamily="18" charset="0"/>
+                  </a:endParaRPr>
+                </a:p>
+              </p:txBody>
+            </p:sp>
+          </mc:Choice>
+          <mc:Fallback>
+            <p:sp>
+              <p:nvSpPr>
+                <p:cNvPr id="62" name="テキスト ボックス 61">
+                  <a:extLst>
+                    <a:ext uri="{FF2B5EF4-FFF2-40B4-BE49-F238E27FC236}">
+                      <a16:creationId xmlns:a16="http://schemas.microsoft.com/office/drawing/2014/main" id="{CCE33668-F29A-4942-A1E2-F2829D67A914}"/>
+                    </a:ext>
+                  </a:extLst>
+                </p:cNvPr>
+                <p:cNvSpPr txBox="1">
+                  <a:spLocks noRot="1" noChangeAspect="1" noMove="1" noResize="1" noEditPoints="1" noAdjustHandles="1" noChangeArrowheads="1" noChangeShapeType="1" noTextEdit="1"/>
+                </p:cNvSpPr>
+                <p:nvPr/>
+              </p:nvSpPr>
+              <p:spPr>
+                <a:xfrm>
+                  <a:off x="3560054" y="1407623"/>
+                  <a:ext cx="469794" cy="153888"/>
+                </a:xfrm>
+                <a:prstGeom prst="rect">
+                  <a:avLst/>
+                </a:prstGeom>
+                <a:blipFill>
+                  <a:blip r:embed="rId12"/>
+                  <a:stretch>
+                    <a:fillRect l="-10390" b="-12000"/>
+                  </a:stretch>
+                </a:blipFill>
+                <a:ln>
+                  <a:noFill/>
+                </a:ln>
+              </p:spPr>
+              <p:txBody>
+                <a:bodyPr/>
+                <a:lstStyle/>
+                <a:p>
+                  <a:r>
+                    <a:rPr lang="ja-JP" altLang="en-US">
+                      <a:noFill/>
+                    </a:rPr>
+                    <a:t> </a:t>
+                  </a:r>
+                </a:p>
+              </p:txBody>
+            </p:sp>
+          </mc:Fallback>
+        </mc:AlternateContent>
+        <mc:AlternateContent xmlns:mc="http://schemas.openxmlformats.org/markup-compatibility/2006">
+          <mc:Choice xmlns:a14="http://schemas.microsoft.com/office/drawing/2010/main" Requires="a14">
+            <p:sp>
+              <p:nvSpPr>
+                <p:cNvPr id="66" name="テキスト ボックス 65">
+                  <a:extLst>
+                    <a:ext uri="{FF2B5EF4-FFF2-40B4-BE49-F238E27FC236}">
+                      <a16:creationId xmlns:a16="http://schemas.microsoft.com/office/drawing/2014/main" id="{7E0AAEFC-53F0-4840-AB8F-978378A1ED26}"/>
+                    </a:ext>
+                  </a:extLst>
+                </p:cNvPr>
+                <p:cNvSpPr txBox="1"/>
+                <p:nvPr/>
+              </p:nvSpPr>
+              <p:spPr>
+                <a:xfrm>
+                  <a:off x="2890207" y="2115067"/>
+                  <a:ext cx="147861" cy="291618"/>
+                </a:xfrm>
+                <a:prstGeom prst="rect">
+                  <a:avLst/>
+                </a:prstGeom>
+                <a:noFill/>
+                <a:ln>
+                  <a:noFill/>
+                </a:ln>
+              </p:spPr>
+              <p:txBody>
+                <a:bodyPr wrap="none" lIns="0" tIns="0" rIns="0" bIns="0" rtlCol="0">
+                  <a:spAutoFit/>
+                </a:bodyPr>
+                <a:lstStyle/>
+                <a:p>
+                  <a:pPr/>
+                  <a14:m>
+                    <m:oMathPara xmlns:m="http://schemas.openxmlformats.org/officeDocument/2006/math">
+                      <m:oMathParaPr>
+                        <m:jc m:val="centerGroup"/>
+                      </m:oMathParaPr>
+                      <m:oMath xmlns:m="http://schemas.openxmlformats.org/officeDocument/2006/math">
+                        <m:f>
+                          <m:fPr>
+                            <m:ctrlPr>
+                              <a:rPr lang="en-US" altLang="ja-JP" sz="1000" b="0" i="1" smtClean="0">
+                                <a:solidFill>
+                                  <a:schemeClr val="tx1"/>
+                                </a:solidFill>
+                                <a:latin typeface="Cambria Math" panose="02040503050406030204" pitchFamily="18" charset="0"/>
+                                <a:ea typeface="Cambria Math" panose="02040503050406030204" pitchFamily="18" charset="0"/>
+                              </a:rPr>
+                            </m:ctrlPr>
+                          </m:fPr>
+                          <m:num>
+                            <m:sSub>
+                              <m:sSubPr>
+                                <m:ctrlPr>
+                                  <a:rPr lang="en-US" altLang="ja-JP" sz="1000" i="1" smtClean="0">
+                                    <a:solidFill>
+                                      <a:schemeClr val="tx1"/>
+                                    </a:solidFill>
+                                    <a:latin typeface="Cambria Math" panose="02040503050406030204" pitchFamily="18" charset="0"/>
+                                    <a:ea typeface="Cambria Math" panose="02040503050406030204" pitchFamily="18" charset="0"/>
+                                  </a:rPr>
+                                </m:ctrlPr>
+                              </m:sSubPr>
+                              <m:e>
+                                <m:r>
+                                  <a:rPr lang="en-US" altLang="ja-JP" sz="1000" b="0" i="1" smtClean="0">
+                                    <a:solidFill>
+                                      <a:schemeClr val="tx1"/>
+                                    </a:solidFill>
+                                    <a:latin typeface="Cambria Math" panose="02040503050406030204" pitchFamily="18" charset="0"/>
+                                    <a:ea typeface="Cambria Math" panose="02040503050406030204" pitchFamily="18" charset="0"/>
+                                  </a:rPr>
+                                  <m:t>𝑃</m:t>
+                                </m:r>
+                              </m:e>
+                              <m:sub>
+                                <m:r>
+                                  <a:rPr lang="en-US" altLang="ja-JP" sz="1000" b="0" i="1" smtClean="0">
+                                    <a:solidFill>
+                                      <a:schemeClr val="tx1"/>
+                                    </a:solidFill>
+                                    <a:latin typeface="Cambria Math" panose="02040503050406030204" pitchFamily="18" charset="0"/>
+                                    <a:ea typeface="Cambria Math" panose="02040503050406030204" pitchFamily="18" charset="0"/>
+                                  </a:rPr>
+                                  <m:t>𝑔</m:t>
+                                </m:r>
+                              </m:sub>
+                            </m:sSub>
+                          </m:num>
+                          <m:den>
+                            <m:r>
+                              <a:rPr lang="en-US" altLang="ja-JP" sz="1000" b="0" i="1" smtClean="0">
+                                <a:solidFill>
+                                  <a:schemeClr val="tx1"/>
+                                </a:solidFill>
+                                <a:latin typeface="Cambria Math" panose="02040503050406030204" pitchFamily="18" charset="0"/>
+                                <a:ea typeface="Cambria Math" panose="02040503050406030204" pitchFamily="18" charset="0"/>
+                              </a:rPr>
+                              <m:t>2</m:t>
+                            </m:r>
+                          </m:den>
+                        </m:f>
+                      </m:oMath>
+                    </m:oMathPara>
+                  </a14:m>
+                  <a:endParaRPr lang="ja-JP" altLang="en-US" sz="1000" dirty="0">
+                    <a:solidFill>
+                      <a:schemeClr val="tx1"/>
+                    </a:solidFill>
+                    <a:latin typeface="Cambria Math" panose="02040503050406030204" pitchFamily="18" charset="0"/>
+                  </a:endParaRPr>
+                </a:p>
+              </p:txBody>
+            </p:sp>
+          </mc:Choice>
+          <mc:Fallback>
+            <p:sp>
+              <p:nvSpPr>
+                <p:cNvPr id="66" name="テキスト ボックス 65">
+                  <a:extLst>
+                    <a:ext uri="{FF2B5EF4-FFF2-40B4-BE49-F238E27FC236}">
+                      <a16:creationId xmlns:a16="http://schemas.microsoft.com/office/drawing/2014/main" id="{7E0AAEFC-53F0-4840-AB8F-978378A1ED26}"/>
+                    </a:ext>
+                  </a:extLst>
+                </p:cNvPr>
+                <p:cNvSpPr txBox="1">
+                  <a:spLocks noRot="1" noChangeAspect="1" noMove="1" noResize="1" noEditPoints="1" noAdjustHandles="1" noChangeArrowheads="1" noChangeShapeType="1" noTextEdit="1"/>
+                </p:cNvSpPr>
+                <p:nvPr/>
+              </p:nvSpPr>
+              <p:spPr>
+                <a:xfrm>
+                  <a:off x="2890207" y="2115067"/>
+                  <a:ext cx="147861" cy="291618"/>
+                </a:xfrm>
+                <a:prstGeom prst="rect">
+                  <a:avLst/>
+                </a:prstGeom>
+                <a:blipFill>
+                  <a:blip r:embed="rId13"/>
+                  <a:stretch>
+                    <a:fillRect l="-25000" t="-2083" r="-4167" b="-14583"/>
+                  </a:stretch>
+                </a:blipFill>
+                <a:ln>
+                  <a:noFill/>
+                </a:ln>
+              </p:spPr>
+              <p:txBody>
+                <a:bodyPr/>
+                <a:lstStyle/>
+                <a:p>
+                  <a:r>
+                    <a:rPr lang="ja-JP" altLang="en-US">
+                      <a:noFill/>
+                    </a:rPr>
+                    <a:t> </a:t>
+                  </a:r>
+                </a:p>
+              </p:txBody>
+            </p:sp>
+          </mc:Fallback>
+        </mc:AlternateContent>
+      </p:grpSp>
+      <p:sp>
+        <p:nvSpPr>
+          <p:cNvPr id="124" name="フリーフォーム: 図形 123">
+            <a:extLst>
+              <a:ext uri="{FF2B5EF4-FFF2-40B4-BE49-F238E27FC236}">
+                <a16:creationId xmlns:a16="http://schemas.microsoft.com/office/drawing/2014/main" id="{C92027DA-CE95-4C2F-93D0-0D7AFDCE56B8}"/>
+              </a:ext>
+            </a:extLst>
+          </p:cNvPr>
+          <p:cNvSpPr/>
+          <p:nvPr/>
+        </p:nvSpPr>
+        <p:spPr>
+          <a:xfrm>
+            <a:off x="2135055" y="2329006"/>
+            <a:ext cx="82842" cy="76755"/>
+          </a:xfrm>
+          <a:custGeom>
+            <a:avLst/>
+            <a:gdLst>
+              <a:gd name="connsiteX0" fmla="*/ 195263 w 195263"/>
+              <a:gd name="connsiteY0" fmla="*/ 0 h 235744"/>
+              <a:gd name="connsiteX1" fmla="*/ 195263 w 195263"/>
+              <a:gd name="connsiteY1" fmla="*/ 235744 h 235744"/>
+              <a:gd name="connsiteX2" fmla="*/ 0 w 195263"/>
+              <a:gd name="connsiteY2" fmla="*/ 235744 h 235744"/>
+            </a:gdLst>
+            <a:ahLst/>
+            <a:cxnLst>
+              <a:cxn ang="0">
+                <a:pos x="connsiteX0" y="connsiteY0"/>
+              </a:cxn>
+              <a:cxn ang="0">
+                <a:pos x="connsiteX1" y="connsiteY1"/>
+              </a:cxn>
+              <a:cxn ang="0">
+                <a:pos x="connsiteX2" y="connsiteY2"/>
+              </a:cxn>
+            </a:cxnLst>
+            <a:rect l="l" t="t" r="r" b="b"/>
+            <a:pathLst>
+              <a:path w="195263" h="235744">
+                <a:moveTo>
+                  <a:pt x="195263" y="0"/>
+                </a:moveTo>
+                <a:lnTo>
+                  <a:pt x="195263" y="235744"/>
+                </a:lnTo>
+                <a:lnTo>
+                  <a:pt x="0" y="235744"/>
+                </a:lnTo>
+              </a:path>
+            </a:pathLst>
+          </a:custGeom>
+          <a:noFill/>
+          <a:ln>
+            <a:solidFill>
+              <a:schemeClr val="tx1"/>
+            </a:solidFill>
+          </a:ln>
+        </p:spPr>
+        <p:style>
+          <a:lnRef idx="2">
+            <a:schemeClr val="accent1">
+              <a:shade val="50000"/>
+            </a:schemeClr>
+          </a:lnRef>
+          <a:fillRef idx="1">
+            <a:schemeClr val="accent1"/>
+          </a:fillRef>
+          <a:effectRef idx="0">
+            <a:schemeClr val="accent1"/>
+          </a:effectRef>
+          <a:fontRef idx="minor">
+            <a:schemeClr val="lt1"/>
+          </a:fontRef>
+        </p:style>
+        <p:txBody>
+          <a:bodyPr rtlCol="0" anchor="ctr"/>
+          <a:lstStyle/>
+          <a:p>
+            <a:pPr algn="ctr"/>
+            <a:endParaRPr kumimoji="1" lang="ja-JP" altLang="en-US"/>
+          </a:p>
+        </p:txBody>
+      </p:sp>
+      <p:sp>
+        <p:nvSpPr>
+          <p:cNvPr id="126" name="フリーフォーム: 図形 125">
+            <a:extLst>
+              <a:ext uri="{FF2B5EF4-FFF2-40B4-BE49-F238E27FC236}">
+                <a16:creationId xmlns:a16="http://schemas.microsoft.com/office/drawing/2014/main" id="{4A572DD1-30D4-4187-9863-402455D311ED}"/>
+              </a:ext>
+            </a:extLst>
+          </p:cNvPr>
+          <p:cNvSpPr/>
+          <p:nvPr/>
+        </p:nvSpPr>
+        <p:spPr>
+          <a:xfrm>
+            <a:off x="3124213" y="2329006"/>
+            <a:ext cx="82842" cy="76755"/>
+          </a:xfrm>
+          <a:custGeom>
+            <a:avLst/>
+            <a:gdLst>
+              <a:gd name="connsiteX0" fmla="*/ 195263 w 195263"/>
+              <a:gd name="connsiteY0" fmla="*/ 0 h 235744"/>
+              <a:gd name="connsiteX1" fmla="*/ 195263 w 195263"/>
+              <a:gd name="connsiteY1" fmla="*/ 235744 h 235744"/>
+              <a:gd name="connsiteX2" fmla="*/ 0 w 195263"/>
+              <a:gd name="connsiteY2" fmla="*/ 235744 h 235744"/>
+            </a:gdLst>
+            <a:ahLst/>
+            <a:cxnLst>
+              <a:cxn ang="0">
+                <a:pos x="connsiteX0" y="connsiteY0"/>
+              </a:cxn>
+              <a:cxn ang="0">
+                <a:pos x="connsiteX1" y="connsiteY1"/>
+              </a:cxn>
+              <a:cxn ang="0">
+                <a:pos x="connsiteX2" y="connsiteY2"/>
+              </a:cxn>
+            </a:cxnLst>
+            <a:rect l="l" t="t" r="r" b="b"/>
+            <a:pathLst>
+              <a:path w="195263" h="235744">
+                <a:moveTo>
+                  <a:pt x="195263" y="0"/>
+                </a:moveTo>
+                <a:lnTo>
+                  <a:pt x="195263" y="235744"/>
+                </a:lnTo>
+                <a:lnTo>
+                  <a:pt x="0" y="235744"/>
+                </a:lnTo>
+              </a:path>
+            </a:pathLst>
+          </a:custGeom>
+          <a:noFill/>
+          <a:ln>
+            <a:solidFill>
+              <a:schemeClr val="tx1"/>
+            </a:solidFill>
+          </a:ln>
+        </p:spPr>
+        <p:style>
+          <a:lnRef idx="2">
+            <a:schemeClr val="accent1">
+              <a:shade val="50000"/>
+            </a:schemeClr>
+          </a:lnRef>
+          <a:fillRef idx="1">
+            <a:schemeClr val="accent1"/>
+          </a:fillRef>
+          <a:effectRef idx="0">
+            <a:schemeClr val="accent1"/>
+          </a:effectRef>
+          <a:fontRef idx="minor">
+            <a:schemeClr val="lt1"/>
+          </a:fontRef>
+        </p:style>
+        <p:txBody>
+          <a:bodyPr rtlCol="0" anchor="ctr"/>
+          <a:lstStyle/>
+          <a:p>
+            <a:pPr algn="ctr"/>
+            <a:endParaRPr kumimoji="1" lang="ja-JP" altLang="en-US"/>
+          </a:p>
+        </p:txBody>
+      </p:sp>
+      <p:sp>
+        <p:nvSpPr>
+          <p:cNvPr id="131" name="フリーフォーム: 図形 130">
+            <a:extLst>
+              <a:ext uri="{FF2B5EF4-FFF2-40B4-BE49-F238E27FC236}">
+                <a16:creationId xmlns:a16="http://schemas.microsoft.com/office/drawing/2014/main" id="{EE0A7F83-ECCC-407A-87DE-F55C007BC7BE}"/>
+              </a:ext>
+            </a:extLst>
+          </p:cNvPr>
+          <p:cNvSpPr/>
+          <p:nvPr/>
+        </p:nvSpPr>
+        <p:spPr>
+          <a:xfrm>
+            <a:off x="4208467" y="2329006"/>
+            <a:ext cx="82842" cy="76755"/>
+          </a:xfrm>
+          <a:custGeom>
+            <a:avLst/>
+            <a:gdLst>
+              <a:gd name="connsiteX0" fmla="*/ 195263 w 195263"/>
+              <a:gd name="connsiteY0" fmla="*/ 0 h 235744"/>
+              <a:gd name="connsiteX1" fmla="*/ 195263 w 195263"/>
+              <a:gd name="connsiteY1" fmla="*/ 235744 h 235744"/>
+              <a:gd name="connsiteX2" fmla="*/ 0 w 195263"/>
+              <a:gd name="connsiteY2" fmla="*/ 235744 h 235744"/>
+            </a:gdLst>
+            <a:ahLst/>
+            <a:cxnLst>
+              <a:cxn ang="0">
+                <a:pos x="connsiteX0" y="connsiteY0"/>
+              </a:cxn>
+              <a:cxn ang="0">
+                <a:pos x="connsiteX1" y="connsiteY1"/>
+              </a:cxn>
+              <a:cxn ang="0">
+                <a:pos x="connsiteX2" y="connsiteY2"/>
+              </a:cxn>
+            </a:cxnLst>
+            <a:rect l="l" t="t" r="r" b="b"/>
+            <a:pathLst>
+              <a:path w="195263" h="235744">
+                <a:moveTo>
+                  <a:pt x="195263" y="0"/>
+                </a:moveTo>
+                <a:lnTo>
+                  <a:pt x="195263" y="235744"/>
+                </a:lnTo>
+                <a:lnTo>
+                  <a:pt x="0" y="235744"/>
+                </a:lnTo>
+              </a:path>
+            </a:pathLst>
+          </a:custGeom>
+          <a:noFill/>
+          <a:ln>
+            <a:solidFill>
+              <a:schemeClr val="tx1"/>
+            </a:solidFill>
+          </a:ln>
+        </p:spPr>
+        <p:style>
+          <a:lnRef idx="2">
+            <a:schemeClr val="accent1">
+              <a:shade val="50000"/>
+            </a:schemeClr>
+          </a:lnRef>
+          <a:fillRef idx="1">
+            <a:schemeClr val="accent1"/>
+          </a:fillRef>
+          <a:effectRef idx="0">
+            <a:schemeClr val="accent1"/>
+          </a:effectRef>
+          <a:fontRef idx="minor">
+            <a:schemeClr val="lt1"/>
+          </a:fontRef>
+        </p:style>
+        <p:txBody>
+          <a:bodyPr rtlCol="0" anchor="ctr"/>
+          <a:lstStyle/>
+          <a:p>
+            <a:pPr algn="ctr"/>
+            <a:endParaRPr kumimoji="1" lang="ja-JP" altLang="en-US"/>
+          </a:p>
+        </p:txBody>
+      </p:sp>
+    </p:spTree>
+    <p:extLst>
+      <p:ext uri="{BB962C8B-B14F-4D97-AF65-F5344CB8AC3E}">
+        <p14:creationId xmlns:p14="http://schemas.microsoft.com/office/powerpoint/2010/main" val="2540547928"/>
+      </p:ext>
+    </p:extLst>
+  </p:cSld>
+  <p:clrMapOvr>
+    <a:masterClrMapping/>
+  </p:clrMapOvr>
+</p:sld>
+</file>
+
 <file path=ppt/theme/theme1.xml><?xml version="1.0" encoding="utf-8"?>
 <a:theme xmlns:a="http://schemas.openxmlformats.org/drawingml/2006/main" name="Office テーマ">
   <a:themeElements>

--- a/ReciPro/doc/bethe.pptx
+++ b/ReciPro/doc/bethe.pptx
@@ -245,7 +245,7 @@
           <a:p>
             <a:fld id="{A5EC26D8-D98F-4A91-AFE7-5EF4FA3FDDA5}" type="datetimeFigureOut">
               <a:rPr kumimoji="1" lang="ja-JP" altLang="en-US" smtClean="0"/>
-              <a:t>2021/8/27</a:t>
+              <a:t>2021/8/30</a:t>
             </a:fld>
             <a:endParaRPr kumimoji="1" lang="ja-JP" altLang="en-US"/>
           </a:p>
@@ -447,7 +447,7 @@
           <a:p>
             <a:fld id="{A5EC26D8-D98F-4A91-AFE7-5EF4FA3FDDA5}" type="datetimeFigureOut">
               <a:rPr kumimoji="1" lang="ja-JP" altLang="en-US" smtClean="0"/>
-              <a:t>2021/8/27</a:t>
+              <a:t>2021/8/30</a:t>
             </a:fld>
             <a:endParaRPr kumimoji="1" lang="ja-JP" altLang="en-US"/>
           </a:p>
@@ -659,7 +659,7 @@
           <a:p>
             <a:fld id="{A5EC26D8-D98F-4A91-AFE7-5EF4FA3FDDA5}" type="datetimeFigureOut">
               <a:rPr kumimoji="1" lang="ja-JP" altLang="en-US" smtClean="0"/>
-              <a:t>2021/8/27</a:t>
+              <a:t>2021/8/30</a:t>
             </a:fld>
             <a:endParaRPr kumimoji="1" lang="ja-JP" altLang="en-US"/>
           </a:p>
@@ -861,7 +861,7 @@
           <a:p>
             <a:fld id="{A5EC26D8-D98F-4A91-AFE7-5EF4FA3FDDA5}" type="datetimeFigureOut">
               <a:rPr kumimoji="1" lang="ja-JP" altLang="en-US" smtClean="0"/>
-              <a:t>2021/8/27</a:t>
+              <a:t>2021/8/30</a:t>
             </a:fld>
             <a:endParaRPr kumimoji="1" lang="ja-JP" altLang="en-US"/>
           </a:p>
@@ -1105,7 +1105,7 @@
           <a:p>
             <a:fld id="{A5EC26D8-D98F-4A91-AFE7-5EF4FA3FDDA5}" type="datetimeFigureOut">
               <a:rPr kumimoji="1" lang="ja-JP" altLang="en-US" smtClean="0"/>
-              <a:t>2021/8/27</a:t>
+              <a:t>2021/8/30</a:t>
             </a:fld>
             <a:endParaRPr kumimoji="1" lang="ja-JP" altLang="en-US"/>
           </a:p>
@@ -1401,7 +1401,7 @@
           <a:p>
             <a:fld id="{A5EC26D8-D98F-4A91-AFE7-5EF4FA3FDDA5}" type="datetimeFigureOut">
               <a:rPr kumimoji="1" lang="ja-JP" altLang="en-US" smtClean="0"/>
-              <a:t>2021/8/27</a:t>
+              <a:t>2021/8/30</a:t>
             </a:fld>
             <a:endParaRPr kumimoji="1" lang="ja-JP" altLang="en-US"/>
           </a:p>
@@ -1832,7 +1832,7 @@
           <a:p>
             <a:fld id="{A5EC26D8-D98F-4A91-AFE7-5EF4FA3FDDA5}" type="datetimeFigureOut">
               <a:rPr kumimoji="1" lang="ja-JP" altLang="en-US" smtClean="0"/>
-              <a:t>2021/8/27</a:t>
+              <a:t>2021/8/30</a:t>
             </a:fld>
             <a:endParaRPr kumimoji="1" lang="ja-JP" altLang="en-US"/>
           </a:p>
@@ -1950,7 +1950,7 @@
           <a:p>
             <a:fld id="{A5EC26D8-D98F-4A91-AFE7-5EF4FA3FDDA5}" type="datetimeFigureOut">
               <a:rPr kumimoji="1" lang="ja-JP" altLang="en-US" smtClean="0"/>
-              <a:t>2021/8/27</a:t>
+              <a:t>2021/8/30</a:t>
             </a:fld>
             <a:endParaRPr kumimoji="1" lang="ja-JP" altLang="en-US"/>
           </a:p>
@@ -2045,7 +2045,7 @@
           <a:p>
             <a:fld id="{A5EC26D8-D98F-4A91-AFE7-5EF4FA3FDDA5}" type="datetimeFigureOut">
               <a:rPr kumimoji="1" lang="ja-JP" altLang="en-US" smtClean="0"/>
-              <a:t>2021/8/27</a:t>
+              <a:t>2021/8/30</a:t>
             </a:fld>
             <a:endParaRPr kumimoji="1" lang="ja-JP" altLang="en-US"/>
           </a:p>
@@ -2354,7 +2354,7 @@
           <a:p>
             <a:fld id="{A5EC26D8-D98F-4A91-AFE7-5EF4FA3FDDA5}" type="datetimeFigureOut">
               <a:rPr kumimoji="1" lang="ja-JP" altLang="en-US" smtClean="0"/>
-              <a:t>2021/8/27</a:t>
+              <a:t>2021/8/30</a:t>
             </a:fld>
             <a:endParaRPr kumimoji="1" lang="ja-JP" altLang="en-US"/>
           </a:p>
@@ -2611,7 +2611,7 @@
           <a:p>
             <a:fld id="{A5EC26D8-D98F-4A91-AFE7-5EF4FA3FDDA5}" type="datetimeFigureOut">
               <a:rPr kumimoji="1" lang="ja-JP" altLang="en-US" smtClean="0"/>
-              <a:t>2021/8/27</a:t>
+              <a:t>2021/8/30</a:t>
             </a:fld>
             <a:endParaRPr kumimoji="1" lang="ja-JP" altLang="en-US"/>
           </a:p>
@@ -2856,7 +2856,7 @@
           <a:p>
             <a:fld id="{A5EC26D8-D98F-4A91-AFE7-5EF4FA3FDDA5}" type="datetimeFigureOut">
               <a:rPr kumimoji="1" lang="ja-JP" altLang="en-US" smtClean="0"/>
-              <a:t>2021/8/27</a:t>
+              <a:t>2021/8/30</a:t>
             </a:fld>
             <a:endParaRPr kumimoji="1" lang="ja-JP" altLang="en-US"/>
           </a:p>
@@ -20787,8 +20787,8 @@
               <a:solidFill>
                 <a:schemeClr val="tx1"/>
               </a:solidFill>
-              <a:prstDash val="sysDot"/>
-              <a:headEnd type="triangle" w="med" len="med"/>
+              <a:prstDash val="solid"/>
+              <a:headEnd type="arrow" w="sm" len="sm"/>
               <a:tailEnd type="none" w="lg" len="med"/>
             </a:ln>
           </p:spPr>
@@ -20997,8 +20997,8 @@
             </a:p>
           </p:txBody>
         </p:sp>
-        <mc:AlternateContent xmlns:mc="http://schemas.openxmlformats.org/markup-compatibility/2006">
-          <mc:Choice xmlns:a14="http://schemas.microsoft.com/office/drawing/2010/main" Requires="a14">
+        <mc:AlternateContent xmlns:mc="http://schemas.openxmlformats.org/markup-compatibility/2006" xmlns:a14="http://schemas.microsoft.com/office/drawing/2010/main">
+          <mc:Choice Requires="a14">
             <p:sp>
               <p:nvSpPr>
                 <p:cNvPr id="12" name="テキスト ボックス 11">
@@ -21051,7 +21051,7 @@
               </p:txBody>
             </p:sp>
           </mc:Choice>
-          <mc:Fallback>
+          <mc:Fallback xmlns="">
             <p:sp>
               <p:nvSpPr>
                 <p:cNvPr id="12" name="テキスト ボックス 11">
@@ -21140,8 +21140,8 @@
             </a:fontRef>
           </p:style>
         </p:cxnSp>
-        <mc:AlternateContent xmlns:mc="http://schemas.openxmlformats.org/markup-compatibility/2006">
-          <mc:Choice xmlns:a14="http://schemas.microsoft.com/office/drawing/2010/main" Requires="a14">
+        <mc:AlternateContent xmlns:mc="http://schemas.openxmlformats.org/markup-compatibility/2006" xmlns:a14="http://schemas.microsoft.com/office/drawing/2010/main">
+          <mc:Choice Requires="a14">
             <p:sp>
               <p:nvSpPr>
                 <p:cNvPr id="14" name="テキスト ボックス 13">
@@ -21230,7 +21230,7 @@
               </p:txBody>
             </p:sp>
           </mc:Choice>
-          <mc:Fallback>
+          <mc:Fallback xmlns="">
             <p:sp>
               <p:nvSpPr>
                 <p:cNvPr id="14" name="テキスト ボックス 13">
@@ -21278,8 +21278,8 @@
             </p:sp>
           </mc:Fallback>
         </mc:AlternateContent>
-        <mc:AlternateContent xmlns:mc="http://schemas.openxmlformats.org/markup-compatibility/2006">
-          <mc:Choice xmlns:a14="http://schemas.microsoft.com/office/drawing/2010/main" Requires="a14">
+        <mc:AlternateContent xmlns:mc="http://schemas.openxmlformats.org/markup-compatibility/2006" xmlns:a14="http://schemas.microsoft.com/office/drawing/2010/main">
+          <mc:Choice Requires="a14">
             <p:sp>
               <p:nvSpPr>
                 <p:cNvPr id="15" name="テキスト ボックス 14">
@@ -21311,7 +21311,6 @@
                 </a:bodyPr>
                 <a:lstStyle/>
                 <a:p>
-                  <a:pPr/>
                   <a14:m>
                     <m:oMath xmlns:m="http://schemas.openxmlformats.org/officeDocument/2006/math">
                       <m:sSub>
@@ -21357,7 +21356,7 @@
               </p:txBody>
             </p:sp>
           </mc:Choice>
-          <mc:Fallback>
+          <mc:Fallback xmlns="">
             <p:sp>
               <p:nvSpPr>
                 <p:cNvPr id="15" name="テキスト ボックス 14">
@@ -21449,8 +21448,8 @@
             </a:fontRef>
           </p:style>
         </p:cxnSp>
-        <mc:AlternateContent xmlns:mc="http://schemas.openxmlformats.org/markup-compatibility/2006">
-          <mc:Choice xmlns:a14="http://schemas.microsoft.com/office/drawing/2010/main" Requires="a14">
+        <mc:AlternateContent xmlns:mc="http://schemas.openxmlformats.org/markup-compatibility/2006" xmlns:a14="http://schemas.microsoft.com/office/drawing/2010/main">
+          <mc:Choice Requires="a14">
             <p:sp>
               <p:nvSpPr>
                 <p:cNvPr id="21" name="テキスト ボックス 20">
@@ -21559,7 +21558,7 @@
               </p:txBody>
             </p:sp>
           </mc:Choice>
-          <mc:Fallback>
+          <mc:Fallback xmlns="">
             <p:sp>
               <p:nvSpPr>
                 <p:cNvPr id="21" name="テキスト ボックス 20">
@@ -21799,8 +21798,8 @@
             </a:fontRef>
           </p:style>
         </p:cxnSp>
-        <mc:AlternateContent xmlns:mc="http://schemas.openxmlformats.org/markup-compatibility/2006">
-          <mc:Choice xmlns:a14="http://schemas.microsoft.com/office/drawing/2010/main" Requires="a14">
+        <mc:AlternateContent xmlns:mc="http://schemas.openxmlformats.org/markup-compatibility/2006" xmlns:a14="http://schemas.microsoft.com/office/drawing/2010/main">
+          <mc:Choice Requires="a14">
             <p:sp>
               <p:nvSpPr>
                 <p:cNvPr id="30" name="テキスト ボックス 29">
@@ -21925,7 +21924,7 @@
               </p:txBody>
             </p:sp>
           </mc:Choice>
-          <mc:Fallback>
+          <mc:Fallback xmlns="">
             <p:sp>
               <p:nvSpPr>
                 <p:cNvPr id="30" name="テキスト ボックス 29">
@@ -22251,8 +22250,8 @@
             </a:p>
           </p:txBody>
         </p:sp>
-        <mc:AlternateContent xmlns:mc="http://schemas.openxmlformats.org/markup-compatibility/2006">
-          <mc:Choice xmlns:a14="http://schemas.microsoft.com/office/drawing/2010/main" Requires="a14">
+        <mc:AlternateContent xmlns:mc="http://schemas.openxmlformats.org/markup-compatibility/2006" xmlns:a14="http://schemas.microsoft.com/office/drawing/2010/main">
+          <mc:Choice Requires="a14">
             <p:sp>
               <p:nvSpPr>
                 <p:cNvPr id="39" name="テキスト ボックス 38">
@@ -22284,7 +22283,6 @@
                 </a:bodyPr>
                 <a:lstStyle/>
                 <a:p>
-                  <a:pPr/>
                   <a14:m>
                     <m:oMath xmlns:m="http://schemas.openxmlformats.org/officeDocument/2006/math">
                       <m:sSub>
@@ -22345,7 +22343,7 @@
               </p:txBody>
             </p:sp>
           </mc:Choice>
-          <mc:Fallback>
+          <mc:Fallback xmlns="">
             <p:sp>
               <p:nvSpPr>
                 <p:cNvPr id="39" name="テキスト ボックス 38">
@@ -22393,8 +22391,8 @@
             </p:sp>
           </mc:Fallback>
         </mc:AlternateContent>
-        <mc:AlternateContent xmlns:mc="http://schemas.openxmlformats.org/markup-compatibility/2006">
-          <mc:Choice xmlns:a14="http://schemas.microsoft.com/office/drawing/2010/main" Requires="a14">
+        <mc:AlternateContent xmlns:mc="http://schemas.openxmlformats.org/markup-compatibility/2006" xmlns:a14="http://schemas.microsoft.com/office/drawing/2010/main">
+          <mc:Choice Requires="a14">
             <p:sp>
               <p:nvSpPr>
                 <p:cNvPr id="40" name="テキスト ボックス 39">
@@ -22503,7 +22501,7 @@
               </p:txBody>
             </p:sp>
           </mc:Choice>
-          <mc:Fallback>
+          <mc:Fallback xmlns="">
             <p:sp>
               <p:nvSpPr>
                 <p:cNvPr id="40" name="テキスト ボックス 39">
@@ -22551,8 +22549,8 @@
             </p:sp>
           </mc:Fallback>
         </mc:AlternateContent>
-        <mc:AlternateContent xmlns:mc="http://schemas.openxmlformats.org/markup-compatibility/2006">
-          <mc:Choice xmlns:a14="http://schemas.microsoft.com/office/drawing/2010/main" Requires="a14">
+        <mc:AlternateContent xmlns:mc="http://schemas.openxmlformats.org/markup-compatibility/2006" xmlns:a14="http://schemas.microsoft.com/office/drawing/2010/main">
+          <mc:Choice Requires="a14">
             <p:sp>
               <p:nvSpPr>
                 <p:cNvPr id="41" name="テキスト ボックス 40">
@@ -22614,7 +22612,7 @@
               </p:txBody>
             </p:sp>
           </mc:Choice>
-          <mc:Fallback>
+          <mc:Fallback xmlns="">
             <p:sp>
               <p:nvSpPr>
                 <p:cNvPr id="41" name="テキスト ボックス 40">
@@ -22706,8 +22704,8 @@
             </a:fontRef>
           </p:style>
         </p:cxnSp>
-        <mc:AlternateContent xmlns:mc="http://schemas.openxmlformats.org/markup-compatibility/2006">
-          <mc:Choice xmlns:a14="http://schemas.microsoft.com/office/drawing/2010/main" Requires="a14">
+        <mc:AlternateContent xmlns:mc="http://schemas.openxmlformats.org/markup-compatibility/2006" xmlns:a14="http://schemas.microsoft.com/office/drawing/2010/main">
+          <mc:Choice Requires="a14">
             <p:sp>
               <p:nvSpPr>
                 <p:cNvPr id="52" name="テキスト ボックス 51">
@@ -22763,7 +22761,7 @@
               </p:txBody>
             </p:sp>
           </mc:Choice>
-          <mc:Fallback>
+          <mc:Fallback xmlns="">
             <p:sp>
               <p:nvSpPr>
                 <p:cNvPr id="52" name="テキスト ボックス 51">
@@ -22901,8 +22899,8 @@
             </a:fontRef>
           </p:style>
         </p:cxnSp>
-        <mc:AlternateContent xmlns:mc="http://schemas.openxmlformats.org/markup-compatibility/2006">
-          <mc:Choice xmlns:a14="http://schemas.microsoft.com/office/drawing/2010/main" Requires="a14">
+        <mc:AlternateContent xmlns:mc="http://schemas.openxmlformats.org/markup-compatibility/2006" xmlns:a14="http://schemas.microsoft.com/office/drawing/2010/main">
+          <mc:Choice Requires="a14">
             <p:sp>
               <p:nvSpPr>
                 <p:cNvPr id="61" name="テキスト ボックス 60">
@@ -22964,7 +22962,7 @@
               </p:txBody>
             </p:sp>
           </mc:Choice>
-          <mc:Fallback>
+          <mc:Fallback xmlns="">
             <p:sp>
               <p:nvSpPr>
                 <p:cNvPr id="61" name="テキスト ボックス 60">
@@ -23012,8 +23010,8 @@
             </p:sp>
           </mc:Fallback>
         </mc:AlternateContent>
-        <mc:AlternateContent xmlns:mc="http://schemas.openxmlformats.org/markup-compatibility/2006">
-          <mc:Choice xmlns:a14="http://schemas.microsoft.com/office/drawing/2010/main" Requires="a14">
+        <mc:AlternateContent xmlns:mc="http://schemas.openxmlformats.org/markup-compatibility/2006" xmlns:a14="http://schemas.microsoft.com/office/drawing/2010/main">
+          <mc:Choice Requires="a14">
             <p:sp>
               <p:nvSpPr>
                 <p:cNvPr id="62" name="テキスト ボックス 61">
@@ -23075,7 +23073,7 @@
               </p:txBody>
             </p:sp>
           </mc:Choice>
-          <mc:Fallback>
+          <mc:Fallback xmlns="">
             <p:sp>
               <p:nvSpPr>
                 <p:cNvPr id="62" name="テキスト ボックス 61">
@@ -23123,8 +23121,8 @@
             </p:sp>
           </mc:Fallback>
         </mc:AlternateContent>
-        <mc:AlternateContent xmlns:mc="http://schemas.openxmlformats.org/markup-compatibility/2006">
-          <mc:Choice xmlns:a14="http://schemas.microsoft.com/office/drawing/2010/main" Requires="a14">
+        <mc:AlternateContent xmlns:mc="http://schemas.openxmlformats.org/markup-compatibility/2006" xmlns:a14="http://schemas.microsoft.com/office/drawing/2010/main">
+          <mc:Choice Requires="a14">
             <p:sp>
               <p:nvSpPr>
                 <p:cNvPr id="66" name="テキスト ボックス 65">
@@ -23240,7 +23238,7 @@
               </p:txBody>
             </p:sp>
           </mc:Choice>
-          <mc:Fallback>
+          <mc:Fallback xmlns="">
             <p:sp>
               <p:nvSpPr>
                 <p:cNvPr id="66" name="テキスト ボックス 65">

--- a/ReciPro/doc/bethe.pptx
+++ b/ReciPro/doc/bethe.pptx
@@ -245,7 +245,7 @@
           <a:p>
             <a:fld id="{A5EC26D8-D98F-4A91-AFE7-5EF4FA3FDDA5}" type="datetimeFigureOut">
               <a:rPr kumimoji="1" lang="ja-JP" altLang="en-US" smtClean="0"/>
-              <a:t>2021/8/30</a:t>
+              <a:t>2025/1/6</a:t>
             </a:fld>
             <a:endParaRPr kumimoji="1" lang="ja-JP" altLang="en-US"/>
           </a:p>
@@ -447,7 +447,7 @@
           <a:p>
             <a:fld id="{A5EC26D8-D98F-4A91-AFE7-5EF4FA3FDDA5}" type="datetimeFigureOut">
               <a:rPr kumimoji="1" lang="ja-JP" altLang="en-US" smtClean="0"/>
-              <a:t>2021/8/30</a:t>
+              <a:t>2025/1/6</a:t>
             </a:fld>
             <a:endParaRPr kumimoji="1" lang="ja-JP" altLang="en-US"/>
           </a:p>
@@ -659,7 +659,7 @@
           <a:p>
             <a:fld id="{A5EC26D8-D98F-4A91-AFE7-5EF4FA3FDDA5}" type="datetimeFigureOut">
               <a:rPr kumimoji="1" lang="ja-JP" altLang="en-US" smtClean="0"/>
-              <a:t>2021/8/30</a:t>
+              <a:t>2025/1/6</a:t>
             </a:fld>
             <a:endParaRPr kumimoji="1" lang="ja-JP" altLang="en-US"/>
           </a:p>
@@ -861,7 +861,7 @@
           <a:p>
             <a:fld id="{A5EC26D8-D98F-4A91-AFE7-5EF4FA3FDDA5}" type="datetimeFigureOut">
               <a:rPr kumimoji="1" lang="ja-JP" altLang="en-US" smtClean="0"/>
-              <a:t>2021/8/30</a:t>
+              <a:t>2025/1/6</a:t>
             </a:fld>
             <a:endParaRPr kumimoji="1" lang="ja-JP" altLang="en-US"/>
           </a:p>
@@ -1105,7 +1105,7 @@
           <a:p>
             <a:fld id="{A5EC26D8-D98F-4A91-AFE7-5EF4FA3FDDA5}" type="datetimeFigureOut">
               <a:rPr kumimoji="1" lang="ja-JP" altLang="en-US" smtClean="0"/>
-              <a:t>2021/8/30</a:t>
+              <a:t>2025/1/6</a:t>
             </a:fld>
             <a:endParaRPr kumimoji="1" lang="ja-JP" altLang="en-US"/>
           </a:p>
@@ -1401,7 +1401,7 @@
           <a:p>
             <a:fld id="{A5EC26D8-D98F-4A91-AFE7-5EF4FA3FDDA5}" type="datetimeFigureOut">
               <a:rPr kumimoji="1" lang="ja-JP" altLang="en-US" smtClean="0"/>
-              <a:t>2021/8/30</a:t>
+              <a:t>2025/1/6</a:t>
             </a:fld>
             <a:endParaRPr kumimoji="1" lang="ja-JP" altLang="en-US"/>
           </a:p>
@@ -1832,7 +1832,7 @@
           <a:p>
             <a:fld id="{A5EC26D8-D98F-4A91-AFE7-5EF4FA3FDDA5}" type="datetimeFigureOut">
               <a:rPr kumimoji="1" lang="ja-JP" altLang="en-US" smtClean="0"/>
-              <a:t>2021/8/30</a:t>
+              <a:t>2025/1/6</a:t>
             </a:fld>
             <a:endParaRPr kumimoji="1" lang="ja-JP" altLang="en-US"/>
           </a:p>
@@ -1950,7 +1950,7 @@
           <a:p>
             <a:fld id="{A5EC26D8-D98F-4A91-AFE7-5EF4FA3FDDA5}" type="datetimeFigureOut">
               <a:rPr kumimoji="1" lang="ja-JP" altLang="en-US" smtClean="0"/>
-              <a:t>2021/8/30</a:t>
+              <a:t>2025/1/6</a:t>
             </a:fld>
             <a:endParaRPr kumimoji="1" lang="ja-JP" altLang="en-US"/>
           </a:p>
@@ -2045,7 +2045,7 @@
           <a:p>
             <a:fld id="{A5EC26D8-D98F-4A91-AFE7-5EF4FA3FDDA5}" type="datetimeFigureOut">
               <a:rPr kumimoji="1" lang="ja-JP" altLang="en-US" smtClean="0"/>
-              <a:t>2021/8/30</a:t>
+              <a:t>2025/1/6</a:t>
             </a:fld>
             <a:endParaRPr kumimoji="1" lang="ja-JP" altLang="en-US"/>
           </a:p>
@@ -2354,7 +2354,7 @@
           <a:p>
             <a:fld id="{A5EC26D8-D98F-4A91-AFE7-5EF4FA3FDDA5}" type="datetimeFigureOut">
               <a:rPr kumimoji="1" lang="ja-JP" altLang="en-US" smtClean="0"/>
-              <a:t>2021/8/30</a:t>
+              <a:t>2025/1/6</a:t>
             </a:fld>
             <a:endParaRPr kumimoji="1" lang="ja-JP" altLang="en-US"/>
           </a:p>
@@ -2611,7 +2611,7 @@
           <a:p>
             <a:fld id="{A5EC26D8-D98F-4A91-AFE7-5EF4FA3FDDA5}" type="datetimeFigureOut">
               <a:rPr kumimoji="1" lang="ja-JP" altLang="en-US" smtClean="0"/>
-              <a:t>2021/8/30</a:t>
+              <a:t>2025/1/6</a:t>
             </a:fld>
             <a:endParaRPr kumimoji="1" lang="ja-JP" altLang="en-US"/>
           </a:p>
@@ -2856,7 +2856,7 @@
           <a:p>
             <a:fld id="{A5EC26D8-D98F-4A91-AFE7-5EF4FA3FDDA5}" type="datetimeFigureOut">
               <a:rPr kumimoji="1" lang="ja-JP" altLang="en-US" smtClean="0"/>
-              <a:t>2021/8/30</a:t>
+              <a:t>2025/1/6</a:t>
             </a:fld>
             <a:endParaRPr kumimoji="1" lang="ja-JP" altLang="en-US"/>
           </a:p>
@@ -7041,10 +7041,10 @@
         </p:nvGrpSpPr>
         <p:grpSpPr>
           <a:xfrm>
-            <a:off x="297640" y="387504"/>
-            <a:ext cx="4678699" cy="2961263"/>
-            <a:chOff x="297640" y="387504"/>
-            <a:chExt cx="4678699" cy="2961263"/>
+            <a:off x="297640" y="383370"/>
+            <a:ext cx="4500573" cy="2965397"/>
+            <a:chOff x="297640" y="383370"/>
+            <a:chExt cx="4500573" cy="2965397"/>
           </a:xfrm>
         </p:grpSpPr>
         <p:sp>
@@ -8365,7 +8365,7 @@
           </p:nvCxnSpPr>
           <p:spPr>
             <a:xfrm>
-              <a:off x="3203045" y="507524"/>
+              <a:off x="3203045" y="536102"/>
               <a:ext cx="414690" cy="0"/>
             </a:xfrm>
             <a:prstGeom prst="straightConnector1">
@@ -8401,7 +8401,7 @@
           </p:nvCxnSpPr>
           <p:spPr>
             <a:xfrm>
-              <a:off x="3210716" y="710544"/>
+              <a:off x="3210716" y="743885"/>
               <a:ext cx="391806" cy="0"/>
             </a:xfrm>
             <a:prstGeom prst="straightConnector1">
@@ -8764,8 +8764,8 @@
             </a:p>
           </p:txBody>
         </p:sp>
-        <mc:AlternateContent xmlns:mc="http://schemas.openxmlformats.org/markup-compatibility/2006" xmlns:a14="http://schemas.microsoft.com/office/drawing/2010/main">
-          <mc:Choice Requires="a14">
+        <mc:AlternateContent xmlns:mc="http://schemas.openxmlformats.org/markup-compatibility/2006">
+          <mc:Choice xmlns:a14="http://schemas.microsoft.com/office/drawing/2010/main" Requires="a14">
             <p:sp>
               <p:nvSpPr>
                 <p:cNvPr id="39" name="テキスト ボックス 38"/>
@@ -8774,7 +8774,7 @@
               </p:nvSpPr>
               <p:spPr>
                 <a:xfrm>
-                  <a:off x="3210716" y="1645290"/>
+                  <a:off x="3210716" y="1688156"/>
                   <a:ext cx="1398588" cy="479747"/>
                 </a:xfrm>
                 <a:prstGeom prst="rect">
@@ -8805,7 +8805,7 @@
                         <m:sSub>
                           <m:sSubPr>
                             <m:ctrlPr>
-                              <a:rPr lang="en-US" altLang="ja-JP" sz="1200" i="1">
+                              <a:rPr lang="en-US" altLang="ja-JP" sz="1200" i="1" smtClean="0">
                                 <a:latin typeface="Cambria Math" panose="02040503050406030204" pitchFamily="18" charset="0"/>
                                 <a:ea typeface="Cambria Math" panose="02040503050406030204" pitchFamily="18" charset="0"/>
                               </a:rPr>
@@ -9010,6 +9010,13 @@
                           <a:ea typeface="Cambria Math" panose="02040503050406030204" pitchFamily="18" charset="0"/>
                         </a:rPr>
                         <m:t> </m:t>
+                      </m:r>
+                      <m:r>
+                        <a:rPr lang="en-US" altLang="ja-JP" sz="1200" b="0" i="0" smtClean="0">
+                          <a:latin typeface="Cambria Math" panose="02040503050406030204" pitchFamily="18" charset="0"/>
+                          <a:ea typeface="Cambria Math" panose="02040503050406030204" pitchFamily="18" charset="0"/>
+                        </a:rPr>
+                        <m:t>  </m:t>
                       </m:r>
                       <m:r>
                         <a:rPr lang="en-US" altLang="ja-JP" sz="1200" i="1">
@@ -9109,7 +9116,7 @@
               </p:txBody>
             </p:sp>
           </mc:Choice>
-          <mc:Fallback xmlns="">
+          <mc:Fallback>
             <p:sp>
               <p:nvSpPr>
                 <p:cNvPr id="39" name="テキスト ボックス 38"/>
@@ -9120,7 +9127,7 @@
               </p:nvSpPr>
               <p:spPr>
                 <a:xfrm>
-                  <a:off x="3210716" y="1645290"/>
+                  <a:off x="3210716" y="1688156"/>
                   <a:ext cx="1398588" cy="479747"/>
                 </a:xfrm>
                 <a:prstGeom prst="rect">
@@ -9151,8 +9158,8 @@
             </p:sp>
           </mc:Fallback>
         </mc:AlternateContent>
-        <mc:AlternateContent xmlns:mc="http://schemas.openxmlformats.org/markup-compatibility/2006" xmlns:a14="http://schemas.microsoft.com/office/drawing/2010/main">
-          <mc:Choice Requires="a14">
+        <mc:AlternateContent xmlns:mc="http://schemas.openxmlformats.org/markup-compatibility/2006">
+          <mc:Choice xmlns:a14="http://schemas.microsoft.com/office/drawing/2010/main" Requires="a14">
             <p:sp>
               <p:nvSpPr>
                 <p:cNvPr id="40" name="テキスト ボックス 39"/>
@@ -9161,8 +9168,8 @@
               </p:nvSpPr>
               <p:spPr>
                 <a:xfrm>
-                  <a:off x="3210716" y="2857401"/>
-                  <a:ext cx="881139" cy="203454"/>
+                  <a:off x="3210716" y="2925606"/>
+                  <a:ext cx="746486" cy="203454"/>
                 </a:xfrm>
                 <a:prstGeom prst="rect">
                   <a:avLst/>
@@ -9190,93 +9197,72 @@
                       </m:oMathParaPr>
                       <m:oMath xmlns:m="http://schemas.openxmlformats.org/officeDocument/2006/math">
                         <m:r>
-                          <a:rPr lang="en-US" altLang="ja-JP" sz="1200" i="1">
+                          <a:rPr lang="en-US" altLang="ja-JP" sz="1200" i="1" smtClean="0">
                             <a:latin typeface="Cambria Math" panose="02040503050406030204" pitchFamily="18" charset="0"/>
                             <a:ea typeface="Cambria Math" panose="02040503050406030204" pitchFamily="18" charset="0"/>
                           </a:rPr>
                           <m:t>𝑅</m:t>
                         </m:r>
                         <m:r>
-                          <a:rPr lang="en-US" altLang="ja-JP" sz="1200" i="1">
+                          <a:rPr lang="en-US" altLang="ja-JP" sz="1200" i="1" smtClean="0">
                             <a:latin typeface="Cambria Math" panose="02040503050406030204" pitchFamily="18" charset="0"/>
                             <a:ea typeface="Cambria Math" panose="02040503050406030204" pitchFamily="18" charset="0"/>
                           </a:rPr>
                           <m:t>=</m:t>
                         </m:r>
-                        <m:sSup>
-                          <m:sSupPr>
+                        <m:d>
+                          <m:dPr>
+                            <m:begChr m:val="|"/>
+                            <m:endChr m:val="|"/>
                             <m:ctrlPr>
                               <a:rPr lang="en-US" altLang="ja-JP" sz="1200" i="1">
                                 <a:latin typeface="Cambria Math" panose="02040503050406030204" pitchFamily="18" charset="0"/>
                                 <a:ea typeface="Cambria Math" panose="02040503050406030204" pitchFamily="18" charset="0"/>
                               </a:rPr>
                             </m:ctrlPr>
-                          </m:sSupPr>
+                          </m:dPr>
                           <m:e>
-                            <m:d>
-                              <m:dPr>
-                                <m:begChr m:val="|"/>
-                                <m:endChr m:val="|"/>
+                            <m:acc>
+                              <m:accPr>
+                                <m:chr m:val="⃑"/>
                                 <m:ctrlPr>
                                   <a:rPr lang="en-US" altLang="ja-JP" sz="1200" i="1">
                                     <a:latin typeface="Cambria Math" panose="02040503050406030204" pitchFamily="18" charset="0"/>
                                     <a:ea typeface="Cambria Math" panose="02040503050406030204" pitchFamily="18" charset="0"/>
                                   </a:rPr>
                                 </m:ctrlPr>
-                              </m:dPr>
+                              </m:accPr>
                               <m:e>
-                                <m:acc>
-                                  <m:accPr>
-                                    <m:chr m:val="⃑"/>
-                                    <m:ctrlPr>
-                                      <a:rPr lang="en-US" altLang="ja-JP" sz="1200" i="1">
-                                        <a:latin typeface="Cambria Math" panose="02040503050406030204" pitchFamily="18" charset="0"/>
-                                        <a:ea typeface="Cambria Math" panose="02040503050406030204" pitchFamily="18" charset="0"/>
-                                      </a:rPr>
-                                    </m:ctrlPr>
-                                  </m:accPr>
-                                  <m:e>
-                                    <m:r>
-                                      <a:rPr lang="en-US" altLang="ja-JP" sz="1200" i="1">
-                                        <a:latin typeface="Cambria Math" panose="02040503050406030204" pitchFamily="18" charset="0"/>
-                                        <a:ea typeface="Cambria Math" panose="02040503050406030204" pitchFamily="18" charset="0"/>
-                                      </a:rPr>
-                                      <m:t>𝑔</m:t>
-                                    </m:r>
-                                  </m:e>
-                                </m:acc>
+                                <m:r>
+                                  <a:rPr lang="en-US" altLang="ja-JP" sz="1200" i="1">
+                                    <a:latin typeface="Cambria Math" panose="02040503050406030204" pitchFamily="18" charset="0"/>
+                                    <a:ea typeface="Cambria Math" panose="02040503050406030204" pitchFamily="18" charset="0"/>
+                                  </a:rPr>
+                                  <m:t>𝑔</m:t>
+                                </m:r>
                               </m:e>
-                            </m:d>
+                            </m:acc>
                           </m:e>
-                          <m:sup>
-                            <m:r>
-                              <a:rPr lang="en-US" altLang="ja-JP" sz="1200" i="1">
-                                <a:latin typeface="Cambria Math" panose="02040503050406030204" pitchFamily="18" charset="0"/>
-                                <a:ea typeface="Cambria Math" panose="02040503050406030204" pitchFamily="18" charset="0"/>
-                              </a:rPr>
-                              <m:t>2</m:t>
-                            </m:r>
-                          </m:sup>
-                        </m:sSup>
+                        </m:d>
                         <m:r>
-                          <a:rPr lang="en-US" altLang="ja-JP" sz="1200" i="1">
+                          <a:rPr lang="en-US" altLang="ja-JP" sz="1200" b="0" i="1" smtClean="0">
                             <a:latin typeface="Cambria Math" panose="02040503050406030204" pitchFamily="18" charset="0"/>
                             <a:ea typeface="Cambria Math" panose="02040503050406030204" pitchFamily="18" charset="0"/>
                           </a:rPr>
-                          <m:t>|</m:t>
+                          <m:t> </m:t>
                         </m:r>
-                        <m:sSub>
-                          <m:sSubPr>
+                        <m:sSubSup>
+                          <m:sSubSupPr>
                             <m:ctrlPr>
-                              <a:rPr lang="en-US" altLang="ja-JP" sz="1200" i="1">
+                              <a:rPr lang="en-US" altLang="ja-JP" sz="1200" b="0" i="1" smtClean="0">
                                 <a:latin typeface="Cambria Math" panose="02040503050406030204" pitchFamily="18" charset="0"/>
                                 <a:ea typeface="Cambria Math" panose="02040503050406030204" pitchFamily="18" charset="0"/>
                               </a:rPr>
                             </m:ctrlPr>
-                          </m:sSubPr>
+                          </m:sSubSupPr>
                           <m:e>
                             <m:r>
-                              <a:rPr lang="en-US" altLang="ja-JP" sz="1200" i="1">
+                              <a:rPr lang="en-US" altLang="ja-JP" sz="1200" b="0" i="1" smtClean="0">
                                 <a:latin typeface="Cambria Math" panose="02040503050406030204" pitchFamily="18" charset="0"/>
                                 <a:ea typeface="Cambria Math" panose="02040503050406030204" pitchFamily="18" charset="0"/>
                               </a:rPr>
@@ -9285,21 +9271,23 @@
                           </m:e>
                           <m:sub>
                             <m:r>
-                              <a:rPr lang="en-US" altLang="ja-JP" sz="1200" i="1">
+                              <a:rPr lang="en-US" altLang="ja-JP" sz="1200" b="0" i="1" smtClean="0">
                                 <a:latin typeface="Cambria Math" panose="02040503050406030204" pitchFamily="18" charset="0"/>
                                 <a:ea typeface="Cambria Math" panose="02040503050406030204" pitchFamily="18" charset="0"/>
                               </a:rPr>
                               <m:t>𝑔</m:t>
                             </m:r>
                           </m:sub>
-                        </m:sSub>
-                        <m:r>
-                          <a:rPr lang="en-US" altLang="ja-JP" sz="1200" i="1">
-                            <a:latin typeface="Cambria Math" panose="02040503050406030204" pitchFamily="18" charset="0"/>
-                            <a:ea typeface="Cambria Math" panose="02040503050406030204" pitchFamily="18" charset="0"/>
-                          </a:rPr>
-                          <m:t>|</m:t>
-                        </m:r>
+                          <m:sup>
+                            <m:r>
+                              <a:rPr lang="en-US" altLang="ja-JP" sz="1200" b="0" i="1" smtClean="0">
+                                <a:latin typeface="Cambria Math" panose="02040503050406030204" pitchFamily="18" charset="0"/>
+                                <a:ea typeface="Cambria Math" panose="02040503050406030204" pitchFamily="18" charset="0"/>
+                              </a:rPr>
+                              <m:t>2</m:t>
+                            </m:r>
+                          </m:sup>
+                        </m:sSubSup>
                       </m:oMath>
                     </m:oMathPara>
                   </a14:m>
@@ -9310,7 +9298,7 @@
               </p:txBody>
             </p:sp>
           </mc:Choice>
-          <mc:Fallback xmlns="">
+          <mc:Fallback>
             <p:sp>
               <p:nvSpPr>
                 <p:cNvPr id="40" name="テキスト ボックス 39"/>
@@ -9321,8 +9309,8 @@
               </p:nvSpPr>
               <p:spPr>
                 <a:xfrm>
-                  <a:off x="3210716" y="2857401"/>
-                  <a:ext cx="881139" cy="203454"/>
+                  <a:off x="3210716" y="2925606"/>
+                  <a:ext cx="746486" cy="203454"/>
                 </a:xfrm>
                 <a:prstGeom prst="rect">
                   <a:avLst/>
@@ -9330,7 +9318,7 @@
                 <a:blipFill>
                   <a:blip r:embed="rId12"/>
                   <a:stretch>
-                    <a:fillRect l="-6250" t="-9091" r="-4167" b="-24242"/>
+                    <a:fillRect l="-7377" t="-9091" b="-21212"/>
                   </a:stretch>
                 </a:blipFill>
                 <a:ln>
@@ -9360,7 +9348,7 @@
           </p:nvSpPr>
           <p:spPr>
             <a:xfrm>
-              <a:off x="494170" y="392675"/>
+              <a:off x="297640" y="383370"/>
               <a:ext cx="1960889" cy="276999"/>
             </a:xfrm>
             <a:prstGeom prst="rect">
@@ -9803,8 +9791,8 @@
             </a:p>
           </p:txBody>
         </p:sp>
-        <mc:AlternateContent xmlns:mc="http://schemas.openxmlformats.org/markup-compatibility/2006" xmlns:a14="http://schemas.microsoft.com/office/drawing/2010/main">
-          <mc:Choice Requires="a14">
+        <mc:AlternateContent xmlns:mc="http://schemas.openxmlformats.org/markup-compatibility/2006">
+          <mc:Choice xmlns:a14="http://schemas.microsoft.com/office/drawing/2010/main" Requires="a14">
             <p:sp>
               <p:nvSpPr>
                 <p:cNvPr id="47" name="テキスト ボックス 46"/>
@@ -9813,7 +9801,7 @@
               </p:nvSpPr>
               <p:spPr>
                 <a:xfrm>
-                  <a:off x="3210716" y="2212536"/>
+                  <a:off x="3210716" y="2283978"/>
                   <a:ext cx="1496243" cy="547265"/>
                 </a:xfrm>
                 <a:prstGeom prst="rect">
@@ -10036,7 +10024,7 @@
               </p:txBody>
             </p:sp>
           </mc:Choice>
-          <mc:Fallback xmlns="">
+          <mc:Fallback>
             <p:sp>
               <p:nvSpPr>
                 <p:cNvPr id="47" name="テキスト ボックス 46"/>
@@ -10047,7 +10035,7 @@
               </p:nvSpPr>
               <p:spPr>
                 <a:xfrm>
-                  <a:off x="3210716" y="2212536"/>
+                  <a:off x="3210716" y="2283978"/>
                   <a:ext cx="1496243" cy="547265"/>
                 </a:xfrm>
                 <a:prstGeom prst="rect">
@@ -10425,8 +10413,8 @@
           </p:nvSpPr>
           <p:spPr>
             <a:xfrm>
-              <a:off x="3058518" y="3002939"/>
-              <a:ext cx="1917821" cy="276999"/>
+              <a:off x="3191865" y="3071144"/>
+              <a:ext cx="1606348" cy="276999"/>
             </a:xfrm>
             <a:prstGeom prst="rect">
               <a:avLst/>
@@ -10655,8 +10643,8 @@
             </p:sp>
           </mc:Fallback>
         </mc:AlternateContent>
-        <mc:AlternateContent xmlns:mc="http://schemas.openxmlformats.org/markup-compatibility/2006" xmlns:a14="http://schemas.microsoft.com/office/drawing/2010/main">
-          <mc:Choice Requires="a14">
+        <mc:AlternateContent xmlns:mc="http://schemas.openxmlformats.org/markup-compatibility/2006">
+          <mc:Choice xmlns:a14="http://schemas.microsoft.com/office/drawing/2010/main" Requires="a14">
             <p:sp>
               <p:nvSpPr>
                 <p:cNvPr id="57" name="正方形/長方形 56"/>
@@ -10666,7 +10654,7 @@
               <p:spPr>
                 <a:xfrm>
                   <a:off x="3191865" y="1012523"/>
-                  <a:ext cx="1606348" cy="184667"/>
+                  <a:ext cx="1606348" cy="346249"/>
                 </a:xfrm>
                 <a:prstGeom prst="rect">
                   <a:avLst/>
@@ -10678,7 +10666,11 @@
                 </a:bodyPr>
                 <a:lstStyle/>
                 <a:p>
-                  <a:pPr/>
+                  <a:pPr>
+                    <a:lnSpc>
+                      <a:spcPts val="1440"/>
+                    </a:lnSpc>
+                  </a:pPr>
                   <a14:m>
                     <m:oMathPara xmlns:m="http://schemas.openxmlformats.org/officeDocument/2006/math">
                       <m:oMathParaPr>
@@ -10689,7 +10681,7 @@
                           <m:accPr>
                             <m:chr m:val="⃑"/>
                             <m:ctrlPr>
-                              <a:rPr lang="en-US" altLang="ja-JP" sz="1200" i="1">
+                              <a:rPr lang="en-US" altLang="ja-JP" sz="1200" i="1" smtClean="0">
                                 <a:latin typeface="Cambria Math" panose="02040503050406030204" pitchFamily="18" charset="0"/>
                                 <a:ea typeface="Cambria Math" panose="02040503050406030204" pitchFamily="18" charset="0"/>
                               </a:rPr>
@@ -10763,35 +10755,63 @@
                           </a:rPr>
                           <m:t> </m:t>
                         </m:r>
-                        <m:r>
-                          <m:rPr>
-                            <m:sty m:val="p"/>
-                          </m:rPr>
-                          <a:rPr lang="en-US" altLang="ja-JP" sz="1200">
-                            <a:latin typeface="Cambria Math" panose="02040503050406030204" pitchFamily="18" charset="0"/>
-                            <a:ea typeface="Cambria Math" panose="02040503050406030204" pitchFamily="18" charset="0"/>
-                          </a:rPr>
-                          <m:t>to</m:t>
-                        </m:r>
-                        <m:r>
-                          <a:rPr lang="en-US" altLang="ja-JP" sz="1200">
-                            <a:latin typeface="Cambria Math" panose="02040503050406030204" pitchFamily="18" charset="0"/>
-                            <a:ea typeface="Cambria Math" panose="02040503050406030204" pitchFamily="18" charset="0"/>
-                          </a:rPr>
-                          <m:t> </m:t>
-                        </m:r>
-                        <m:r>
-                          <m:rPr>
-                            <m:sty m:val="p"/>
-                          </m:rPr>
-                          <a:rPr lang="en-US" altLang="ja-JP" sz="1200">
-                            <a:latin typeface="Cambria Math" panose="02040503050406030204" pitchFamily="18" charset="0"/>
-                            <a:ea typeface="Cambria Math" panose="02040503050406030204" pitchFamily="18" charset="0"/>
-                          </a:rPr>
-                          <m:t>surface</m:t>
-                        </m:r>
                       </m:oMath>
                     </m:oMathPara>
+                  </a14:m>
+                  <a:endParaRPr lang="en-US" altLang="ja-JP" sz="1200" dirty="0">
+                    <a:latin typeface="Cambria Math" panose="02040503050406030204" pitchFamily="18" charset="0"/>
+                    <a:ea typeface="Cambria Math" panose="02040503050406030204" pitchFamily="18" charset="0"/>
+                  </a:endParaRPr>
+                </a:p>
+                <a:p>
+                  <a:pPr>
+                    <a:lnSpc>
+                      <a:spcPts val="1300"/>
+                    </a:lnSpc>
+                  </a:pPr>
+                  <a:r>
+                    <a:rPr lang="ja-JP" altLang="en-US" sz="1200" dirty="0">
+                      <a:ea typeface="Cambria Math" panose="02040503050406030204" pitchFamily="18" charset="0"/>
+                    </a:rPr>
+                    <a:t>　</a:t>
+                  </a:r>
+                  <a14:m>
+                    <m:oMath xmlns:m="http://schemas.openxmlformats.org/officeDocument/2006/math">
+                      <m:r>
+                        <a:rPr lang="ja-JP" altLang="en-US" sz="1200" i="1" dirty="0" smtClean="0">
+                          <a:latin typeface="Cambria Math" panose="02040503050406030204" pitchFamily="18" charset="0"/>
+                          <a:ea typeface="Cambria Math" panose="02040503050406030204" pitchFamily="18" charset="0"/>
+                        </a:rPr>
+                        <m:t> </m:t>
+                      </m:r>
+                      <m:r>
+                        <m:rPr>
+                          <m:sty m:val="p"/>
+                        </m:rPr>
+                        <a:rPr lang="en-US" altLang="ja-JP" sz="1200">
+                          <a:latin typeface="Cambria Math" panose="02040503050406030204" pitchFamily="18" charset="0"/>
+                          <a:ea typeface="Cambria Math" panose="02040503050406030204" pitchFamily="18" charset="0"/>
+                        </a:rPr>
+                        <m:t>to</m:t>
+                      </m:r>
+                      <m:r>
+                        <a:rPr lang="en-US" altLang="ja-JP" sz="1200">
+                          <a:latin typeface="Cambria Math" panose="02040503050406030204" pitchFamily="18" charset="0"/>
+                          <a:ea typeface="Cambria Math" panose="02040503050406030204" pitchFamily="18" charset="0"/>
+                        </a:rPr>
+                        <m:t> </m:t>
+                      </m:r>
+                      <m:r>
+                        <m:rPr>
+                          <m:sty m:val="p"/>
+                        </m:rPr>
+                        <a:rPr lang="en-US" altLang="ja-JP" sz="1200">
+                          <a:latin typeface="Cambria Math" panose="02040503050406030204" pitchFamily="18" charset="0"/>
+                          <a:ea typeface="Cambria Math" panose="02040503050406030204" pitchFamily="18" charset="0"/>
+                        </a:rPr>
+                        <m:t>surface</m:t>
+                      </m:r>
+                    </m:oMath>
                   </a14:m>
                   <a:endParaRPr lang="ja-JP" altLang="en-US" sz="1200" dirty="0">
                     <a:latin typeface="Cambria Math" panose="02040503050406030204" pitchFamily="18" charset="0"/>
@@ -10800,7 +10820,7 @@
               </p:txBody>
             </p:sp>
           </mc:Choice>
-          <mc:Fallback xmlns="">
+          <mc:Fallback>
             <p:sp>
               <p:nvSpPr>
                 <p:cNvPr id="57" name="正方形/長方形 56"/>
@@ -10812,7 +10832,7 @@
               <p:spPr>
                 <a:xfrm>
                   <a:off x="3191865" y="1012523"/>
-                  <a:ext cx="1606348" cy="184667"/>
+                  <a:ext cx="1606348" cy="346249"/>
                 </a:xfrm>
                 <a:prstGeom prst="rect">
                   <a:avLst/>
@@ -10820,7 +10840,7 @@
                 <a:blipFill>
                   <a:blip r:embed="rId18"/>
                   <a:stretch>
-                    <a:fillRect l="-2662" r="-31939" b="-13333"/>
+                    <a:fillRect l="-2662" b="-7018"/>
                   </a:stretch>
                 </a:blipFill>
               </p:spPr>
